--- a/DeveloperGuide/ArchitectureGuide/architecture.pptx
+++ b/DeveloperGuide/ArchitectureGuide/architecture.pptx
@@ -5,12 +5,15 @@
     <p:sldMasterId id="2147483648" r:id="rId1"/>
   </p:sldMasterIdLst>
   <p:notesMasterIdLst>
-    <p:notesMasterId r:id="rId5"/>
+    <p:notesMasterId r:id="rId8"/>
   </p:notesMasterIdLst>
   <p:sldIdLst>
     <p:sldId id="256" r:id="rId2"/>
     <p:sldId id="257" r:id="rId3"/>
     <p:sldId id="258" r:id="rId4"/>
+    <p:sldId id="259" r:id="rId5"/>
+    <p:sldId id="260" r:id="rId6"/>
+    <p:sldId id="261" r:id="rId7"/>
   </p:sldIdLst>
   <p:sldSz cx="9144000" cy="6858000" type="screen4x3"/>
   <p:notesSz cx="6858000" cy="9144000"/>
@@ -210,7 +213,7 @@
           <a:p>
             <a:fld id="{AF2A1E05-E974-4380-82C7-142D20023EC5}" type="datetimeFigureOut">
               <a:rPr lang="nl-NL" smtClean="0"/>
-              <a:t>29-6-2015</a:t>
+              <a:t>1-12-2015</a:t>
             </a:fld>
             <a:endParaRPr lang="nl-NL"/>
           </a:p>
@@ -522,6 +525,82 @@
           <a:bodyPr/>
           <a:lstStyle/>
           <a:p>
+            <a:r>
+              <a:rPr lang="nl-NL" dirty="0" err="1" smtClean="0"/>
+              <a:t>This</a:t>
+            </a:r>
+            <a:r>
+              <a:rPr lang="nl-NL" dirty="0" smtClean="0"/>
+              <a:t> was </a:t>
+            </a:r>
+            <a:r>
+              <a:rPr lang="nl-NL" dirty="0" err="1" smtClean="0"/>
+              <a:t>the</a:t>
+            </a:r>
+            <a:r>
+              <a:rPr lang="nl-NL" dirty="0" smtClean="0"/>
+              <a:t> first </a:t>
+            </a:r>
+            <a:r>
+              <a:rPr lang="nl-NL" dirty="0" err="1" smtClean="0"/>
+              <a:t>version</a:t>
+            </a:r>
+            <a:r>
+              <a:rPr lang="nl-NL" dirty="0" smtClean="0"/>
+              <a:t> of </a:t>
+            </a:r>
+            <a:r>
+              <a:rPr lang="nl-NL" dirty="0" err="1" smtClean="0"/>
+              <a:t>the</a:t>
+            </a:r>
+            <a:r>
+              <a:rPr lang="nl-NL" dirty="0" smtClean="0"/>
+              <a:t> </a:t>
+            </a:r>
+            <a:r>
+              <a:rPr lang="nl-NL" dirty="0" err="1" smtClean="0"/>
+              <a:t>lamPI</a:t>
+            </a:r>
+            <a:r>
+              <a:rPr lang="nl-NL" dirty="0" smtClean="0"/>
+              <a:t> </a:t>
+            </a:r>
+            <a:r>
+              <a:rPr lang="nl-NL" dirty="0" err="1" smtClean="0"/>
+              <a:t>architecture</a:t>
+            </a:r>
+            <a:r>
+              <a:rPr lang="nl-NL" dirty="0" smtClean="0"/>
+              <a:t> but </a:t>
+            </a:r>
+            <a:r>
+              <a:rPr lang="nl-NL" dirty="0" err="1" smtClean="0"/>
+              <a:t>this</a:t>
+            </a:r>
+            <a:r>
+              <a:rPr lang="nl-NL" dirty="0" smtClean="0"/>
+              <a:t> is </a:t>
+            </a:r>
+            <a:r>
+              <a:rPr lang="nl-NL" dirty="0" err="1" smtClean="0"/>
+              <a:t>not</a:t>
+            </a:r>
+            <a:r>
+              <a:rPr lang="nl-NL" dirty="0" smtClean="0"/>
+              <a:t> </a:t>
+            </a:r>
+            <a:r>
+              <a:rPr lang="nl-NL" dirty="0" err="1" smtClean="0"/>
+              <a:t>used</a:t>
+            </a:r>
+            <a:r>
+              <a:rPr lang="nl-NL" dirty="0" smtClean="0"/>
+              <a:t> </a:t>
+            </a:r>
+            <a:r>
+              <a:rPr lang="nl-NL" dirty="0" err="1" smtClean="0"/>
+              <a:t>anymore</a:t>
+            </a:r>
             <a:endParaRPr lang="nl-NL" dirty="0"/>
           </a:p>
         </p:txBody>
@@ -543,6 +622,102 @@
           <a:p>
             <a:fld id="{158AD81D-3061-441A-B732-6B9A356D8602}" type="slidenum">
               <a:rPr lang="nl-NL" smtClean="0"/>
+              <a:t>2</a:t>
+            </a:fld>
+            <a:endParaRPr lang="nl-NL"/>
+          </a:p>
+        </p:txBody>
+      </p:sp>
+    </p:spTree>
+    <p:extLst>
+      <p:ext uri="{BB962C8B-B14F-4D97-AF65-F5344CB8AC3E}">
+        <p14:creationId xmlns:p14="http://schemas.microsoft.com/office/powerpoint/2010/main" val="3833044187"/>
+      </p:ext>
+    </p:extLst>
+  </p:cSld>
+  <p:clrMapOvr>
+    <a:masterClrMapping/>
+  </p:clrMapOvr>
+</p:notes>
+</file>
+
+<file path=ppt/notesSlides/notesSlide2.xml><?xml version="1.0" encoding="utf-8"?>
+<p:notes xmlns:a="http://schemas.openxmlformats.org/drawingml/2006/main" xmlns:r="http://schemas.openxmlformats.org/officeDocument/2006/relationships" xmlns:p="http://schemas.openxmlformats.org/presentationml/2006/main">
+  <p:cSld>
+    <p:spTree>
+      <p:nvGrpSpPr>
+        <p:cNvPr id="1" name=""/>
+        <p:cNvGrpSpPr/>
+        <p:nvPr/>
+      </p:nvGrpSpPr>
+      <p:grpSpPr>
+        <a:xfrm>
+          <a:off x="0" y="0"/>
+          <a:ext cx="0" cy="0"/>
+          <a:chOff x="0" y="0"/>
+          <a:chExt cx="0" cy="0"/>
+        </a:xfrm>
+      </p:grpSpPr>
+      <p:sp>
+        <p:nvSpPr>
+          <p:cNvPr id="2" name="Tijdelijke aanduiding voor dia-afbeelding 1"/>
+          <p:cNvSpPr>
+            <a:spLocks noGrp="1" noRot="1" noChangeAspect="1"/>
+          </p:cNvSpPr>
+          <p:nvPr>
+            <p:ph type="sldImg"/>
+          </p:nvPr>
+        </p:nvSpPr>
+        <p:spPr/>
+      </p:sp>
+      <p:sp>
+        <p:nvSpPr>
+          <p:cNvPr id="3" name="Tijdelijke aanduiding voor notities 2"/>
+          <p:cNvSpPr>
+            <a:spLocks noGrp="1"/>
+          </p:cNvSpPr>
+          <p:nvPr>
+            <p:ph type="body" idx="1"/>
+          </p:nvPr>
+        </p:nvSpPr>
+        <p:spPr/>
+        <p:txBody>
+          <a:bodyPr/>
+          <a:lstStyle/>
+          <a:p>
+            <a:r>
+              <a:rPr lang="nl-NL" dirty="0" smtClean="0"/>
+              <a:t>Version 2 of </a:t>
+            </a:r>
+            <a:r>
+              <a:rPr lang="nl-NL" dirty="0" err="1" smtClean="0"/>
+              <a:t>the</a:t>
+            </a:r>
+            <a:r>
+              <a:rPr lang="nl-NL" dirty="0" smtClean="0"/>
+              <a:t> Architecture</a:t>
+            </a:r>
+            <a:endParaRPr lang="nl-NL" dirty="0"/>
+          </a:p>
+        </p:txBody>
+      </p:sp>
+      <p:sp>
+        <p:nvSpPr>
+          <p:cNvPr id="4" name="Tijdelijke aanduiding voor dianummer 3"/>
+          <p:cNvSpPr>
+            <a:spLocks noGrp="1"/>
+          </p:cNvSpPr>
+          <p:nvPr>
+            <p:ph type="sldNum" sz="quarter" idx="10"/>
+          </p:nvPr>
+        </p:nvSpPr>
+        <p:spPr/>
+        <p:txBody>
+          <a:bodyPr/>
+          <a:lstStyle/>
+          <a:p>
+            <a:fld id="{158AD81D-3061-441A-B732-6B9A356D8602}" type="slidenum">
+              <a:rPr lang="nl-NL" smtClean="0"/>
               <a:t>3</a:t>
             </a:fld>
             <a:endParaRPr lang="nl-NL"/>
@@ -553,6 +728,630 @@
     <p:extLst>
       <p:ext uri="{BB962C8B-B14F-4D97-AF65-F5344CB8AC3E}">
         <p14:creationId xmlns:p14="http://schemas.microsoft.com/office/powerpoint/2010/main" val="1264833028"/>
+      </p:ext>
+    </p:extLst>
+  </p:cSld>
+  <p:clrMapOvr>
+    <a:masterClrMapping/>
+  </p:clrMapOvr>
+</p:notes>
+</file>
+
+<file path=ppt/notesSlides/notesSlide3.xml><?xml version="1.0" encoding="utf-8"?>
+<p:notes xmlns:a="http://schemas.openxmlformats.org/drawingml/2006/main" xmlns:r="http://schemas.openxmlformats.org/officeDocument/2006/relationships" xmlns:p="http://schemas.openxmlformats.org/presentationml/2006/main">
+  <p:cSld>
+    <p:spTree>
+      <p:nvGrpSpPr>
+        <p:cNvPr id="1" name=""/>
+        <p:cNvGrpSpPr/>
+        <p:nvPr/>
+      </p:nvGrpSpPr>
+      <p:grpSpPr>
+        <a:xfrm>
+          <a:off x="0" y="0"/>
+          <a:ext cx="0" cy="0"/>
+          <a:chOff x="0" y="0"/>
+          <a:chExt cx="0" cy="0"/>
+        </a:xfrm>
+      </p:grpSpPr>
+      <p:sp>
+        <p:nvSpPr>
+          <p:cNvPr id="2" name="Tijdelijke aanduiding voor dia-afbeelding 1"/>
+          <p:cNvSpPr>
+            <a:spLocks noGrp="1" noRot="1" noChangeAspect="1"/>
+          </p:cNvSpPr>
+          <p:nvPr>
+            <p:ph type="sldImg"/>
+          </p:nvPr>
+        </p:nvSpPr>
+        <p:spPr/>
+      </p:sp>
+      <p:sp>
+        <p:nvSpPr>
+          <p:cNvPr id="3" name="Tijdelijke aanduiding voor notities 2"/>
+          <p:cNvSpPr>
+            <a:spLocks noGrp="1"/>
+          </p:cNvSpPr>
+          <p:nvPr>
+            <p:ph type="body" idx="1"/>
+          </p:nvPr>
+        </p:nvSpPr>
+        <p:spPr/>
+        <p:txBody>
+          <a:bodyPr/>
+          <a:lstStyle/>
+          <a:p>
+            <a:r>
+              <a:rPr lang="nl-NL" dirty="0" smtClean="0"/>
+              <a:t>Details on </a:t>
+            </a:r>
+            <a:r>
+              <a:rPr lang="nl-NL" dirty="0" err="1" smtClean="0"/>
+              <a:t>the</a:t>
+            </a:r>
+            <a:r>
+              <a:rPr lang="nl-NL" dirty="0" smtClean="0"/>
+              <a:t> </a:t>
+            </a:r>
+            <a:r>
+              <a:rPr lang="nl-NL" dirty="0" err="1" smtClean="0"/>
+              <a:t>achitectural</a:t>
+            </a:r>
+            <a:r>
+              <a:rPr lang="nl-NL" dirty="0" smtClean="0"/>
+              <a:t> setup. Master, </a:t>
+            </a:r>
+            <a:r>
+              <a:rPr lang="nl-NL" dirty="0" err="1" smtClean="0"/>
+              <a:t>Slave</a:t>
+            </a:r>
+            <a:r>
+              <a:rPr lang="nl-NL" dirty="0" smtClean="0"/>
+              <a:t> </a:t>
+            </a:r>
+            <a:r>
+              <a:rPr lang="nl-NL" dirty="0" err="1" smtClean="0"/>
+              <a:t>and</a:t>
+            </a:r>
+            <a:r>
+              <a:rPr lang="nl-NL" dirty="0" smtClean="0"/>
+              <a:t> </a:t>
+            </a:r>
+            <a:r>
+              <a:rPr lang="nl-NL" dirty="0" err="1" smtClean="0"/>
+              <a:t>connected</a:t>
+            </a:r>
+            <a:r>
+              <a:rPr lang="nl-NL" dirty="0" smtClean="0"/>
+              <a:t> </a:t>
+            </a:r>
+            <a:r>
+              <a:rPr lang="nl-NL" dirty="0" err="1" smtClean="0"/>
+              <a:t>devices</a:t>
+            </a:r>
+            <a:r>
+              <a:rPr lang="nl-NL" baseline="0" dirty="0" smtClean="0"/>
+              <a:t> (</a:t>
+            </a:r>
+            <a:r>
+              <a:rPr lang="nl-NL" baseline="0" dirty="0" err="1" smtClean="0"/>
+              <a:t>wired</a:t>
+            </a:r>
+            <a:r>
+              <a:rPr lang="nl-NL" baseline="0" dirty="0" smtClean="0"/>
+              <a:t>, </a:t>
+            </a:r>
+            <a:r>
+              <a:rPr lang="nl-NL" baseline="0" dirty="0" err="1" smtClean="0"/>
+              <a:t>wireless</a:t>
+            </a:r>
+            <a:r>
+              <a:rPr lang="nl-NL" baseline="0" dirty="0" smtClean="0"/>
+              <a:t>  </a:t>
+            </a:r>
+            <a:r>
+              <a:rPr lang="nl-NL" baseline="0" dirty="0" err="1" smtClean="0"/>
+              <a:t>and</a:t>
+            </a:r>
+            <a:r>
+              <a:rPr lang="nl-NL" baseline="0" dirty="0" smtClean="0"/>
+              <a:t> </a:t>
+            </a:r>
+            <a:r>
+              <a:rPr lang="nl-NL" baseline="0" dirty="0" err="1" smtClean="0"/>
+              <a:t>through</a:t>
+            </a:r>
+            <a:r>
+              <a:rPr lang="nl-NL" baseline="0" dirty="0" smtClean="0"/>
+              <a:t> </a:t>
+            </a:r>
+            <a:r>
+              <a:rPr lang="nl-NL" baseline="0" dirty="0" err="1" smtClean="0"/>
+              <a:t>Arduino</a:t>
+            </a:r>
+            <a:r>
+              <a:rPr lang="nl-NL" baseline="0" dirty="0" smtClean="0"/>
+              <a:t> Gateway)</a:t>
+            </a:r>
+            <a:endParaRPr lang="nl-NL" dirty="0"/>
+          </a:p>
+        </p:txBody>
+      </p:sp>
+      <p:sp>
+        <p:nvSpPr>
+          <p:cNvPr id="4" name="Tijdelijke aanduiding voor dianummer 3"/>
+          <p:cNvSpPr>
+            <a:spLocks noGrp="1"/>
+          </p:cNvSpPr>
+          <p:nvPr>
+            <p:ph type="sldNum" sz="quarter" idx="10"/>
+          </p:nvPr>
+        </p:nvSpPr>
+        <p:spPr/>
+        <p:txBody>
+          <a:bodyPr/>
+          <a:lstStyle/>
+          <a:p>
+            <a:fld id="{158AD81D-3061-441A-B732-6B9A356D8602}" type="slidenum">
+              <a:rPr lang="nl-NL" smtClean="0"/>
+              <a:t>4</a:t>
+            </a:fld>
+            <a:endParaRPr lang="nl-NL"/>
+          </a:p>
+        </p:txBody>
+      </p:sp>
+    </p:spTree>
+    <p:extLst>
+      <p:ext uri="{BB962C8B-B14F-4D97-AF65-F5344CB8AC3E}">
+        <p14:creationId xmlns:p14="http://schemas.microsoft.com/office/powerpoint/2010/main" val="4035328131"/>
+      </p:ext>
+    </p:extLst>
+  </p:cSld>
+  <p:clrMapOvr>
+    <a:masterClrMapping/>
+  </p:clrMapOvr>
+</p:notes>
+</file>
+
+<file path=ppt/notesSlides/notesSlide4.xml><?xml version="1.0" encoding="utf-8"?>
+<p:notes xmlns:a="http://schemas.openxmlformats.org/drawingml/2006/main" xmlns:r="http://schemas.openxmlformats.org/officeDocument/2006/relationships" xmlns:p="http://schemas.openxmlformats.org/presentationml/2006/main">
+  <p:cSld>
+    <p:spTree>
+      <p:nvGrpSpPr>
+        <p:cNvPr id="1" name=""/>
+        <p:cNvGrpSpPr/>
+        <p:nvPr/>
+      </p:nvGrpSpPr>
+      <p:grpSpPr>
+        <a:xfrm>
+          <a:off x="0" y="0"/>
+          <a:ext cx="0" cy="0"/>
+          <a:chOff x="0" y="0"/>
+          <a:chExt cx="0" cy="0"/>
+        </a:xfrm>
+      </p:grpSpPr>
+      <p:sp>
+        <p:nvSpPr>
+          <p:cNvPr id="2" name="Tijdelijke aanduiding voor dia-afbeelding 1"/>
+          <p:cNvSpPr>
+            <a:spLocks noGrp="1" noRot="1" noChangeAspect="1"/>
+          </p:cNvSpPr>
+          <p:nvPr>
+            <p:ph type="sldImg"/>
+          </p:nvPr>
+        </p:nvSpPr>
+        <p:spPr/>
+      </p:sp>
+      <p:sp>
+        <p:nvSpPr>
+          <p:cNvPr id="3" name="Tijdelijke aanduiding voor notities 2"/>
+          <p:cNvSpPr>
+            <a:spLocks noGrp="1"/>
+          </p:cNvSpPr>
+          <p:nvPr>
+            <p:ph type="body" idx="1"/>
+          </p:nvPr>
+        </p:nvSpPr>
+        <p:spPr/>
+        <p:txBody>
+          <a:bodyPr/>
+          <a:lstStyle/>
+          <a:p>
+            <a:r>
+              <a:rPr lang="nl-NL" dirty="0" smtClean="0"/>
+              <a:t>Version 3: </a:t>
+            </a:r>
+            <a:r>
+              <a:rPr lang="nl-NL" dirty="0" err="1" smtClean="0"/>
+              <a:t>Use</a:t>
+            </a:r>
+            <a:r>
+              <a:rPr lang="nl-NL" dirty="0" smtClean="0"/>
+              <a:t> </a:t>
+            </a:r>
+            <a:r>
+              <a:rPr lang="nl-NL" dirty="0" err="1" smtClean="0"/>
+              <a:t>an</a:t>
+            </a:r>
+            <a:r>
+              <a:rPr lang="nl-NL" baseline="0" dirty="0" smtClean="0"/>
+              <a:t> ESP8266 node </a:t>
+            </a:r>
+            <a:r>
+              <a:rPr lang="nl-NL" baseline="0" dirty="0" err="1" smtClean="0"/>
+              <a:t>instead</a:t>
+            </a:r>
+            <a:r>
+              <a:rPr lang="nl-NL" baseline="0" dirty="0" smtClean="0"/>
+              <a:t> of </a:t>
+            </a:r>
+            <a:r>
+              <a:rPr lang="nl-NL" baseline="0" dirty="0" err="1" smtClean="0"/>
+              <a:t>the</a:t>
+            </a:r>
+            <a:r>
+              <a:rPr lang="nl-NL" baseline="0" dirty="0" smtClean="0"/>
+              <a:t> </a:t>
+            </a:r>
+            <a:r>
+              <a:rPr lang="nl-NL" baseline="0" dirty="0" err="1" smtClean="0"/>
+              <a:t>Raspberry</a:t>
+            </a:r>
+            <a:r>
+              <a:rPr lang="nl-NL" baseline="0" dirty="0" smtClean="0"/>
+              <a:t> as a </a:t>
+            </a:r>
+            <a:r>
+              <a:rPr lang="nl-NL" baseline="0" dirty="0" err="1" smtClean="0"/>
+              <a:t>slave</a:t>
+            </a:r>
+            <a:r>
+              <a:rPr lang="nl-NL" baseline="0" dirty="0" smtClean="0"/>
+              <a:t> node. The ESP is </a:t>
+            </a:r>
+            <a:r>
+              <a:rPr lang="nl-NL" baseline="0" dirty="0" err="1" smtClean="0"/>
+              <a:t>much</a:t>
+            </a:r>
+            <a:r>
+              <a:rPr lang="nl-NL" baseline="0" dirty="0" smtClean="0"/>
+              <a:t> </a:t>
+            </a:r>
+            <a:r>
+              <a:rPr lang="nl-NL" baseline="0" dirty="0" err="1" smtClean="0"/>
+              <a:t>cheaper</a:t>
+            </a:r>
+            <a:r>
+              <a:rPr lang="nl-NL" baseline="0" dirty="0" smtClean="0"/>
+              <a:t> </a:t>
+            </a:r>
+            <a:r>
+              <a:rPr lang="nl-NL" baseline="0" dirty="0" err="1" smtClean="0"/>
+              <a:t>and</a:t>
+            </a:r>
+            <a:r>
+              <a:rPr lang="nl-NL" baseline="0" dirty="0" smtClean="0"/>
+              <a:t> as </a:t>
+            </a:r>
+            <a:r>
+              <a:rPr lang="nl-NL" baseline="0" dirty="0" err="1" smtClean="0"/>
+              <a:t>it</a:t>
+            </a:r>
+            <a:r>
+              <a:rPr lang="nl-NL" baseline="0" dirty="0" smtClean="0"/>
+              <a:t> does </a:t>
+            </a:r>
+            <a:r>
+              <a:rPr lang="nl-NL" baseline="0" dirty="0" err="1" smtClean="0"/>
+              <a:t>not</a:t>
+            </a:r>
+            <a:r>
+              <a:rPr lang="nl-NL" baseline="0" dirty="0" smtClean="0"/>
+              <a:t> run </a:t>
+            </a:r>
+            <a:r>
+              <a:rPr lang="nl-NL" baseline="0" dirty="0" err="1" smtClean="0"/>
+              <a:t>the</a:t>
+            </a:r>
+            <a:r>
+              <a:rPr lang="nl-NL" baseline="0" dirty="0" smtClean="0"/>
+              <a:t> Linux operating system </a:t>
+            </a:r>
+            <a:r>
+              <a:rPr lang="nl-NL" baseline="0" dirty="0" err="1" smtClean="0"/>
+              <a:t>its</a:t>
+            </a:r>
+            <a:r>
+              <a:rPr lang="nl-NL" baseline="0" dirty="0" smtClean="0"/>
+              <a:t> </a:t>
+            </a:r>
+            <a:r>
+              <a:rPr lang="nl-NL" baseline="0" dirty="0" err="1" smtClean="0"/>
+              <a:t>bahaviour</a:t>
+            </a:r>
+            <a:r>
+              <a:rPr lang="nl-NL" baseline="0" dirty="0" smtClean="0"/>
+              <a:t> in controlling GPIO </a:t>
+            </a:r>
+            <a:r>
+              <a:rPr lang="nl-NL" baseline="0" dirty="0" err="1" smtClean="0"/>
+              <a:t>interrupts</a:t>
+            </a:r>
+            <a:r>
+              <a:rPr lang="nl-NL" baseline="0" dirty="0" smtClean="0"/>
+              <a:t> is </a:t>
+            </a:r>
+            <a:r>
+              <a:rPr lang="nl-NL" baseline="0" dirty="0" err="1" smtClean="0"/>
+              <a:t>much</a:t>
+            </a:r>
+            <a:r>
+              <a:rPr lang="nl-NL" baseline="0" dirty="0" smtClean="0"/>
+              <a:t> </a:t>
+            </a:r>
+            <a:r>
+              <a:rPr lang="nl-NL" baseline="0" dirty="0" err="1" smtClean="0"/>
+              <a:t>better</a:t>
+            </a:r>
+            <a:r>
+              <a:rPr lang="nl-NL" baseline="0" dirty="0" smtClean="0"/>
+              <a:t>.</a:t>
+            </a:r>
+            <a:endParaRPr lang="nl-NL" dirty="0"/>
+          </a:p>
+        </p:txBody>
+      </p:sp>
+      <p:sp>
+        <p:nvSpPr>
+          <p:cNvPr id="4" name="Tijdelijke aanduiding voor dianummer 3"/>
+          <p:cNvSpPr>
+            <a:spLocks noGrp="1"/>
+          </p:cNvSpPr>
+          <p:nvPr>
+            <p:ph type="sldNum" sz="quarter" idx="10"/>
+          </p:nvPr>
+        </p:nvSpPr>
+        <p:spPr/>
+        <p:txBody>
+          <a:bodyPr/>
+          <a:lstStyle/>
+          <a:p>
+            <a:fld id="{158AD81D-3061-441A-B732-6B9A356D8602}" type="slidenum">
+              <a:rPr lang="nl-NL" smtClean="0"/>
+              <a:t>5</a:t>
+            </a:fld>
+            <a:endParaRPr lang="nl-NL"/>
+          </a:p>
+        </p:txBody>
+      </p:sp>
+    </p:spTree>
+    <p:extLst>
+      <p:ext uri="{BB962C8B-B14F-4D97-AF65-F5344CB8AC3E}">
+        <p14:creationId xmlns:p14="http://schemas.microsoft.com/office/powerpoint/2010/main" val="1418708301"/>
+      </p:ext>
+    </p:extLst>
+  </p:cSld>
+  <p:clrMapOvr>
+    <a:masterClrMapping/>
+  </p:clrMapOvr>
+</p:notes>
+</file>
+
+<file path=ppt/notesSlides/notesSlide5.xml><?xml version="1.0" encoding="utf-8"?>
+<p:notes xmlns:a="http://schemas.openxmlformats.org/drawingml/2006/main" xmlns:r="http://schemas.openxmlformats.org/officeDocument/2006/relationships" xmlns:p="http://schemas.openxmlformats.org/presentationml/2006/main">
+  <p:cSld>
+    <p:spTree>
+      <p:nvGrpSpPr>
+        <p:cNvPr id="1" name=""/>
+        <p:cNvGrpSpPr/>
+        <p:nvPr/>
+      </p:nvGrpSpPr>
+      <p:grpSpPr>
+        <a:xfrm>
+          <a:off x="0" y="0"/>
+          <a:ext cx="0" cy="0"/>
+          <a:chOff x="0" y="0"/>
+          <a:chExt cx="0" cy="0"/>
+        </a:xfrm>
+      </p:grpSpPr>
+      <p:sp>
+        <p:nvSpPr>
+          <p:cNvPr id="2" name="Tijdelijke aanduiding voor dia-afbeelding 1"/>
+          <p:cNvSpPr>
+            <a:spLocks noGrp="1" noRot="1" noChangeAspect="1"/>
+          </p:cNvSpPr>
+          <p:nvPr>
+            <p:ph type="sldImg"/>
+          </p:nvPr>
+        </p:nvSpPr>
+        <p:spPr/>
+      </p:sp>
+      <p:sp>
+        <p:nvSpPr>
+          <p:cNvPr id="3" name="Tijdelijke aanduiding voor notities 2"/>
+          <p:cNvSpPr>
+            <a:spLocks noGrp="1"/>
+          </p:cNvSpPr>
+          <p:nvPr>
+            <p:ph type="body" idx="1"/>
+          </p:nvPr>
+        </p:nvSpPr>
+        <p:spPr/>
+        <p:txBody>
+          <a:bodyPr/>
+          <a:lstStyle/>
+          <a:p>
+            <a:r>
+              <a:rPr lang="nl-NL" dirty="0" smtClean="0"/>
+              <a:t>Version 3: </a:t>
+            </a:r>
+            <a:r>
+              <a:rPr lang="nl-NL" dirty="0" err="1" smtClean="0"/>
+              <a:t>Use</a:t>
+            </a:r>
+            <a:r>
+              <a:rPr lang="nl-NL" dirty="0" smtClean="0"/>
+              <a:t> </a:t>
+            </a:r>
+            <a:r>
+              <a:rPr lang="nl-NL" dirty="0" err="1" smtClean="0"/>
+              <a:t>an</a:t>
+            </a:r>
+            <a:r>
+              <a:rPr lang="nl-NL" baseline="0" dirty="0" smtClean="0"/>
+              <a:t> ESP8266 node </a:t>
+            </a:r>
+            <a:r>
+              <a:rPr lang="nl-NL" baseline="0" dirty="0" err="1" smtClean="0"/>
+              <a:t>instead</a:t>
+            </a:r>
+            <a:r>
+              <a:rPr lang="nl-NL" baseline="0" dirty="0" smtClean="0"/>
+              <a:t> of </a:t>
+            </a:r>
+            <a:r>
+              <a:rPr lang="nl-NL" baseline="0" dirty="0" err="1" smtClean="0"/>
+              <a:t>the</a:t>
+            </a:r>
+            <a:r>
+              <a:rPr lang="nl-NL" baseline="0" dirty="0" smtClean="0"/>
+              <a:t> </a:t>
+            </a:r>
+            <a:r>
+              <a:rPr lang="nl-NL" baseline="0" dirty="0" err="1" smtClean="0"/>
+              <a:t>Raspberry</a:t>
+            </a:r>
+            <a:r>
+              <a:rPr lang="nl-NL" baseline="0" dirty="0" smtClean="0"/>
+              <a:t> as a </a:t>
+            </a:r>
+            <a:r>
+              <a:rPr lang="nl-NL" baseline="0" dirty="0" err="1" smtClean="0"/>
+              <a:t>slave</a:t>
+            </a:r>
+            <a:r>
+              <a:rPr lang="nl-NL" baseline="0" dirty="0" smtClean="0"/>
+              <a:t> node. The ESP is </a:t>
+            </a:r>
+            <a:r>
+              <a:rPr lang="nl-NL" baseline="0" dirty="0" err="1" smtClean="0"/>
+              <a:t>much</a:t>
+            </a:r>
+            <a:r>
+              <a:rPr lang="nl-NL" baseline="0" dirty="0" smtClean="0"/>
+              <a:t> </a:t>
+            </a:r>
+            <a:r>
+              <a:rPr lang="nl-NL" baseline="0" dirty="0" err="1" smtClean="0"/>
+              <a:t>cheaper</a:t>
+            </a:r>
+            <a:r>
+              <a:rPr lang="nl-NL" baseline="0" dirty="0" smtClean="0"/>
+              <a:t> </a:t>
+            </a:r>
+            <a:r>
+              <a:rPr lang="nl-NL" baseline="0" dirty="0" err="1" smtClean="0"/>
+              <a:t>and</a:t>
+            </a:r>
+            <a:r>
+              <a:rPr lang="nl-NL" baseline="0" dirty="0" smtClean="0"/>
+              <a:t> as </a:t>
+            </a:r>
+            <a:r>
+              <a:rPr lang="nl-NL" baseline="0" dirty="0" err="1" smtClean="0"/>
+              <a:t>it</a:t>
+            </a:r>
+            <a:r>
+              <a:rPr lang="nl-NL" baseline="0" dirty="0" smtClean="0"/>
+              <a:t> does </a:t>
+            </a:r>
+            <a:r>
+              <a:rPr lang="nl-NL" baseline="0" dirty="0" err="1" smtClean="0"/>
+              <a:t>not</a:t>
+            </a:r>
+            <a:r>
+              <a:rPr lang="nl-NL" baseline="0" dirty="0" smtClean="0"/>
+              <a:t> run </a:t>
+            </a:r>
+            <a:r>
+              <a:rPr lang="nl-NL" baseline="0" dirty="0" err="1" smtClean="0"/>
+              <a:t>the</a:t>
+            </a:r>
+            <a:r>
+              <a:rPr lang="nl-NL" baseline="0" dirty="0" smtClean="0"/>
+              <a:t> Linux operating system </a:t>
+            </a:r>
+            <a:r>
+              <a:rPr lang="nl-NL" baseline="0" dirty="0" err="1" smtClean="0"/>
+              <a:t>its</a:t>
+            </a:r>
+            <a:r>
+              <a:rPr lang="nl-NL" baseline="0" dirty="0" smtClean="0"/>
+              <a:t> </a:t>
+            </a:r>
+            <a:r>
+              <a:rPr lang="nl-NL" baseline="0" dirty="0" err="1" smtClean="0"/>
+              <a:t>bahaviour</a:t>
+            </a:r>
+            <a:r>
+              <a:rPr lang="nl-NL" baseline="0" dirty="0" smtClean="0"/>
+              <a:t> in controlling GPIO </a:t>
+            </a:r>
+            <a:r>
+              <a:rPr lang="nl-NL" baseline="0" dirty="0" err="1" smtClean="0"/>
+              <a:t>interrupts</a:t>
+            </a:r>
+            <a:r>
+              <a:rPr lang="nl-NL" baseline="0" dirty="0" smtClean="0"/>
+              <a:t> is </a:t>
+            </a:r>
+            <a:r>
+              <a:rPr lang="nl-NL" baseline="0" dirty="0" err="1" smtClean="0"/>
+              <a:t>much</a:t>
+            </a:r>
+            <a:r>
+              <a:rPr lang="nl-NL" baseline="0" dirty="0" smtClean="0"/>
+              <a:t> </a:t>
+            </a:r>
+            <a:r>
+              <a:rPr lang="nl-NL" baseline="0" dirty="0" err="1" smtClean="0"/>
+              <a:t>better</a:t>
+            </a:r>
+            <a:r>
+              <a:rPr lang="nl-NL" baseline="0" dirty="0" smtClean="0"/>
+              <a:t>.</a:t>
+            </a:r>
+            <a:endParaRPr lang="nl-NL" dirty="0"/>
+          </a:p>
+        </p:txBody>
+      </p:sp>
+      <p:sp>
+        <p:nvSpPr>
+          <p:cNvPr id="4" name="Tijdelijke aanduiding voor dianummer 3"/>
+          <p:cNvSpPr>
+            <a:spLocks noGrp="1"/>
+          </p:cNvSpPr>
+          <p:nvPr>
+            <p:ph type="sldNum" sz="quarter" idx="10"/>
+          </p:nvPr>
+        </p:nvSpPr>
+        <p:spPr/>
+        <p:txBody>
+          <a:bodyPr/>
+          <a:lstStyle/>
+          <a:p>
+            <a:fld id="{158AD81D-3061-441A-B732-6B9A356D8602}" type="slidenum">
+              <a:rPr lang="nl-NL" smtClean="0"/>
+              <a:t>6</a:t>
+            </a:fld>
+            <a:endParaRPr lang="nl-NL"/>
+          </a:p>
+        </p:txBody>
+      </p:sp>
+    </p:spTree>
+    <p:extLst>
+      <p:ext uri="{BB962C8B-B14F-4D97-AF65-F5344CB8AC3E}">
+        <p14:creationId xmlns:p14="http://schemas.microsoft.com/office/powerpoint/2010/main" val="168732367"/>
       </p:ext>
     </p:extLst>
   </p:cSld>
@@ -743,7 +1542,7 @@
           <a:p>
             <a:fld id="{2E5BAFD1-66B7-4D5A-B614-B7EE7B6EB2D0}" type="datetimeFigureOut">
               <a:rPr lang="en-US" smtClean="0"/>
-              <a:t>6/28/2015</a:t>
+              <a:t>12/1/2015</a:t>
             </a:fld>
             <a:endParaRPr lang="en-US"/>
           </a:p>
@@ -913,7 +1712,7 @@
           <a:p>
             <a:fld id="{2E5BAFD1-66B7-4D5A-B614-B7EE7B6EB2D0}" type="datetimeFigureOut">
               <a:rPr lang="en-US" smtClean="0"/>
-              <a:t>6/28/2015</a:t>
+              <a:t>12/1/2015</a:t>
             </a:fld>
             <a:endParaRPr lang="en-US"/>
           </a:p>
@@ -1093,7 +1892,7 @@
           <a:p>
             <a:fld id="{2E5BAFD1-66B7-4D5A-B614-B7EE7B6EB2D0}" type="datetimeFigureOut">
               <a:rPr lang="en-US" smtClean="0"/>
-              <a:t>6/28/2015</a:t>
+              <a:t>12/1/2015</a:t>
             </a:fld>
             <a:endParaRPr lang="en-US"/>
           </a:p>
@@ -1263,7 +2062,7 @@
           <a:p>
             <a:fld id="{2E5BAFD1-66B7-4D5A-B614-B7EE7B6EB2D0}" type="datetimeFigureOut">
               <a:rPr lang="en-US" smtClean="0"/>
-              <a:t>6/28/2015</a:t>
+              <a:t>12/1/2015</a:t>
             </a:fld>
             <a:endParaRPr lang="en-US"/>
           </a:p>
@@ -1509,7 +2308,7 @@
           <a:p>
             <a:fld id="{2E5BAFD1-66B7-4D5A-B614-B7EE7B6EB2D0}" type="datetimeFigureOut">
               <a:rPr lang="en-US" smtClean="0"/>
-              <a:t>6/28/2015</a:t>
+              <a:t>12/1/2015</a:t>
             </a:fld>
             <a:endParaRPr lang="en-US"/>
           </a:p>
@@ -1797,7 +2596,7 @@
           <a:p>
             <a:fld id="{2E5BAFD1-66B7-4D5A-B614-B7EE7B6EB2D0}" type="datetimeFigureOut">
               <a:rPr lang="en-US" smtClean="0"/>
-              <a:t>6/28/2015</a:t>
+              <a:t>12/1/2015</a:t>
             </a:fld>
             <a:endParaRPr lang="en-US"/>
           </a:p>
@@ -2219,7 +3018,7 @@
           <a:p>
             <a:fld id="{2E5BAFD1-66B7-4D5A-B614-B7EE7B6EB2D0}" type="datetimeFigureOut">
               <a:rPr lang="en-US" smtClean="0"/>
-              <a:t>6/28/2015</a:t>
+              <a:t>12/1/2015</a:t>
             </a:fld>
             <a:endParaRPr lang="en-US"/>
           </a:p>
@@ -2337,7 +3136,7 @@
           <a:p>
             <a:fld id="{2E5BAFD1-66B7-4D5A-B614-B7EE7B6EB2D0}" type="datetimeFigureOut">
               <a:rPr lang="en-US" smtClean="0"/>
-              <a:t>6/28/2015</a:t>
+              <a:t>12/1/2015</a:t>
             </a:fld>
             <a:endParaRPr lang="en-US"/>
           </a:p>
@@ -2432,7 +3231,7 @@
           <a:p>
             <a:fld id="{2E5BAFD1-66B7-4D5A-B614-B7EE7B6EB2D0}" type="datetimeFigureOut">
               <a:rPr lang="en-US" smtClean="0"/>
-              <a:t>6/28/2015</a:t>
+              <a:t>12/1/2015</a:t>
             </a:fld>
             <a:endParaRPr lang="en-US"/>
           </a:p>
@@ -2709,7 +3508,7 @@
           <a:p>
             <a:fld id="{2E5BAFD1-66B7-4D5A-B614-B7EE7B6EB2D0}" type="datetimeFigureOut">
               <a:rPr lang="en-US" smtClean="0"/>
-              <a:t>6/28/2015</a:t>
+              <a:t>12/1/2015</a:t>
             </a:fld>
             <a:endParaRPr lang="en-US"/>
           </a:p>
@@ -2962,7 +3761,7 @@
           <a:p>
             <a:fld id="{2E5BAFD1-66B7-4D5A-B614-B7EE7B6EB2D0}" type="datetimeFigureOut">
               <a:rPr lang="en-US" smtClean="0"/>
-              <a:t>6/28/2015</a:t>
+              <a:t>12/1/2015</a:t>
             </a:fld>
             <a:endParaRPr lang="en-US"/>
           </a:p>
@@ -3175,7 +3974,7 @@
           <a:p>
             <a:fld id="{2E5BAFD1-66B7-4D5A-B614-B7EE7B6EB2D0}" type="datetimeFigureOut">
               <a:rPr lang="en-US" smtClean="0"/>
-              <a:t>6/28/2015</a:t>
+              <a:t>12/1/2015</a:t>
             </a:fld>
             <a:endParaRPr lang="en-US"/>
           </a:p>
@@ -3637,7 +4436,11 @@
           <a:bodyPr/>
           <a:lstStyle/>
           <a:p>
-            <a:endParaRPr lang="en-US"/>
+            <a:r>
+              <a:rPr lang="en-US" dirty="0" smtClean="0"/>
+              <a:t>Slides</a:t>
+            </a:r>
+            <a:endParaRPr lang="en-US" dirty="0"/>
           </a:p>
         </p:txBody>
       </p:sp>
@@ -3653,7 +4456,7 @@
         </p:nvSpPr>
         <p:spPr>
           <a:xfrm>
-            <a:off x="683568" y="5013176"/>
+            <a:off x="683568" y="260648"/>
             <a:ext cx="7772400" cy="1470025"/>
           </a:xfrm>
         </p:spPr>
@@ -3661,6 +4464,18 @@
           <a:bodyPr/>
           <a:lstStyle/>
           <a:p>
+            <a:r>
+              <a:rPr lang="en-US" dirty="0" err="1" smtClean="0"/>
+              <a:t>LamPI</a:t>
+            </a:r>
+            <a:r>
+              <a:rPr lang="en-US" dirty="0" smtClean="0"/>
+              <a:t> </a:t>
+            </a:r>
+            <a:r>
+              <a:rPr lang="en-US" dirty="0" err="1" smtClean="0"/>
+              <a:t>Achitecture</a:t>
+            </a:r>
             <a:endParaRPr lang="en-US" dirty="0"/>
           </a:p>
         </p:txBody>
@@ -6914,6 +7729,4359 @@
     <p:extLst>
       <p:ext uri="{BB962C8B-B14F-4D97-AF65-F5344CB8AC3E}">
         <p14:creationId xmlns:p14="http://schemas.microsoft.com/office/powerpoint/2010/main" val="224036832"/>
+      </p:ext>
+    </p:extLst>
+  </p:cSld>
+  <p:clrMapOvr>
+    <a:masterClrMapping/>
+  </p:clrMapOvr>
+  <p:timing>
+    <p:tnLst>
+      <p:par>
+        <p:cTn id="1" dur="indefinite" restart="never" nodeType="tmRoot"/>
+      </p:par>
+    </p:tnLst>
+  </p:timing>
+</p:sld>
+</file>
+
+<file path=ppt/slides/slide4.xml><?xml version="1.0" encoding="utf-8"?>
+<p:sld xmlns:a="http://schemas.openxmlformats.org/drawingml/2006/main" xmlns:r="http://schemas.openxmlformats.org/officeDocument/2006/relationships" xmlns:p="http://schemas.openxmlformats.org/presentationml/2006/main">
+  <p:cSld>
+    <p:spTree>
+      <p:nvGrpSpPr>
+        <p:cNvPr id="1" name=""/>
+        <p:cNvGrpSpPr/>
+        <p:nvPr/>
+      </p:nvGrpSpPr>
+      <p:grpSpPr>
+        <a:xfrm>
+          <a:off x="0" y="0"/>
+          <a:ext cx="0" cy="0"/>
+          <a:chOff x="0" y="0"/>
+          <a:chExt cx="0" cy="0"/>
+        </a:xfrm>
+      </p:grpSpPr>
+      <p:sp>
+        <p:nvSpPr>
+          <p:cNvPr id="63" name="Stroomdiagram: Vooraf gedefinieerd proces 62"/>
+          <p:cNvSpPr/>
+          <p:nvPr/>
+        </p:nvSpPr>
+        <p:spPr>
+          <a:xfrm>
+            <a:off x="3079865" y="4808698"/>
+            <a:ext cx="1718838" cy="611855"/>
+          </a:xfrm>
+          <a:prstGeom prst="flowChartPredefinedProcess">
+            <a:avLst/>
+          </a:prstGeom>
+        </p:spPr>
+        <p:style>
+          <a:lnRef idx="2">
+            <a:schemeClr val="accent1">
+              <a:shade val="50000"/>
+            </a:schemeClr>
+          </a:lnRef>
+          <a:fillRef idx="1">
+            <a:schemeClr val="accent1"/>
+          </a:fillRef>
+          <a:effectRef idx="0">
+            <a:schemeClr val="accent1"/>
+          </a:effectRef>
+          <a:fontRef idx="minor">
+            <a:schemeClr val="lt1"/>
+          </a:fontRef>
+        </p:style>
+        <p:txBody>
+          <a:bodyPr rtlCol="0" anchor="ctr"/>
+          <a:lstStyle/>
+          <a:p>
+            <a:pPr algn="ctr"/>
+            <a:r>
+              <a:rPr lang="nl-NL" dirty="0" smtClean="0"/>
+              <a:t>433MHz </a:t>
+            </a:r>
+            <a:r>
+              <a:rPr lang="nl-NL" dirty="0" err="1" smtClean="0"/>
+              <a:t>transceiver</a:t>
+            </a:r>
+            <a:endParaRPr lang="en-US" dirty="0"/>
+          </a:p>
+        </p:txBody>
+      </p:sp>
+      <p:sp>
+        <p:nvSpPr>
+          <p:cNvPr id="62" name="Stroomdiagram: Vooraf gedefinieerd proces 61"/>
+          <p:cNvSpPr/>
+          <p:nvPr/>
+        </p:nvSpPr>
+        <p:spPr>
+          <a:xfrm>
+            <a:off x="3085156" y="3733068"/>
+            <a:ext cx="1420089" cy="683748"/>
+          </a:xfrm>
+          <a:prstGeom prst="flowChartPredefinedProcess">
+            <a:avLst/>
+          </a:prstGeom>
+        </p:spPr>
+        <p:style>
+          <a:lnRef idx="2">
+            <a:schemeClr val="accent1">
+              <a:shade val="50000"/>
+            </a:schemeClr>
+          </a:lnRef>
+          <a:fillRef idx="1">
+            <a:schemeClr val="accent1"/>
+          </a:fillRef>
+          <a:effectRef idx="0">
+            <a:schemeClr val="accent1"/>
+          </a:effectRef>
+          <a:fontRef idx="minor">
+            <a:schemeClr val="lt1"/>
+          </a:fontRef>
+        </p:style>
+        <p:txBody>
+          <a:bodyPr rtlCol="0" anchor="ctr"/>
+          <a:lstStyle/>
+          <a:p>
+            <a:pPr algn="ctr"/>
+            <a:r>
+              <a:rPr lang="nl-NL" dirty="0" err="1" smtClean="0"/>
+              <a:t>Wired</a:t>
+            </a:r>
+            <a:endParaRPr lang="nl-NL" dirty="0" smtClean="0"/>
+          </a:p>
+        </p:txBody>
+      </p:sp>
+      <p:sp>
+        <p:nvSpPr>
+          <p:cNvPr id="60" name="Stroomdiagram: Vooraf gedefinieerd proces 59"/>
+          <p:cNvSpPr/>
+          <p:nvPr/>
+        </p:nvSpPr>
+        <p:spPr>
+          <a:xfrm>
+            <a:off x="3258837" y="3919835"/>
+            <a:ext cx="1541796" cy="738348"/>
+          </a:xfrm>
+          <a:prstGeom prst="flowChartPredefinedProcess">
+            <a:avLst/>
+          </a:prstGeom>
+        </p:spPr>
+        <p:style>
+          <a:lnRef idx="2">
+            <a:schemeClr val="accent1">
+              <a:shade val="50000"/>
+            </a:schemeClr>
+          </a:lnRef>
+          <a:fillRef idx="1">
+            <a:schemeClr val="accent1"/>
+          </a:fillRef>
+          <a:effectRef idx="0">
+            <a:schemeClr val="accent1"/>
+          </a:effectRef>
+          <a:fontRef idx="minor">
+            <a:schemeClr val="lt1"/>
+          </a:fontRef>
+        </p:style>
+        <p:txBody>
+          <a:bodyPr rtlCol="0" anchor="ctr"/>
+          <a:lstStyle/>
+          <a:p>
+            <a:pPr algn="ctr"/>
+            <a:r>
+              <a:rPr lang="nl-NL" dirty="0" err="1" smtClean="0"/>
+              <a:t>Wired</a:t>
+            </a:r>
+            <a:endParaRPr lang="nl-NL" dirty="0" smtClean="0"/>
+          </a:p>
+          <a:p>
+            <a:pPr algn="ctr"/>
+            <a:r>
+              <a:rPr lang="nl-NL" dirty="0" smtClean="0"/>
+              <a:t>Sensors</a:t>
+            </a:r>
+            <a:endParaRPr lang="en-US" dirty="0"/>
+          </a:p>
+        </p:txBody>
+      </p:sp>
+      <p:sp>
+        <p:nvSpPr>
+          <p:cNvPr id="111" name="Afgeronde rechthoek 110"/>
+          <p:cNvSpPr/>
+          <p:nvPr/>
+        </p:nvSpPr>
+        <p:spPr>
+          <a:xfrm>
+            <a:off x="179661" y="2998156"/>
+            <a:ext cx="4685625" cy="592250"/>
+          </a:xfrm>
+          <a:prstGeom prst="roundRect">
+            <a:avLst/>
+          </a:prstGeom>
+          <a:solidFill>
+            <a:schemeClr val="accent5">
+              <a:lumMod val="20000"/>
+              <a:lumOff val="80000"/>
+            </a:schemeClr>
+          </a:solidFill>
+          <a:ln>
+            <a:noFill/>
+          </a:ln>
+        </p:spPr>
+        <p:style>
+          <a:lnRef idx="2">
+            <a:schemeClr val="accent1">
+              <a:shade val="50000"/>
+            </a:schemeClr>
+          </a:lnRef>
+          <a:fillRef idx="1">
+            <a:schemeClr val="accent1"/>
+          </a:fillRef>
+          <a:effectRef idx="0">
+            <a:schemeClr val="accent1"/>
+          </a:effectRef>
+          <a:fontRef idx="minor">
+            <a:schemeClr val="lt1"/>
+          </a:fontRef>
+        </p:style>
+        <p:txBody>
+          <a:bodyPr rtlCol="0" anchor="ctr"/>
+          <a:lstStyle/>
+          <a:p>
+            <a:pPr algn="ctr"/>
+            <a:endParaRPr lang="en-US"/>
+          </a:p>
+        </p:txBody>
+      </p:sp>
+      <p:grpSp>
+        <p:nvGrpSpPr>
+          <p:cNvPr id="6" name="Groep 5"/>
+          <p:cNvGrpSpPr/>
+          <p:nvPr/>
+        </p:nvGrpSpPr>
+        <p:grpSpPr>
+          <a:xfrm>
+            <a:off x="3185921" y="1960154"/>
+            <a:ext cx="803976" cy="908859"/>
+            <a:chOff x="5865390" y="5737239"/>
+            <a:chExt cx="845103" cy="1005166"/>
+          </a:xfrm>
+        </p:grpSpPr>
+        <p:sp>
+          <p:nvSpPr>
+            <p:cNvPr id="42" name="Stroomdiagram: Magnetische schijf 41"/>
+            <p:cNvSpPr/>
+            <p:nvPr/>
+          </p:nvSpPr>
+          <p:spPr>
+            <a:xfrm>
+              <a:off x="5885441" y="5737239"/>
+              <a:ext cx="825052" cy="1005166"/>
+            </a:xfrm>
+            <a:prstGeom prst="flowChartMagneticDisk">
+              <a:avLst/>
+            </a:prstGeom>
+          </p:spPr>
+          <p:style>
+            <a:lnRef idx="2">
+              <a:schemeClr val="accent1">
+                <a:shade val="50000"/>
+              </a:schemeClr>
+            </a:lnRef>
+            <a:fillRef idx="1">
+              <a:schemeClr val="accent1"/>
+            </a:fillRef>
+            <a:effectRef idx="0">
+              <a:schemeClr val="accent1"/>
+            </a:effectRef>
+            <a:fontRef idx="minor">
+              <a:schemeClr val="lt1"/>
+            </a:fontRef>
+          </p:style>
+          <p:txBody>
+            <a:bodyPr rtlCol="0" anchor="ctr"/>
+            <a:lstStyle/>
+            <a:p>
+              <a:pPr algn="ctr"/>
+              <a:endParaRPr lang="en-US"/>
+            </a:p>
+          </p:txBody>
+        </p:sp>
+        <p:sp>
+          <p:nvSpPr>
+            <p:cNvPr id="10" name="Tekstvak 9"/>
+            <p:cNvSpPr txBox="1"/>
+            <p:nvPr/>
+          </p:nvSpPr>
+          <p:spPr>
+            <a:xfrm>
+              <a:off x="5865390" y="6028571"/>
+              <a:ext cx="845103" cy="369332"/>
+            </a:xfrm>
+            <a:prstGeom prst="rect">
+              <a:avLst/>
+            </a:prstGeom>
+            <a:noFill/>
+          </p:spPr>
+          <p:txBody>
+            <a:bodyPr wrap="none" rtlCol="0">
+              <a:spAutoFit/>
+            </a:bodyPr>
+            <a:lstStyle/>
+            <a:p>
+              <a:r>
+                <a:rPr lang="nl-NL" dirty="0" err="1" smtClean="0">
+                  <a:solidFill>
+                    <a:schemeClr val="bg1"/>
+                  </a:solidFill>
+                </a:rPr>
+                <a:t>MySQL</a:t>
+              </a:r>
+              <a:endParaRPr lang="en-US" dirty="0">
+                <a:solidFill>
+                  <a:schemeClr val="bg1"/>
+                </a:solidFill>
+              </a:endParaRPr>
+            </a:p>
+          </p:txBody>
+        </p:sp>
+      </p:grpSp>
+      <p:sp>
+        <p:nvSpPr>
+          <p:cNvPr id="20" name="Rechthoek 19"/>
+          <p:cNvSpPr/>
+          <p:nvPr/>
+        </p:nvSpPr>
+        <p:spPr>
+          <a:xfrm>
+            <a:off x="112757" y="13672"/>
+            <a:ext cx="1364468" cy="622920"/>
+          </a:xfrm>
+          <a:prstGeom prst="rect">
+            <a:avLst/>
+          </a:prstGeom>
+          <a:solidFill>
+            <a:schemeClr val="bg2">
+              <a:lumMod val="90000"/>
+            </a:schemeClr>
+          </a:solidFill>
+        </p:spPr>
+        <p:style>
+          <a:lnRef idx="2">
+            <a:schemeClr val="accent1">
+              <a:shade val="50000"/>
+            </a:schemeClr>
+          </a:lnRef>
+          <a:fillRef idx="1">
+            <a:schemeClr val="accent1"/>
+          </a:fillRef>
+          <a:effectRef idx="0">
+            <a:schemeClr val="accent1"/>
+          </a:effectRef>
+          <a:fontRef idx="minor">
+            <a:schemeClr val="lt1"/>
+          </a:fontRef>
+        </p:style>
+        <p:txBody>
+          <a:bodyPr rtlCol="0" anchor="ctr"/>
+          <a:lstStyle/>
+          <a:p>
+            <a:pPr algn="ctr"/>
+            <a:r>
+              <a:rPr lang="nl-NL" dirty="0" smtClean="0"/>
+              <a:t>GUI </a:t>
+            </a:r>
+            <a:r>
+              <a:rPr lang="nl-NL" dirty="0" err="1" smtClean="0"/>
+              <a:t>Clients</a:t>
+            </a:r>
+            <a:endParaRPr lang="en-US" dirty="0"/>
+          </a:p>
+        </p:txBody>
+      </p:sp>
+      <p:sp>
+        <p:nvSpPr>
+          <p:cNvPr id="21" name="Rechthoek 20"/>
+          <p:cNvSpPr/>
+          <p:nvPr/>
+        </p:nvSpPr>
+        <p:spPr>
+          <a:xfrm>
+            <a:off x="265157" y="166072"/>
+            <a:ext cx="1364468" cy="622920"/>
+          </a:xfrm>
+          <a:prstGeom prst="rect">
+            <a:avLst/>
+          </a:prstGeom>
+          <a:solidFill>
+            <a:schemeClr val="bg2">
+              <a:lumMod val="90000"/>
+            </a:schemeClr>
+          </a:solidFill>
+        </p:spPr>
+        <p:style>
+          <a:lnRef idx="2">
+            <a:schemeClr val="accent1">
+              <a:shade val="50000"/>
+            </a:schemeClr>
+          </a:lnRef>
+          <a:fillRef idx="1">
+            <a:schemeClr val="accent1"/>
+          </a:fillRef>
+          <a:effectRef idx="0">
+            <a:schemeClr val="accent1"/>
+          </a:effectRef>
+          <a:fontRef idx="minor">
+            <a:schemeClr val="lt1"/>
+          </a:fontRef>
+        </p:style>
+        <p:txBody>
+          <a:bodyPr rtlCol="0" anchor="ctr"/>
+          <a:lstStyle/>
+          <a:p>
+            <a:pPr algn="ctr"/>
+            <a:r>
+              <a:rPr lang="nl-NL" dirty="0" smtClean="0"/>
+              <a:t>GUI </a:t>
+            </a:r>
+            <a:r>
+              <a:rPr lang="nl-NL" dirty="0" err="1" smtClean="0"/>
+              <a:t>Clients</a:t>
+            </a:r>
+            <a:endParaRPr lang="en-US" dirty="0"/>
+          </a:p>
+        </p:txBody>
+      </p:sp>
+      <p:sp>
+        <p:nvSpPr>
+          <p:cNvPr id="22" name="Rechthoek 21"/>
+          <p:cNvSpPr/>
+          <p:nvPr/>
+        </p:nvSpPr>
+        <p:spPr>
+          <a:xfrm>
+            <a:off x="417557" y="318472"/>
+            <a:ext cx="1364468" cy="622920"/>
+          </a:xfrm>
+          <a:prstGeom prst="rect">
+            <a:avLst/>
+          </a:prstGeom>
+          <a:solidFill>
+            <a:schemeClr val="bg2">
+              <a:lumMod val="90000"/>
+            </a:schemeClr>
+          </a:solidFill>
+        </p:spPr>
+        <p:style>
+          <a:lnRef idx="2">
+            <a:schemeClr val="accent1">
+              <a:shade val="50000"/>
+            </a:schemeClr>
+          </a:lnRef>
+          <a:fillRef idx="1">
+            <a:schemeClr val="accent1"/>
+          </a:fillRef>
+          <a:effectRef idx="0">
+            <a:schemeClr val="accent1"/>
+          </a:effectRef>
+          <a:fontRef idx="minor">
+            <a:schemeClr val="lt1"/>
+          </a:fontRef>
+        </p:style>
+        <p:txBody>
+          <a:bodyPr rtlCol="0" anchor="ctr"/>
+          <a:lstStyle/>
+          <a:p>
+            <a:pPr algn="ctr"/>
+            <a:r>
+              <a:rPr lang="nl-NL" dirty="0" smtClean="0"/>
+              <a:t>GUI </a:t>
+            </a:r>
+            <a:r>
+              <a:rPr lang="nl-NL" dirty="0" err="1" smtClean="0"/>
+              <a:t>Clients</a:t>
+            </a:r>
+            <a:endParaRPr lang="en-US" dirty="0"/>
+          </a:p>
+        </p:txBody>
+      </p:sp>
+      <p:sp>
+        <p:nvSpPr>
+          <p:cNvPr id="23" name="Rechthoek 22"/>
+          <p:cNvSpPr/>
+          <p:nvPr/>
+        </p:nvSpPr>
+        <p:spPr>
+          <a:xfrm>
+            <a:off x="569957" y="470872"/>
+            <a:ext cx="1364468" cy="622920"/>
+          </a:xfrm>
+          <a:prstGeom prst="rect">
+            <a:avLst/>
+          </a:prstGeom>
+          <a:solidFill>
+            <a:schemeClr val="bg1">
+              <a:lumMod val="95000"/>
+            </a:schemeClr>
+          </a:solidFill>
+          <a:ln>
+            <a:solidFill>
+              <a:schemeClr val="tx2">
+                <a:lumMod val="75000"/>
+              </a:schemeClr>
+            </a:solidFill>
+          </a:ln>
+        </p:spPr>
+        <p:style>
+          <a:lnRef idx="2">
+            <a:schemeClr val="accent1">
+              <a:shade val="50000"/>
+            </a:schemeClr>
+          </a:lnRef>
+          <a:fillRef idx="1">
+            <a:schemeClr val="accent1"/>
+          </a:fillRef>
+          <a:effectRef idx="0">
+            <a:schemeClr val="accent1"/>
+          </a:effectRef>
+          <a:fontRef idx="minor">
+            <a:schemeClr val="lt1"/>
+          </a:fontRef>
+        </p:style>
+        <p:txBody>
+          <a:bodyPr rtlCol="0" anchor="ctr"/>
+          <a:lstStyle/>
+          <a:p>
+            <a:pPr algn="ctr"/>
+            <a:r>
+              <a:rPr lang="nl-NL" dirty="0" smtClean="0">
+                <a:solidFill>
+                  <a:schemeClr val="tx2">
+                    <a:lumMod val="75000"/>
+                  </a:schemeClr>
+                </a:solidFill>
+              </a:rPr>
+              <a:t>GUI </a:t>
+            </a:r>
+            <a:r>
+              <a:rPr lang="nl-NL" dirty="0" err="1" smtClean="0">
+                <a:solidFill>
+                  <a:schemeClr val="tx2">
+                    <a:lumMod val="75000"/>
+                  </a:schemeClr>
+                </a:solidFill>
+              </a:rPr>
+              <a:t>Clients</a:t>
+            </a:r>
+            <a:endParaRPr lang="en-US" dirty="0">
+              <a:solidFill>
+                <a:schemeClr val="tx2">
+                  <a:lumMod val="75000"/>
+                </a:schemeClr>
+              </a:solidFill>
+            </a:endParaRPr>
+          </a:p>
+        </p:txBody>
+      </p:sp>
+      <p:grpSp>
+        <p:nvGrpSpPr>
+          <p:cNvPr id="2" name="Groep 1"/>
+          <p:cNvGrpSpPr/>
+          <p:nvPr/>
+        </p:nvGrpSpPr>
+        <p:grpSpPr>
+          <a:xfrm>
+            <a:off x="4082598" y="1635667"/>
+            <a:ext cx="800826" cy="980061"/>
+            <a:chOff x="6726468" y="2592955"/>
+            <a:chExt cx="919336" cy="1236111"/>
+          </a:xfrm>
+        </p:grpSpPr>
+        <p:sp>
+          <p:nvSpPr>
+            <p:cNvPr id="43" name="Stroomdiagram: Magnetische schijf 42"/>
+            <p:cNvSpPr/>
+            <p:nvPr/>
+          </p:nvSpPr>
+          <p:spPr>
+            <a:xfrm>
+              <a:off x="6726468" y="2592955"/>
+              <a:ext cx="919336" cy="1236111"/>
+            </a:xfrm>
+            <a:prstGeom prst="flowChartMagneticDisk">
+              <a:avLst/>
+            </a:prstGeom>
+          </p:spPr>
+          <p:style>
+            <a:lnRef idx="2">
+              <a:schemeClr val="accent1">
+                <a:shade val="50000"/>
+              </a:schemeClr>
+            </a:lnRef>
+            <a:fillRef idx="1">
+              <a:schemeClr val="accent1"/>
+            </a:fillRef>
+            <a:effectRef idx="0">
+              <a:schemeClr val="accent1"/>
+            </a:effectRef>
+            <a:fontRef idx="minor">
+              <a:schemeClr val="lt1"/>
+            </a:fontRef>
+          </p:style>
+          <p:txBody>
+            <a:bodyPr rtlCol="0" anchor="ctr"/>
+            <a:lstStyle/>
+            <a:p>
+              <a:pPr algn="ctr"/>
+              <a:endParaRPr lang="en-US"/>
+            </a:p>
+          </p:txBody>
+        </p:sp>
+        <p:sp>
+          <p:nvSpPr>
+            <p:cNvPr id="45" name="Tekstvak 44"/>
+            <p:cNvSpPr txBox="1"/>
+            <p:nvPr/>
+          </p:nvSpPr>
+          <p:spPr>
+            <a:xfrm>
+              <a:off x="6806056" y="3031404"/>
+              <a:ext cx="835742" cy="646331"/>
+            </a:xfrm>
+            <a:prstGeom prst="rect">
+              <a:avLst/>
+            </a:prstGeom>
+            <a:noFill/>
+          </p:spPr>
+          <p:txBody>
+            <a:bodyPr wrap="none" rtlCol="0">
+              <a:spAutoFit/>
+            </a:bodyPr>
+            <a:lstStyle/>
+            <a:p>
+              <a:r>
+                <a:rPr lang="nl-NL" dirty="0" err="1" smtClean="0">
+                  <a:solidFill>
+                    <a:schemeClr val="bg1"/>
+                  </a:solidFill>
+                </a:rPr>
+                <a:t>Config</a:t>
+              </a:r>
+              <a:r>
+                <a:rPr lang="nl-NL" dirty="0" smtClean="0">
+                  <a:solidFill>
+                    <a:schemeClr val="bg1"/>
+                  </a:solidFill>
+                </a:rPr>
+                <a:t> </a:t>
+              </a:r>
+            </a:p>
+            <a:p>
+              <a:r>
+                <a:rPr lang="nl-NL" dirty="0" smtClean="0">
+                  <a:solidFill>
+                    <a:schemeClr val="bg1"/>
+                  </a:solidFill>
+                </a:rPr>
+                <a:t>file</a:t>
+              </a:r>
+              <a:endParaRPr lang="en-US" dirty="0">
+                <a:solidFill>
+                  <a:schemeClr val="bg1"/>
+                </a:solidFill>
+              </a:endParaRPr>
+            </a:p>
+          </p:txBody>
+        </p:sp>
+      </p:grpSp>
+      <p:sp>
+        <p:nvSpPr>
+          <p:cNvPr id="51" name="Stroomdiagram: Alternatief proces 50"/>
+          <p:cNvSpPr/>
+          <p:nvPr/>
+        </p:nvSpPr>
+        <p:spPr>
+          <a:xfrm>
+            <a:off x="306191" y="1974149"/>
+            <a:ext cx="1694419" cy="731117"/>
+          </a:xfrm>
+          <a:prstGeom prst="flowChartAlternateProcess">
+            <a:avLst/>
+          </a:prstGeom>
+          <a:solidFill>
+            <a:schemeClr val="accent6">
+              <a:lumMod val="60000"/>
+              <a:lumOff val="40000"/>
+            </a:schemeClr>
+          </a:solidFill>
+        </p:spPr>
+        <p:style>
+          <a:lnRef idx="2">
+            <a:schemeClr val="accent1">
+              <a:shade val="50000"/>
+            </a:schemeClr>
+          </a:lnRef>
+          <a:fillRef idx="1">
+            <a:schemeClr val="accent1"/>
+          </a:fillRef>
+          <a:effectRef idx="0">
+            <a:schemeClr val="accent1"/>
+          </a:effectRef>
+          <a:fontRef idx="minor">
+            <a:schemeClr val="lt1"/>
+          </a:fontRef>
+        </p:style>
+        <p:txBody>
+          <a:bodyPr rtlCol="0" anchor="ctr"/>
+          <a:lstStyle/>
+          <a:p>
+            <a:pPr algn="ctr"/>
+            <a:r>
+              <a:rPr lang="nl-NL" dirty="0" smtClean="0"/>
+              <a:t>LamPI-node.js</a:t>
+            </a:r>
+          </a:p>
+          <a:p>
+            <a:pPr algn="ctr"/>
+            <a:r>
+              <a:rPr lang="nl-NL" dirty="0" smtClean="0"/>
+              <a:t>(master)</a:t>
+            </a:r>
+            <a:endParaRPr lang="en-US" dirty="0"/>
+          </a:p>
+        </p:txBody>
+      </p:sp>
+      <p:cxnSp>
+        <p:nvCxnSpPr>
+          <p:cNvPr id="74" name="Rechte verbindingslijn met pijl 73"/>
+          <p:cNvCxnSpPr/>
+          <p:nvPr/>
+        </p:nvCxnSpPr>
+        <p:spPr>
+          <a:xfrm flipH="1">
+            <a:off x="156672" y="1531355"/>
+            <a:ext cx="2846304" cy="18634"/>
+          </a:xfrm>
+          <a:prstGeom prst="straightConnector1">
+            <a:avLst/>
+          </a:prstGeom>
+          <a:ln w="57150">
+            <a:headEnd type="triangle"/>
+            <a:tailEnd type="triangle"/>
+          </a:ln>
+        </p:spPr>
+        <p:style>
+          <a:lnRef idx="1">
+            <a:schemeClr val="accent1"/>
+          </a:lnRef>
+          <a:fillRef idx="0">
+            <a:schemeClr val="accent1"/>
+          </a:fillRef>
+          <a:effectRef idx="0">
+            <a:schemeClr val="accent1"/>
+          </a:effectRef>
+          <a:fontRef idx="minor">
+            <a:schemeClr val="tx1"/>
+          </a:fontRef>
+        </p:style>
+      </p:cxnSp>
+      <p:sp>
+        <p:nvSpPr>
+          <p:cNvPr id="107" name="Tekstvak 106"/>
+          <p:cNvSpPr txBox="1"/>
+          <p:nvPr/>
+        </p:nvSpPr>
+        <p:spPr>
+          <a:xfrm>
+            <a:off x="1008667" y="2928958"/>
+            <a:ext cx="1874680" cy="369332"/>
+          </a:xfrm>
+          <a:prstGeom prst="rect">
+            <a:avLst/>
+          </a:prstGeom>
+          <a:noFill/>
+        </p:spPr>
+        <p:txBody>
+          <a:bodyPr wrap="none" rtlCol="0">
+            <a:spAutoFit/>
+          </a:bodyPr>
+          <a:lstStyle/>
+          <a:p>
+            <a:r>
+              <a:rPr lang="nl-NL" dirty="0" smtClean="0"/>
+              <a:t>IP </a:t>
+            </a:r>
+            <a:r>
+              <a:rPr lang="nl-NL" dirty="0" err="1" smtClean="0"/>
+              <a:t>communication</a:t>
+            </a:r>
+            <a:endParaRPr lang="en-US" dirty="0"/>
+          </a:p>
+        </p:txBody>
+      </p:sp>
+      <p:sp>
+        <p:nvSpPr>
+          <p:cNvPr id="117" name="Tekstvak 116"/>
+          <p:cNvSpPr txBox="1"/>
+          <p:nvPr/>
+        </p:nvSpPr>
+        <p:spPr>
+          <a:xfrm>
+            <a:off x="1242050" y="1095122"/>
+            <a:ext cx="1270861" cy="369332"/>
+          </a:xfrm>
+          <a:prstGeom prst="rect">
+            <a:avLst/>
+          </a:prstGeom>
+          <a:noFill/>
+        </p:spPr>
+        <p:txBody>
+          <a:bodyPr wrap="none" rtlCol="0">
+            <a:spAutoFit/>
+          </a:bodyPr>
+          <a:lstStyle/>
+          <a:p>
+            <a:r>
+              <a:rPr lang="nl-NL" dirty="0" err="1" smtClean="0"/>
+              <a:t>websockets</a:t>
+            </a:r>
+            <a:endParaRPr lang="en-US" dirty="0"/>
+          </a:p>
+        </p:txBody>
+      </p:sp>
+      <p:cxnSp>
+        <p:nvCxnSpPr>
+          <p:cNvPr id="64" name="Rechte verbindingslijn met pijl 63"/>
+          <p:cNvCxnSpPr>
+            <a:endCxn id="111" idx="1"/>
+          </p:cNvCxnSpPr>
+          <p:nvPr/>
+        </p:nvCxnSpPr>
+        <p:spPr>
+          <a:xfrm flipH="1" flipV="1">
+            <a:off x="179661" y="3294281"/>
+            <a:ext cx="4613616" cy="10070"/>
+          </a:xfrm>
+          <a:prstGeom prst="straightConnector1">
+            <a:avLst/>
+          </a:prstGeom>
+          <a:ln w="57150">
+            <a:headEnd type="triangle"/>
+            <a:tailEnd type="triangle"/>
+          </a:ln>
+        </p:spPr>
+        <p:style>
+          <a:lnRef idx="1">
+            <a:schemeClr val="accent1"/>
+          </a:lnRef>
+          <a:fillRef idx="0">
+            <a:schemeClr val="accent1"/>
+          </a:fillRef>
+          <a:effectRef idx="0">
+            <a:schemeClr val="accent1"/>
+          </a:effectRef>
+          <a:fontRef idx="minor">
+            <a:schemeClr val="tx1"/>
+          </a:fontRef>
+        </p:style>
+      </p:cxnSp>
+      <p:cxnSp>
+        <p:nvCxnSpPr>
+          <p:cNvPr id="68" name="Rechte verbindingslijn met pijl 67"/>
+          <p:cNvCxnSpPr/>
+          <p:nvPr/>
+        </p:nvCxnSpPr>
+        <p:spPr>
+          <a:xfrm flipV="1">
+            <a:off x="683568" y="3341682"/>
+            <a:ext cx="5253" cy="781822"/>
+          </a:xfrm>
+          <a:prstGeom prst="straightConnector1">
+            <a:avLst/>
+          </a:prstGeom>
+          <a:ln w="15875">
+            <a:headEnd type="triangle"/>
+            <a:tailEnd type="triangle"/>
+          </a:ln>
+        </p:spPr>
+        <p:style>
+          <a:lnRef idx="1">
+            <a:schemeClr val="accent1"/>
+          </a:lnRef>
+          <a:fillRef idx="0">
+            <a:schemeClr val="accent1"/>
+          </a:fillRef>
+          <a:effectRef idx="0">
+            <a:schemeClr val="accent1"/>
+          </a:effectRef>
+          <a:fontRef idx="minor">
+            <a:schemeClr val="tx1"/>
+          </a:fontRef>
+        </p:style>
+      </p:cxnSp>
+      <p:sp>
+        <p:nvSpPr>
+          <p:cNvPr id="36" name="Stroomdiagram: Alternatief proces 35"/>
+          <p:cNvSpPr/>
+          <p:nvPr/>
+        </p:nvSpPr>
+        <p:spPr>
+          <a:xfrm>
+            <a:off x="332162" y="4123504"/>
+            <a:ext cx="1694419" cy="659832"/>
+          </a:xfrm>
+          <a:prstGeom prst="flowChartAlternateProcess">
+            <a:avLst/>
+          </a:prstGeom>
+          <a:solidFill>
+            <a:schemeClr val="accent6">
+              <a:lumMod val="60000"/>
+              <a:lumOff val="40000"/>
+            </a:schemeClr>
+          </a:solidFill>
+        </p:spPr>
+        <p:style>
+          <a:lnRef idx="2">
+            <a:schemeClr val="accent1">
+              <a:shade val="50000"/>
+            </a:schemeClr>
+          </a:lnRef>
+          <a:fillRef idx="1">
+            <a:schemeClr val="accent1"/>
+          </a:fillRef>
+          <a:effectRef idx="0">
+            <a:schemeClr val="accent1"/>
+          </a:effectRef>
+          <a:fontRef idx="minor">
+            <a:schemeClr val="lt1"/>
+          </a:fontRef>
+        </p:style>
+        <p:txBody>
+          <a:bodyPr rtlCol="0" anchor="ctr"/>
+          <a:lstStyle/>
+          <a:p>
+            <a:pPr algn="ctr"/>
+            <a:r>
+              <a:rPr lang="nl-NL" dirty="0" err="1" smtClean="0"/>
+              <a:t>LamPI</a:t>
+            </a:r>
+            <a:endParaRPr lang="nl-NL" dirty="0" smtClean="0"/>
+          </a:p>
+          <a:p>
+            <a:pPr algn="ctr"/>
+            <a:r>
+              <a:rPr lang="nl-NL" dirty="0" err="1" smtClean="0"/>
+              <a:t>Slave</a:t>
+            </a:r>
+            <a:r>
+              <a:rPr lang="nl-NL" dirty="0" smtClean="0"/>
+              <a:t> Node</a:t>
+            </a:r>
+            <a:endParaRPr lang="en-US" dirty="0"/>
+          </a:p>
+        </p:txBody>
+      </p:sp>
+      <p:cxnSp>
+        <p:nvCxnSpPr>
+          <p:cNvPr id="11" name="Rechte verbindingslijn met pijl 10"/>
+          <p:cNvCxnSpPr/>
+          <p:nvPr/>
+        </p:nvCxnSpPr>
+        <p:spPr>
+          <a:xfrm>
+            <a:off x="2121625" y="4289009"/>
+            <a:ext cx="641593" cy="0"/>
+          </a:xfrm>
+          <a:prstGeom prst="straightConnector1">
+            <a:avLst/>
+          </a:prstGeom>
+          <a:ln>
+            <a:tailEnd type="triangle"/>
+          </a:ln>
+        </p:spPr>
+        <p:style>
+          <a:lnRef idx="3">
+            <a:schemeClr val="accent1"/>
+          </a:lnRef>
+          <a:fillRef idx="0">
+            <a:schemeClr val="accent1"/>
+          </a:fillRef>
+          <a:effectRef idx="2">
+            <a:schemeClr val="accent1"/>
+          </a:effectRef>
+          <a:fontRef idx="minor">
+            <a:schemeClr val="tx1"/>
+          </a:fontRef>
+        </p:style>
+      </p:cxnSp>
+      <p:sp>
+        <p:nvSpPr>
+          <p:cNvPr id="44" name="Stroomdiagram: Alternatief proces 43"/>
+          <p:cNvSpPr/>
+          <p:nvPr/>
+        </p:nvSpPr>
+        <p:spPr>
+          <a:xfrm>
+            <a:off x="541653" y="5303481"/>
+            <a:ext cx="1694419" cy="663253"/>
+          </a:xfrm>
+          <a:prstGeom prst="flowChartAlternateProcess">
+            <a:avLst/>
+          </a:prstGeom>
+          <a:solidFill>
+            <a:schemeClr val="accent6">
+              <a:lumMod val="60000"/>
+              <a:lumOff val="40000"/>
+            </a:schemeClr>
+          </a:solidFill>
+        </p:spPr>
+        <p:style>
+          <a:lnRef idx="2">
+            <a:schemeClr val="accent1">
+              <a:shade val="50000"/>
+            </a:schemeClr>
+          </a:lnRef>
+          <a:fillRef idx="1">
+            <a:schemeClr val="accent1"/>
+          </a:fillRef>
+          <a:effectRef idx="0">
+            <a:schemeClr val="accent1"/>
+          </a:effectRef>
+          <a:fontRef idx="minor">
+            <a:schemeClr val="lt1"/>
+          </a:fontRef>
+        </p:style>
+        <p:txBody>
+          <a:bodyPr rtlCol="0" anchor="ctr"/>
+          <a:lstStyle/>
+          <a:p>
+            <a:pPr algn="ctr"/>
+            <a:r>
+              <a:rPr lang="nl-NL" dirty="0" err="1" smtClean="0"/>
+              <a:t>Raspberry</a:t>
+            </a:r>
+            <a:endParaRPr lang="nl-NL" dirty="0" smtClean="0"/>
+          </a:p>
+          <a:p>
+            <a:pPr algn="ctr"/>
+            <a:r>
+              <a:rPr lang="nl-NL" dirty="0" smtClean="0"/>
+              <a:t>(</a:t>
+            </a:r>
+            <a:r>
+              <a:rPr lang="nl-NL" dirty="0" err="1" smtClean="0"/>
+              <a:t>slave</a:t>
+            </a:r>
+            <a:r>
+              <a:rPr lang="nl-NL" dirty="0" smtClean="0"/>
+              <a:t>)</a:t>
+            </a:r>
+            <a:endParaRPr lang="en-US" dirty="0"/>
+          </a:p>
+        </p:txBody>
+      </p:sp>
+      <p:cxnSp>
+        <p:nvCxnSpPr>
+          <p:cNvPr id="28" name="Rechte verbindingslijn met pijl 27"/>
+          <p:cNvCxnSpPr/>
+          <p:nvPr/>
+        </p:nvCxnSpPr>
+        <p:spPr>
+          <a:xfrm flipV="1">
+            <a:off x="1835696" y="3356992"/>
+            <a:ext cx="24273" cy="1961798"/>
+          </a:xfrm>
+          <a:prstGeom prst="straightConnector1">
+            <a:avLst/>
+          </a:prstGeom>
+          <a:ln w="15875">
+            <a:headEnd type="triangle"/>
+            <a:tailEnd type="triangle"/>
+          </a:ln>
+        </p:spPr>
+        <p:style>
+          <a:lnRef idx="1">
+            <a:schemeClr val="accent1"/>
+          </a:lnRef>
+          <a:fillRef idx="0">
+            <a:schemeClr val="accent1"/>
+          </a:fillRef>
+          <a:effectRef idx="0">
+            <a:schemeClr val="accent1"/>
+          </a:effectRef>
+          <a:fontRef idx="minor">
+            <a:schemeClr val="tx1"/>
+          </a:fontRef>
+        </p:style>
+      </p:cxnSp>
+      <p:cxnSp>
+        <p:nvCxnSpPr>
+          <p:cNvPr id="49" name="Rechte verbindingslijn met pijl 48"/>
+          <p:cNvCxnSpPr/>
+          <p:nvPr/>
+        </p:nvCxnSpPr>
+        <p:spPr>
+          <a:xfrm flipV="1">
+            <a:off x="2247556" y="4393596"/>
+            <a:ext cx="697253" cy="7688"/>
+          </a:xfrm>
+          <a:prstGeom prst="straightConnector1">
+            <a:avLst/>
+          </a:prstGeom>
+          <a:ln>
+            <a:tailEnd type="triangle"/>
+          </a:ln>
+        </p:spPr>
+        <p:style>
+          <a:lnRef idx="3">
+            <a:schemeClr val="accent1"/>
+          </a:lnRef>
+          <a:fillRef idx="0">
+            <a:schemeClr val="accent1"/>
+          </a:fillRef>
+          <a:effectRef idx="2">
+            <a:schemeClr val="accent1"/>
+          </a:effectRef>
+          <a:fontRef idx="minor">
+            <a:schemeClr val="tx1"/>
+          </a:fontRef>
+        </p:style>
+      </p:cxnSp>
+      <p:cxnSp>
+        <p:nvCxnSpPr>
+          <p:cNvPr id="50" name="Rechte verbindingslijn met pijl 49"/>
+          <p:cNvCxnSpPr/>
+          <p:nvPr/>
+        </p:nvCxnSpPr>
+        <p:spPr>
+          <a:xfrm>
+            <a:off x="2148206" y="4496369"/>
+            <a:ext cx="810034" cy="618256"/>
+          </a:xfrm>
+          <a:prstGeom prst="straightConnector1">
+            <a:avLst/>
+          </a:prstGeom>
+          <a:ln>
+            <a:tailEnd type="triangle"/>
+          </a:ln>
+        </p:spPr>
+        <p:style>
+          <a:lnRef idx="3">
+            <a:schemeClr val="accent1"/>
+          </a:lnRef>
+          <a:fillRef idx="0">
+            <a:schemeClr val="accent1"/>
+          </a:fillRef>
+          <a:effectRef idx="2">
+            <a:schemeClr val="accent1"/>
+          </a:effectRef>
+          <a:fontRef idx="minor">
+            <a:schemeClr val="tx1"/>
+          </a:fontRef>
+        </p:style>
+      </p:cxnSp>
+      <p:cxnSp>
+        <p:nvCxnSpPr>
+          <p:cNvPr id="53" name="Rechte verbindingslijn met pijl 52"/>
+          <p:cNvCxnSpPr/>
+          <p:nvPr/>
+        </p:nvCxnSpPr>
+        <p:spPr>
+          <a:xfrm flipV="1">
+            <a:off x="1008667" y="2764754"/>
+            <a:ext cx="0" cy="541481"/>
+          </a:xfrm>
+          <a:prstGeom prst="straightConnector1">
+            <a:avLst/>
+          </a:prstGeom>
+          <a:ln w="15875">
+            <a:headEnd type="triangle"/>
+            <a:tailEnd type="triangle"/>
+          </a:ln>
+        </p:spPr>
+        <p:style>
+          <a:lnRef idx="1">
+            <a:schemeClr val="accent1"/>
+          </a:lnRef>
+          <a:fillRef idx="0">
+            <a:schemeClr val="accent1"/>
+          </a:fillRef>
+          <a:effectRef idx="0">
+            <a:schemeClr val="accent1"/>
+          </a:effectRef>
+          <a:fontRef idx="minor">
+            <a:schemeClr val="tx1"/>
+          </a:fontRef>
+        </p:style>
+      </p:cxnSp>
+      <p:cxnSp>
+        <p:nvCxnSpPr>
+          <p:cNvPr id="61" name="Rechte verbindingslijn met pijl 60"/>
+          <p:cNvCxnSpPr/>
+          <p:nvPr/>
+        </p:nvCxnSpPr>
+        <p:spPr>
+          <a:xfrm flipV="1">
+            <a:off x="1008667" y="1072124"/>
+            <a:ext cx="0" cy="477865"/>
+          </a:xfrm>
+          <a:prstGeom prst="straightConnector1">
+            <a:avLst/>
+          </a:prstGeom>
+          <a:ln w="15875">
+            <a:headEnd type="triangle"/>
+            <a:tailEnd type="triangle"/>
+          </a:ln>
+        </p:spPr>
+        <p:style>
+          <a:lnRef idx="1">
+            <a:schemeClr val="accent1"/>
+          </a:lnRef>
+          <a:fillRef idx="0">
+            <a:schemeClr val="accent1"/>
+          </a:fillRef>
+          <a:effectRef idx="0">
+            <a:schemeClr val="accent1"/>
+          </a:effectRef>
+          <a:fontRef idx="minor">
+            <a:schemeClr val="tx1"/>
+          </a:fontRef>
+        </p:style>
+      </p:cxnSp>
+      <p:cxnSp>
+        <p:nvCxnSpPr>
+          <p:cNvPr id="65" name="Rechte verbindingslijn met pijl 64"/>
+          <p:cNvCxnSpPr/>
+          <p:nvPr/>
+        </p:nvCxnSpPr>
+        <p:spPr>
+          <a:xfrm flipV="1">
+            <a:off x="1331640" y="1566991"/>
+            <a:ext cx="5253" cy="416304"/>
+          </a:xfrm>
+          <a:prstGeom prst="straightConnector1">
+            <a:avLst/>
+          </a:prstGeom>
+          <a:ln w="15875">
+            <a:headEnd type="triangle"/>
+            <a:tailEnd type="triangle"/>
+          </a:ln>
+        </p:spPr>
+        <p:style>
+          <a:lnRef idx="1">
+            <a:schemeClr val="accent1"/>
+          </a:lnRef>
+          <a:fillRef idx="0">
+            <a:schemeClr val="accent1"/>
+          </a:fillRef>
+          <a:effectRef idx="0">
+            <a:schemeClr val="accent1"/>
+          </a:effectRef>
+          <a:fontRef idx="minor">
+            <a:schemeClr val="tx1"/>
+          </a:fontRef>
+        </p:style>
+      </p:cxnSp>
+      <p:sp>
+        <p:nvSpPr>
+          <p:cNvPr id="67" name="Stroomdiagram: Vooraf gedefinieerd proces 66"/>
+          <p:cNvSpPr/>
+          <p:nvPr/>
+        </p:nvSpPr>
+        <p:spPr>
+          <a:xfrm>
+            <a:off x="3048877" y="5635108"/>
+            <a:ext cx="1718838" cy="611855"/>
+          </a:xfrm>
+          <a:prstGeom prst="flowChartPredefinedProcess">
+            <a:avLst/>
+          </a:prstGeom>
+        </p:spPr>
+        <p:style>
+          <a:lnRef idx="2">
+            <a:schemeClr val="accent1">
+              <a:shade val="50000"/>
+            </a:schemeClr>
+          </a:lnRef>
+          <a:fillRef idx="1">
+            <a:schemeClr val="accent1"/>
+          </a:fillRef>
+          <a:effectRef idx="0">
+            <a:schemeClr val="accent1"/>
+          </a:effectRef>
+          <a:fontRef idx="minor">
+            <a:schemeClr val="lt1"/>
+          </a:fontRef>
+        </p:style>
+        <p:txBody>
+          <a:bodyPr rtlCol="0" anchor="ctr"/>
+          <a:lstStyle/>
+          <a:p>
+            <a:pPr algn="ctr"/>
+            <a:r>
+              <a:rPr lang="nl-NL" dirty="0" err="1" smtClean="0"/>
+              <a:t>Arduino</a:t>
+            </a:r>
+            <a:r>
+              <a:rPr lang="nl-NL" dirty="0"/>
+              <a:t> </a:t>
+            </a:r>
+            <a:r>
+              <a:rPr lang="nl-NL" dirty="0" smtClean="0"/>
+              <a:t>Gateway</a:t>
+            </a:r>
+            <a:endParaRPr lang="en-US" dirty="0"/>
+          </a:p>
+        </p:txBody>
+      </p:sp>
+      <p:cxnSp>
+        <p:nvCxnSpPr>
+          <p:cNvPr id="70" name="Rechte verbindingslijn met pijl 69"/>
+          <p:cNvCxnSpPr/>
+          <p:nvPr/>
+        </p:nvCxnSpPr>
+        <p:spPr>
+          <a:xfrm>
+            <a:off x="2324549" y="5692522"/>
+            <a:ext cx="633691" cy="286143"/>
+          </a:xfrm>
+          <a:prstGeom prst="straightConnector1">
+            <a:avLst/>
+          </a:prstGeom>
+          <a:ln>
+            <a:tailEnd type="triangle"/>
+          </a:ln>
+        </p:spPr>
+        <p:style>
+          <a:lnRef idx="3">
+            <a:schemeClr val="accent1"/>
+          </a:lnRef>
+          <a:fillRef idx="0">
+            <a:schemeClr val="accent1"/>
+          </a:fillRef>
+          <a:effectRef idx="2">
+            <a:schemeClr val="accent1"/>
+          </a:effectRef>
+          <a:fontRef idx="minor">
+            <a:schemeClr val="tx1"/>
+          </a:fontRef>
+        </p:style>
+      </p:cxnSp>
+      <p:sp>
+        <p:nvSpPr>
+          <p:cNvPr id="37" name="Tekstvak 36"/>
+          <p:cNvSpPr txBox="1"/>
+          <p:nvPr/>
+        </p:nvSpPr>
+        <p:spPr>
+          <a:xfrm>
+            <a:off x="7816681" y="792092"/>
+            <a:ext cx="1127232" cy="369332"/>
+          </a:xfrm>
+          <a:prstGeom prst="rect">
+            <a:avLst/>
+          </a:prstGeom>
+          <a:noFill/>
+        </p:spPr>
+        <p:txBody>
+          <a:bodyPr wrap="none" rtlCol="0">
+            <a:spAutoFit/>
+          </a:bodyPr>
+          <a:lstStyle/>
+          <a:p>
+            <a:r>
+              <a:rPr lang="nl-NL" dirty="0" err="1" smtClean="0"/>
+              <a:t>LamPI</a:t>
+            </a:r>
+            <a:r>
+              <a:rPr lang="nl-NL" dirty="0" smtClean="0"/>
+              <a:t> Gui</a:t>
+            </a:r>
+            <a:endParaRPr lang="nl-NL" dirty="0"/>
+          </a:p>
+        </p:txBody>
+      </p:sp>
+      <p:sp>
+        <p:nvSpPr>
+          <p:cNvPr id="71" name="Tekstvak 70"/>
+          <p:cNvSpPr txBox="1"/>
+          <p:nvPr/>
+        </p:nvSpPr>
+        <p:spPr>
+          <a:xfrm>
+            <a:off x="7715456" y="2134116"/>
+            <a:ext cx="1287532" cy="369332"/>
+          </a:xfrm>
+          <a:prstGeom prst="rect">
+            <a:avLst/>
+          </a:prstGeom>
+          <a:noFill/>
+        </p:spPr>
+        <p:txBody>
+          <a:bodyPr wrap="none" rtlCol="0">
+            <a:spAutoFit/>
+          </a:bodyPr>
+          <a:lstStyle/>
+          <a:p>
+            <a:r>
+              <a:rPr lang="nl-NL" dirty="0" err="1" smtClean="0"/>
+              <a:t>LamPI</a:t>
+            </a:r>
+            <a:r>
+              <a:rPr lang="nl-NL" dirty="0" smtClean="0"/>
+              <a:t> node</a:t>
+            </a:r>
+            <a:endParaRPr lang="nl-NL" dirty="0"/>
+          </a:p>
+        </p:txBody>
+      </p:sp>
+      <p:sp>
+        <p:nvSpPr>
+          <p:cNvPr id="72" name="Tekstvak 71"/>
+          <p:cNvSpPr txBox="1"/>
+          <p:nvPr/>
+        </p:nvSpPr>
+        <p:spPr>
+          <a:xfrm>
+            <a:off x="7599570" y="5704418"/>
+            <a:ext cx="1561453" cy="369332"/>
+          </a:xfrm>
+          <a:prstGeom prst="rect">
+            <a:avLst/>
+          </a:prstGeom>
+          <a:noFill/>
+        </p:spPr>
+        <p:txBody>
+          <a:bodyPr wrap="none" rtlCol="0">
+            <a:spAutoFit/>
+          </a:bodyPr>
+          <a:lstStyle/>
+          <a:p>
+            <a:r>
+              <a:rPr lang="nl-NL" dirty="0" err="1" smtClean="0"/>
+              <a:t>Arduino</a:t>
+            </a:r>
+            <a:r>
+              <a:rPr lang="nl-NL" dirty="0" smtClean="0"/>
+              <a:t> </a:t>
+            </a:r>
+            <a:r>
+              <a:rPr lang="nl-NL" dirty="0" err="1" smtClean="0"/>
+              <a:t>G’way</a:t>
+            </a:r>
+            <a:endParaRPr lang="nl-NL" dirty="0"/>
+          </a:p>
+        </p:txBody>
+      </p:sp>
+      <p:sp>
+        <p:nvSpPr>
+          <p:cNvPr id="75" name="Tekstvak 74"/>
+          <p:cNvSpPr txBox="1"/>
+          <p:nvPr/>
+        </p:nvSpPr>
+        <p:spPr>
+          <a:xfrm>
+            <a:off x="7812191" y="4003268"/>
+            <a:ext cx="905248" cy="369332"/>
+          </a:xfrm>
+          <a:prstGeom prst="rect">
+            <a:avLst/>
+          </a:prstGeom>
+          <a:noFill/>
+        </p:spPr>
+        <p:txBody>
+          <a:bodyPr wrap="none" rtlCol="0">
+            <a:spAutoFit/>
+          </a:bodyPr>
+          <a:lstStyle/>
+          <a:p>
+            <a:r>
+              <a:rPr lang="nl-NL" dirty="0" smtClean="0"/>
+              <a:t>Sensors</a:t>
+            </a:r>
+            <a:endParaRPr lang="nl-NL" dirty="0"/>
+          </a:p>
+        </p:txBody>
+      </p:sp>
+      <p:sp>
+        <p:nvSpPr>
+          <p:cNvPr id="77" name="Tekstvak 76"/>
+          <p:cNvSpPr txBox="1"/>
+          <p:nvPr/>
+        </p:nvSpPr>
+        <p:spPr>
+          <a:xfrm>
+            <a:off x="7780689" y="4791459"/>
+            <a:ext cx="1346907" cy="646331"/>
+          </a:xfrm>
+          <a:prstGeom prst="rect">
+            <a:avLst/>
+          </a:prstGeom>
+          <a:noFill/>
+        </p:spPr>
+        <p:txBody>
+          <a:bodyPr wrap="none" rtlCol="0">
+            <a:spAutoFit/>
+          </a:bodyPr>
+          <a:lstStyle/>
+          <a:p>
+            <a:r>
+              <a:rPr lang="nl-NL" dirty="0" smtClean="0"/>
+              <a:t>Receivers /</a:t>
+            </a:r>
+          </a:p>
+          <a:p>
+            <a:r>
+              <a:rPr lang="nl-NL" dirty="0" smtClean="0"/>
+              <a:t>Transmitters</a:t>
+            </a:r>
+            <a:endParaRPr lang="nl-NL" dirty="0"/>
+          </a:p>
+        </p:txBody>
+      </p:sp>
+      <p:sp>
+        <p:nvSpPr>
+          <p:cNvPr id="78" name="Tekstvak 77"/>
+          <p:cNvSpPr txBox="1"/>
+          <p:nvPr/>
+        </p:nvSpPr>
+        <p:spPr>
+          <a:xfrm>
+            <a:off x="2204981" y="5793999"/>
+            <a:ext cx="562975" cy="369332"/>
+          </a:xfrm>
+          <a:prstGeom prst="rect">
+            <a:avLst/>
+          </a:prstGeom>
+          <a:noFill/>
+        </p:spPr>
+        <p:txBody>
+          <a:bodyPr wrap="none" rtlCol="0">
+            <a:spAutoFit/>
+          </a:bodyPr>
+          <a:lstStyle/>
+          <a:p>
+            <a:r>
+              <a:rPr lang="nl-NL" dirty="0" smtClean="0"/>
+              <a:t>USB</a:t>
+            </a:r>
+            <a:endParaRPr lang="nl-NL" dirty="0"/>
+          </a:p>
+        </p:txBody>
+      </p:sp>
+      <p:sp>
+        <p:nvSpPr>
+          <p:cNvPr id="79" name="Stroomdiagram: Vooraf gedefinieerd proces 78"/>
+          <p:cNvSpPr/>
+          <p:nvPr/>
+        </p:nvSpPr>
+        <p:spPr>
+          <a:xfrm>
+            <a:off x="5590744" y="5915814"/>
+            <a:ext cx="1718838" cy="611855"/>
+          </a:xfrm>
+          <a:prstGeom prst="flowChartPredefinedProcess">
+            <a:avLst/>
+          </a:prstGeom>
+        </p:spPr>
+        <p:style>
+          <a:lnRef idx="2">
+            <a:schemeClr val="accent1">
+              <a:shade val="50000"/>
+            </a:schemeClr>
+          </a:lnRef>
+          <a:fillRef idx="1">
+            <a:schemeClr val="accent1"/>
+          </a:fillRef>
+          <a:effectRef idx="0">
+            <a:schemeClr val="accent1"/>
+          </a:effectRef>
+          <a:fontRef idx="minor">
+            <a:schemeClr val="lt1"/>
+          </a:fontRef>
+        </p:style>
+        <p:txBody>
+          <a:bodyPr rtlCol="0" anchor="ctr"/>
+          <a:lstStyle/>
+          <a:p>
+            <a:pPr algn="ctr"/>
+            <a:r>
+              <a:rPr lang="nl-NL" dirty="0" smtClean="0"/>
+              <a:t>433MHz </a:t>
+            </a:r>
+            <a:r>
+              <a:rPr lang="nl-NL" dirty="0" err="1" smtClean="0"/>
+              <a:t>transceiver</a:t>
+            </a:r>
+            <a:endParaRPr lang="en-US" dirty="0"/>
+          </a:p>
+        </p:txBody>
+      </p:sp>
+      <p:sp>
+        <p:nvSpPr>
+          <p:cNvPr id="81" name="Stroomdiagram: Vooraf gedefinieerd proces 80"/>
+          <p:cNvSpPr/>
+          <p:nvPr/>
+        </p:nvSpPr>
+        <p:spPr>
+          <a:xfrm>
+            <a:off x="5580520" y="5326493"/>
+            <a:ext cx="1541796" cy="488039"/>
+          </a:xfrm>
+          <a:prstGeom prst="flowChartPredefinedProcess">
+            <a:avLst/>
+          </a:prstGeom>
+        </p:spPr>
+        <p:style>
+          <a:lnRef idx="2">
+            <a:schemeClr val="accent1">
+              <a:shade val="50000"/>
+            </a:schemeClr>
+          </a:lnRef>
+          <a:fillRef idx="1">
+            <a:schemeClr val="accent1"/>
+          </a:fillRef>
+          <a:effectRef idx="0">
+            <a:schemeClr val="accent1"/>
+          </a:effectRef>
+          <a:fontRef idx="minor">
+            <a:schemeClr val="lt1"/>
+          </a:fontRef>
+        </p:style>
+        <p:txBody>
+          <a:bodyPr rtlCol="0" anchor="ctr"/>
+          <a:lstStyle/>
+          <a:p>
+            <a:pPr algn="ctr"/>
+            <a:r>
+              <a:rPr lang="nl-NL" dirty="0" smtClean="0"/>
+              <a:t>Sensors</a:t>
+            </a:r>
+            <a:endParaRPr lang="en-US" dirty="0"/>
+          </a:p>
+        </p:txBody>
+      </p:sp>
+      <p:cxnSp>
+        <p:nvCxnSpPr>
+          <p:cNvPr id="82" name="Rechte verbindingslijn met pijl 81"/>
+          <p:cNvCxnSpPr>
+            <a:endCxn id="81" idx="1"/>
+          </p:cNvCxnSpPr>
+          <p:nvPr/>
+        </p:nvCxnSpPr>
+        <p:spPr>
+          <a:xfrm flipV="1">
+            <a:off x="4909376" y="5570513"/>
+            <a:ext cx="671144" cy="244019"/>
+          </a:xfrm>
+          <a:prstGeom prst="straightConnector1">
+            <a:avLst/>
+          </a:prstGeom>
+          <a:ln>
+            <a:tailEnd type="triangle"/>
+          </a:ln>
+        </p:spPr>
+        <p:style>
+          <a:lnRef idx="3">
+            <a:schemeClr val="accent1"/>
+          </a:lnRef>
+          <a:fillRef idx="0">
+            <a:schemeClr val="accent1"/>
+          </a:fillRef>
+          <a:effectRef idx="2">
+            <a:schemeClr val="accent1"/>
+          </a:effectRef>
+          <a:fontRef idx="minor">
+            <a:schemeClr val="tx1"/>
+          </a:fontRef>
+        </p:style>
+      </p:cxnSp>
+      <p:cxnSp>
+        <p:nvCxnSpPr>
+          <p:cNvPr id="83" name="Rechte verbindingslijn met pijl 82"/>
+          <p:cNvCxnSpPr/>
+          <p:nvPr/>
+        </p:nvCxnSpPr>
+        <p:spPr>
+          <a:xfrm>
+            <a:off x="4909376" y="5978665"/>
+            <a:ext cx="650617" cy="223664"/>
+          </a:xfrm>
+          <a:prstGeom prst="straightConnector1">
+            <a:avLst/>
+          </a:prstGeom>
+          <a:ln>
+            <a:tailEnd type="triangle"/>
+          </a:ln>
+        </p:spPr>
+        <p:style>
+          <a:lnRef idx="3">
+            <a:schemeClr val="accent1"/>
+          </a:lnRef>
+          <a:fillRef idx="0">
+            <a:schemeClr val="accent1"/>
+          </a:fillRef>
+          <a:effectRef idx="2">
+            <a:schemeClr val="accent1"/>
+          </a:effectRef>
+          <a:fontRef idx="minor">
+            <a:schemeClr val="tx1"/>
+          </a:fontRef>
+        </p:style>
+      </p:cxnSp>
+      <p:sp>
+        <p:nvSpPr>
+          <p:cNvPr id="91" name="Tekstvak 90"/>
+          <p:cNvSpPr txBox="1"/>
+          <p:nvPr/>
+        </p:nvSpPr>
+        <p:spPr>
+          <a:xfrm>
+            <a:off x="2346822" y="4428341"/>
+            <a:ext cx="659155" cy="369332"/>
+          </a:xfrm>
+          <a:prstGeom prst="rect">
+            <a:avLst/>
+          </a:prstGeom>
+          <a:noFill/>
+        </p:spPr>
+        <p:txBody>
+          <a:bodyPr wrap="none" rtlCol="0">
+            <a:spAutoFit/>
+          </a:bodyPr>
+          <a:lstStyle/>
+          <a:p>
+            <a:r>
+              <a:rPr lang="nl-NL" dirty="0" smtClean="0"/>
+              <a:t>GPIO</a:t>
+            </a:r>
+            <a:endParaRPr lang="nl-NL" dirty="0"/>
+          </a:p>
+        </p:txBody>
+      </p:sp>
+      <p:cxnSp>
+        <p:nvCxnSpPr>
+          <p:cNvPr id="96" name="Rechte verbindingslijn met pijl 95"/>
+          <p:cNvCxnSpPr/>
+          <p:nvPr/>
+        </p:nvCxnSpPr>
+        <p:spPr>
+          <a:xfrm>
+            <a:off x="2121625" y="2372297"/>
+            <a:ext cx="927252" cy="4344"/>
+          </a:xfrm>
+          <a:prstGeom prst="straightConnector1">
+            <a:avLst/>
+          </a:prstGeom>
+          <a:ln>
+            <a:tailEnd type="triangle"/>
+          </a:ln>
+        </p:spPr>
+        <p:style>
+          <a:lnRef idx="3">
+            <a:schemeClr val="accent1"/>
+          </a:lnRef>
+          <a:fillRef idx="0">
+            <a:schemeClr val="accent1"/>
+          </a:fillRef>
+          <a:effectRef idx="2">
+            <a:schemeClr val="accent1"/>
+          </a:effectRef>
+          <a:fontRef idx="minor">
+            <a:schemeClr val="tx1"/>
+          </a:fontRef>
+        </p:style>
+      </p:cxnSp>
+      <p:cxnSp>
+        <p:nvCxnSpPr>
+          <p:cNvPr id="98" name="Rechte verbindingslijn met pijl 97"/>
+          <p:cNvCxnSpPr/>
+          <p:nvPr/>
+        </p:nvCxnSpPr>
+        <p:spPr>
+          <a:xfrm>
+            <a:off x="2251564" y="2118558"/>
+            <a:ext cx="927252" cy="4344"/>
+          </a:xfrm>
+          <a:prstGeom prst="straightConnector1">
+            <a:avLst/>
+          </a:prstGeom>
+          <a:ln>
+            <a:tailEnd type="triangle"/>
+          </a:ln>
+        </p:spPr>
+        <p:style>
+          <a:lnRef idx="3">
+            <a:schemeClr val="accent1"/>
+          </a:lnRef>
+          <a:fillRef idx="0">
+            <a:schemeClr val="accent1"/>
+          </a:fillRef>
+          <a:effectRef idx="2">
+            <a:schemeClr val="accent1"/>
+          </a:effectRef>
+          <a:fontRef idx="minor">
+            <a:schemeClr val="tx1"/>
+          </a:fontRef>
+        </p:style>
+      </p:cxnSp>
+      <p:sp>
+        <p:nvSpPr>
+          <p:cNvPr id="105" name="Wolkvormige toelichting 104"/>
+          <p:cNvSpPr/>
+          <p:nvPr/>
+        </p:nvSpPr>
+        <p:spPr>
+          <a:xfrm>
+            <a:off x="5163618" y="3789040"/>
+            <a:ext cx="1895900" cy="1071952"/>
+          </a:xfrm>
+          <a:prstGeom prst="cloudCallout">
+            <a:avLst/>
+          </a:prstGeom>
+          <a:solidFill>
+            <a:schemeClr val="accent5">
+              <a:lumMod val="20000"/>
+              <a:lumOff val="80000"/>
+            </a:schemeClr>
+          </a:solidFill>
+        </p:spPr>
+        <p:style>
+          <a:lnRef idx="2">
+            <a:schemeClr val="accent1">
+              <a:shade val="50000"/>
+            </a:schemeClr>
+          </a:lnRef>
+          <a:fillRef idx="1">
+            <a:schemeClr val="accent1"/>
+          </a:fillRef>
+          <a:effectRef idx="0">
+            <a:schemeClr val="accent1"/>
+          </a:effectRef>
+          <a:fontRef idx="minor">
+            <a:schemeClr val="lt1"/>
+          </a:fontRef>
+        </p:style>
+        <p:txBody>
+          <a:bodyPr rtlCol="0" anchor="ctr"/>
+          <a:lstStyle/>
+          <a:p>
+            <a:pPr algn="ctr"/>
+            <a:endParaRPr lang="en-US"/>
+          </a:p>
+        </p:txBody>
+      </p:sp>
+    </p:spTree>
+    <p:extLst>
+      <p:ext uri="{BB962C8B-B14F-4D97-AF65-F5344CB8AC3E}">
+        <p14:creationId xmlns:p14="http://schemas.microsoft.com/office/powerpoint/2010/main" val="1313738533"/>
+      </p:ext>
+    </p:extLst>
+  </p:cSld>
+  <p:clrMapOvr>
+    <a:masterClrMapping/>
+  </p:clrMapOvr>
+  <p:timing>
+    <p:tnLst>
+      <p:par>
+        <p:cTn id="1" dur="indefinite" restart="never" nodeType="tmRoot"/>
+      </p:par>
+    </p:tnLst>
+  </p:timing>
+</p:sld>
+</file>
+
+<file path=ppt/slides/slide5.xml><?xml version="1.0" encoding="utf-8"?>
+<p:sld xmlns:a="http://schemas.openxmlformats.org/drawingml/2006/main" xmlns:r="http://schemas.openxmlformats.org/officeDocument/2006/relationships" xmlns:p="http://schemas.openxmlformats.org/presentationml/2006/main">
+  <p:cSld>
+    <p:spTree>
+      <p:nvGrpSpPr>
+        <p:cNvPr id="1" name=""/>
+        <p:cNvGrpSpPr/>
+        <p:nvPr/>
+      </p:nvGrpSpPr>
+      <p:grpSpPr>
+        <a:xfrm>
+          <a:off x="0" y="0"/>
+          <a:ext cx="0" cy="0"/>
+          <a:chOff x="0" y="0"/>
+          <a:chExt cx="0" cy="0"/>
+        </a:xfrm>
+      </p:grpSpPr>
+      <p:sp>
+        <p:nvSpPr>
+          <p:cNvPr id="63" name="Stroomdiagram: Vooraf gedefinieerd proces 62"/>
+          <p:cNvSpPr/>
+          <p:nvPr/>
+        </p:nvSpPr>
+        <p:spPr>
+          <a:xfrm>
+            <a:off x="3203848" y="5589240"/>
+            <a:ext cx="1718838" cy="611855"/>
+          </a:xfrm>
+          <a:prstGeom prst="flowChartPredefinedProcess">
+            <a:avLst/>
+          </a:prstGeom>
+        </p:spPr>
+        <p:style>
+          <a:lnRef idx="2">
+            <a:schemeClr val="accent1">
+              <a:shade val="50000"/>
+            </a:schemeClr>
+          </a:lnRef>
+          <a:fillRef idx="1">
+            <a:schemeClr val="accent1"/>
+          </a:fillRef>
+          <a:effectRef idx="0">
+            <a:schemeClr val="accent1"/>
+          </a:effectRef>
+          <a:fontRef idx="minor">
+            <a:schemeClr val="lt1"/>
+          </a:fontRef>
+        </p:style>
+        <p:txBody>
+          <a:bodyPr rtlCol="0" anchor="ctr"/>
+          <a:lstStyle/>
+          <a:p>
+            <a:pPr algn="ctr"/>
+            <a:r>
+              <a:rPr lang="nl-NL" dirty="0" smtClean="0"/>
+              <a:t>433MHz </a:t>
+            </a:r>
+            <a:r>
+              <a:rPr lang="nl-NL" dirty="0" err="1" smtClean="0"/>
+              <a:t>transceiver</a:t>
+            </a:r>
+            <a:endParaRPr lang="en-US" dirty="0"/>
+          </a:p>
+        </p:txBody>
+      </p:sp>
+      <p:sp>
+        <p:nvSpPr>
+          <p:cNvPr id="62" name="Stroomdiagram: Vooraf gedefinieerd proces 61"/>
+          <p:cNvSpPr/>
+          <p:nvPr/>
+        </p:nvSpPr>
+        <p:spPr>
+          <a:xfrm>
+            <a:off x="3085156" y="3733068"/>
+            <a:ext cx="1420089" cy="683748"/>
+          </a:xfrm>
+          <a:prstGeom prst="flowChartPredefinedProcess">
+            <a:avLst/>
+          </a:prstGeom>
+        </p:spPr>
+        <p:style>
+          <a:lnRef idx="2">
+            <a:schemeClr val="accent1">
+              <a:shade val="50000"/>
+            </a:schemeClr>
+          </a:lnRef>
+          <a:fillRef idx="1">
+            <a:schemeClr val="accent1"/>
+          </a:fillRef>
+          <a:effectRef idx="0">
+            <a:schemeClr val="accent1"/>
+          </a:effectRef>
+          <a:fontRef idx="minor">
+            <a:schemeClr val="lt1"/>
+          </a:fontRef>
+        </p:style>
+        <p:txBody>
+          <a:bodyPr rtlCol="0" anchor="ctr"/>
+          <a:lstStyle/>
+          <a:p>
+            <a:pPr algn="ctr"/>
+            <a:r>
+              <a:rPr lang="nl-NL" dirty="0" err="1" smtClean="0"/>
+              <a:t>Wired</a:t>
+            </a:r>
+            <a:endParaRPr lang="nl-NL" dirty="0" smtClean="0"/>
+          </a:p>
+        </p:txBody>
+      </p:sp>
+      <p:sp>
+        <p:nvSpPr>
+          <p:cNvPr id="60" name="Stroomdiagram: Vooraf gedefinieerd proces 59"/>
+          <p:cNvSpPr/>
+          <p:nvPr/>
+        </p:nvSpPr>
+        <p:spPr>
+          <a:xfrm>
+            <a:off x="3258837" y="3919835"/>
+            <a:ext cx="1541796" cy="738348"/>
+          </a:xfrm>
+          <a:prstGeom prst="flowChartPredefinedProcess">
+            <a:avLst/>
+          </a:prstGeom>
+        </p:spPr>
+        <p:style>
+          <a:lnRef idx="2">
+            <a:schemeClr val="accent1">
+              <a:shade val="50000"/>
+            </a:schemeClr>
+          </a:lnRef>
+          <a:fillRef idx="1">
+            <a:schemeClr val="accent1"/>
+          </a:fillRef>
+          <a:effectRef idx="0">
+            <a:schemeClr val="accent1"/>
+          </a:effectRef>
+          <a:fontRef idx="minor">
+            <a:schemeClr val="lt1"/>
+          </a:fontRef>
+        </p:style>
+        <p:txBody>
+          <a:bodyPr rtlCol="0" anchor="ctr"/>
+          <a:lstStyle/>
+          <a:p>
+            <a:pPr algn="ctr"/>
+            <a:r>
+              <a:rPr lang="nl-NL" dirty="0" err="1" smtClean="0"/>
+              <a:t>Wired</a:t>
+            </a:r>
+            <a:endParaRPr lang="nl-NL" dirty="0" smtClean="0"/>
+          </a:p>
+          <a:p>
+            <a:pPr algn="ctr"/>
+            <a:r>
+              <a:rPr lang="nl-NL" dirty="0" smtClean="0"/>
+              <a:t>Sensors</a:t>
+            </a:r>
+            <a:endParaRPr lang="en-US" dirty="0"/>
+          </a:p>
+        </p:txBody>
+      </p:sp>
+      <p:sp>
+        <p:nvSpPr>
+          <p:cNvPr id="111" name="Afgeronde rechthoek 110"/>
+          <p:cNvSpPr/>
+          <p:nvPr/>
+        </p:nvSpPr>
+        <p:spPr>
+          <a:xfrm>
+            <a:off x="179661" y="2998156"/>
+            <a:ext cx="4685625" cy="592250"/>
+          </a:xfrm>
+          <a:prstGeom prst="roundRect">
+            <a:avLst/>
+          </a:prstGeom>
+          <a:solidFill>
+            <a:schemeClr val="accent5">
+              <a:lumMod val="20000"/>
+              <a:lumOff val="80000"/>
+            </a:schemeClr>
+          </a:solidFill>
+          <a:ln>
+            <a:noFill/>
+          </a:ln>
+        </p:spPr>
+        <p:style>
+          <a:lnRef idx="2">
+            <a:schemeClr val="accent1">
+              <a:shade val="50000"/>
+            </a:schemeClr>
+          </a:lnRef>
+          <a:fillRef idx="1">
+            <a:schemeClr val="accent1"/>
+          </a:fillRef>
+          <a:effectRef idx="0">
+            <a:schemeClr val="accent1"/>
+          </a:effectRef>
+          <a:fontRef idx="minor">
+            <a:schemeClr val="lt1"/>
+          </a:fontRef>
+        </p:style>
+        <p:txBody>
+          <a:bodyPr rtlCol="0" anchor="ctr"/>
+          <a:lstStyle/>
+          <a:p>
+            <a:pPr algn="ctr"/>
+            <a:endParaRPr lang="en-US"/>
+          </a:p>
+        </p:txBody>
+      </p:sp>
+      <p:grpSp>
+        <p:nvGrpSpPr>
+          <p:cNvPr id="6" name="Groep 5"/>
+          <p:cNvGrpSpPr/>
+          <p:nvPr/>
+        </p:nvGrpSpPr>
+        <p:grpSpPr>
+          <a:xfrm>
+            <a:off x="3185921" y="1960154"/>
+            <a:ext cx="803976" cy="908859"/>
+            <a:chOff x="5865390" y="5737239"/>
+            <a:chExt cx="845103" cy="1005166"/>
+          </a:xfrm>
+        </p:grpSpPr>
+        <p:sp>
+          <p:nvSpPr>
+            <p:cNvPr id="42" name="Stroomdiagram: Magnetische schijf 41"/>
+            <p:cNvSpPr/>
+            <p:nvPr/>
+          </p:nvSpPr>
+          <p:spPr>
+            <a:xfrm>
+              <a:off x="5885441" y="5737239"/>
+              <a:ext cx="825052" cy="1005166"/>
+            </a:xfrm>
+            <a:prstGeom prst="flowChartMagneticDisk">
+              <a:avLst/>
+            </a:prstGeom>
+          </p:spPr>
+          <p:style>
+            <a:lnRef idx="2">
+              <a:schemeClr val="accent1">
+                <a:shade val="50000"/>
+              </a:schemeClr>
+            </a:lnRef>
+            <a:fillRef idx="1">
+              <a:schemeClr val="accent1"/>
+            </a:fillRef>
+            <a:effectRef idx="0">
+              <a:schemeClr val="accent1"/>
+            </a:effectRef>
+            <a:fontRef idx="minor">
+              <a:schemeClr val="lt1"/>
+            </a:fontRef>
+          </p:style>
+          <p:txBody>
+            <a:bodyPr rtlCol="0" anchor="ctr"/>
+            <a:lstStyle/>
+            <a:p>
+              <a:pPr algn="ctr"/>
+              <a:endParaRPr lang="en-US"/>
+            </a:p>
+          </p:txBody>
+        </p:sp>
+        <p:sp>
+          <p:nvSpPr>
+            <p:cNvPr id="10" name="Tekstvak 9"/>
+            <p:cNvSpPr txBox="1"/>
+            <p:nvPr/>
+          </p:nvSpPr>
+          <p:spPr>
+            <a:xfrm>
+              <a:off x="5865390" y="6028571"/>
+              <a:ext cx="845103" cy="369332"/>
+            </a:xfrm>
+            <a:prstGeom prst="rect">
+              <a:avLst/>
+            </a:prstGeom>
+            <a:noFill/>
+          </p:spPr>
+          <p:txBody>
+            <a:bodyPr wrap="none" rtlCol="0">
+              <a:spAutoFit/>
+            </a:bodyPr>
+            <a:lstStyle/>
+            <a:p>
+              <a:r>
+                <a:rPr lang="nl-NL" dirty="0" err="1" smtClean="0">
+                  <a:solidFill>
+                    <a:schemeClr val="bg1"/>
+                  </a:solidFill>
+                </a:rPr>
+                <a:t>MySQL</a:t>
+              </a:r>
+              <a:endParaRPr lang="en-US" dirty="0">
+                <a:solidFill>
+                  <a:schemeClr val="bg1"/>
+                </a:solidFill>
+              </a:endParaRPr>
+            </a:p>
+          </p:txBody>
+        </p:sp>
+      </p:grpSp>
+      <p:sp>
+        <p:nvSpPr>
+          <p:cNvPr id="20" name="Rechthoek 19"/>
+          <p:cNvSpPr/>
+          <p:nvPr/>
+        </p:nvSpPr>
+        <p:spPr>
+          <a:xfrm>
+            <a:off x="112757" y="13672"/>
+            <a:ext cx="1364468" cy="622920"/>
+          </a:xfrm>
+          <a:prstGeom prst="rect">
+            <a:avLst/>
+          </a:prstGeom>
+          <a:solidFill>
+            <a:schemeClr val="bg2">
+              <a:lumMod val="90000"/>
+            </a:schemeClr>
+          </a:solidFill>
+        </p:spPr>
+        <p:style>
+          <a:lnRef idx="2">
+            <a:schemeClr val="accent1">
+              <a:shade val="50000"/>
+            </a:schemeClr>
+          </a:lnRef>
+          <a:fillRef idx="1">
+            <a:schemeClr val="accent1"/>
+          </a:fillRef>
+          <a:effectRef idx="0">
+            <a:schemeClr val="accent1"/>
+          </a:effectRef>
+          <a:fontRef idx="minor">
+            <a:schemeClr val="lt1"/>
+          </a:fontRef>
+        </p:style>
+        <p:txBody>
+          <a:bodyPr rtlCol="0" anchor="ctr"/>
+          <a:lstStyle/>
+          <a:p>
+            <a:pPr algn="ctr"/>
+            <a:r>
+              <a:rPr lang="nl-NL" dirty="0" smtClean="0"/>
+              <a:t>GUI </a:t>
+            </a:r>
+            <a:r>
+              <a:rPr lang="nl-NL" dirty="0" err="1" smtClean="0"/>
+              <a:t>Clients</a:t>
+            </a:r>
+            <a:endParaRPr lang="en-US" dirty="0"/>
+          </a:p>
+        </p:txBody>
+      </p:sp>
+      <p:sp>
+        <p:nvSpPr>
+          <p:cNvPr id="21" name="Rechthoek 20"/>
+          <p:cNvSpPr/>
+          <p:nvPr/>
+        </p:nvSpPr>
+        <p:spPr>
+          <a:xfrm>
+            <a:off x="265157" y="166072"/>
+            <a:ext cx="1364468" cy="622920"/>
+          </a:xfrm>
+          <a:prstGeom prst="rect">
+            <a:avLst/>
+          </a:prstGeom>
+          <a:solidFill>
+            <a:schemeClr val="bg2">
+              <a:lumMod val="90000"/>
+            </a:schemeClr>
+          </a:solidFill>
+        </p:spPr>
+        <p:style>
+          <a:lnRef idx="2">
+            <a:schemeClr val="accent1">
+              <a:shade val="50000"/>
+            </a:schemeClr>
+          </a:lnRef>
+          <a:fillRef idx="1">
+            <a:schemeClr val="accent1"/>
+          </a:fillRef>
+          <a:effectRef idx="0">
+            <a:schemeClr val="accent1"/>
+          </a:effectRef>
+          <a:fontRef idx="minor">
+            <a:schemeClr val="lt1"/>
+          </a:fontRef>
+        </p:style>
+        <p:txBody>
+          <a:bodyPr rtlCol="0" anchor="ctr"/>
+          <a:lstStyle/>
+          <a:p>
+            <a:pPr algn="ctr"/>
+            <a:r>
+              <a:rPr lang="nl-NL" dirty="0" smtClean="0"/>
+              <a:t>GUI </a:t>
+            </a:r>
+            <a:r>
+              <a:rPr lang="nl-NL" dirty="0" err="1" smtClean="0"/>
+              <a:t>Clients</a:t>
+            </a:r>
+            <a:endParaRPr lang="en-US" dirty="0"/>
+          </a:p>
+        </p:txBody>
+      </p:sp>
+      <p:sp>
+        <p:nvSpPr>
+          <p:cNvPr id="22" name="Rechthoek 21"/>
+          <p:cNvSpPr/>
+          <p:nvPr/>
+        </p:nvSpPr>
+        <p:spPr>
+          <a:xfrm>
+            <a:off x="417557" y="318472"/>
+            <a:ext cx="1364468" cy="622920"/>
+          </a:xfrm>
+          <a:prstGeom prst="rect">
+            <a:avLst/>
+          </a:prstGeom>
+          <a:solidFill>
+            <a:schemeClr val="bg2">
+              <a:lumMod val="90000"/>
+            </a:schemeClr>
+          </a:solidFill>
+        </p:spPr>
+        <p:style>
+          <a:lnRef idx="2">
+            <a:schemeClr val="accent1">
+              <a:shade val="50000"/>
+            </a:schemeClr>
+          </a:lnRef>
+          <a:fillRef idx="1">
+            <a:schemeClr val="accent1"/>
+          </a:fillRef>
+          <a:effectRef idx="0">
+            <a:schemeClr val="accent1"/>
+          </a:effectRef>
+          <a:fontRef idx="minor">
+            <a:schemeClr val="lt1"/>
+          </a:fontRef>
+        </p:style>
+        <p:txBody>
+          <a:bodyPr rtlCol="0" anchor="ctr"/>
+          <a:lstStyle/>
+          <a:p>
+            <a:pPr algn="ctr"/>
+            <a:r>
+              <a:rPr lang="nl-NL" dirty="0" smtClean="0"/>
+              <a:t>GUI </a:t>
+            </a:r>
+            <a:r>
+              <a:rPr lang="nl-NL" dirty="0" err="1" smtClean="0"/>
+              <a:t>Clients</a:t>
+            </a:r>
+            <a:endParaRPr lang="en-US" dirty="0"/>
+          </a:p>
+        </p:txBody>
+      </p:sp>
+      <p:sp>
+        <p:nvSpPr>
+          <p:cNvPr id="23" name="Rechthoek 22"/>
+          <p:cNvSpPr/>
+          <p:nvPr/>
+        </p:nvSpPr>
+        <p:spPr>
+          <a:xfrm>
+            <a:off x="569957" y="470872"/>
+            <a:ext cx="1364468" cy="622920"/>
+          </a:xfrm>
+          <a:prstGeom prst="rect">
+            <a:avLst/>
+          </a:prstGeom>
+          <a:solidFill>
+            <a:schemeClr val="bg1">
+              <a:lumMod val="95000"/>
+            </a:schemeClr>
+          </a:solidFill>
+          <a:ln>
+            <a:solidFill>
+              <a:schemeClr val="tx2">
+                <a:lumMod val="75000"/>
+              </a:schemeClr>
+            </a:solidFill>
+          </a:ln>
+        </p:spPr>
+        <p:style>
+          <a:lnRef idx="2">
+            <a:schemeClr val="accent1">
+              <a:shade val="50000"/>
+            </a:schemeClr>
+          </a:lnRef>
+          <a:fillRef idx="1">
+            <a:schemeClr val="accent1"/>
+          </a:fillRef>
+          <a:effectRef idx="0">
+            <a:schemeClr val="accent1"/>
+          </a:effectRef>
+          <a:fontRef idx="minor">
+            <a:schemeClr val="lt1"/>
+          </a:fontRef>
+        </p:style>
+        <p:txBody>
+          <a:bodyPr rtlCol="0" anchor="ctr"/>
+          <a:lstStyle/>
+          <a:p>
+            <a:pPr algn="ctr"/>
+            <a:r>
+              <a:rPr lang="nl-NL" dirty="0" smtClean="0">
+                <a:solidFill>
+                  <a:schemeClr val="tx2">
+                    <a:lumMod val="75000"/>
+                  </a:schemeClr>
+                </a:solidFill>
+              </a:rPr>
+              <a:t>GUI </a:t>
+            </a:r>
+            <a:r>
+              <a:rPr lang="nl-NL" dirty="0" err="1" smtClean="0">
+                <a:solidFill>
+                  <a:schemeClr val="tx2">
+                    <a:lumMod val="75000"/>
+                  </a:schemeClr>
+                </a:solidFill>
+              </a:rPr>
+              <a:t>Clients</a:t>
+            </a:r>
+            <a:endParaRPr lang="en-US" dirty="0">
+              <a:solidFill>
+                <a:schemeClr val="tx2">
+                  <a:lumMod val="75000"/>
+                </a:schemeClr>
+              </a:solidFill>
+            </a:endParaRPr>
+          </a:p>
+        </p:txBody>
+      </p:sp>
+      <p:grpSp>
+        <p:nvGrpSpPr>
+          <p:cNvPr id="2" name="Groep 1"/>
+          <p:cNvGrpSpPr/>
+          <p:nvPr/>
+        </p:nvGrpSpPr>
+        <p:grpSpPr>
+          <a:xfrm>
+            <a:off x="4082598" y="1635667"/>
+            <a:ext cx="800826" cy="980061"/>
+            <a:chOff x="6726468" y="2592955"/>
+            <a:chExt cx="919336" cy="1236111"/>
+          </a:xfrm>
+        </p:grpSpPr>
+        <p:sp>
+          <p:nvSpPr>
+            <p:cNvPr id="43" name="Stroomdiagram: Magnetische schijf 42"/>
+            <p:cNvSpPr/>
+            <p:nvPr/>
+          </p:nvSpPr>
+          <p:spPr>
+            <a:xfrm>
+              <a:off x="6726468" y="2592955"/>
+              <a:ext cx="919336" cy="1236111"/>
+            </a:xfrm>
+            <a:prstGeom prst="flowChartMagneticDisk">
+              <a:avLst/>
+            </a:prstGeom>
+          </p:spPr>
+          <p:style>
+            <a:lnRef idx="2">
+              <a:schemeClr val="accent1">
+                <a:shade val="50000"/>
+              </a:schemeClr>
+            </a:lnRef>
+            <a:fillRef idx="1">
+              <a:schemeClr val="accent1"/>
+            </a:fillRef>
+            <a:effectRef idx="0">
+              <a:schemeClr val="accent1"/>
+            </a:effectRef>
+            <a:fontRef idx="minor">
+              <a:schemeClr val="lt1"/>
+            </a:fontRef>
+          </p:style>
+          <p:txBody>
+            <a:bodyPr rtlCol="0" anchor="ctr"/>
+            <a:lstStyle/>
+            <a:p>
+              <a:pPr algn="ctr"/>
+              <a:endParaRPr lang="en-US"/>
+            </a:p>
+          </p:txBody>
+        </p:sp>
+        <p:sp>
+          <p:nvSpPr>
+            <p:cNvPr id="45" name="Tekstvak 44"/>
+            <p:cNvSpPr txBox="1"/>
+            <p:nvPr/>
+          </p:nvSpPr>
+          <p:spPr>
+            <a:xfrm>
+              <a:off x="6806056" y="3031404"/>
+              <a:ext cx="835742" cy="646331"/>
+            </a:xfrm>
+            <a:prstGeom prst="rect">
+              <a:avLst/>
+            </a:prstGeom>
+            <a:noFill/>
+          </p:spPr>
+          <p:txBody>
+            <a:bodyPr wrap="none" rtlCol="0">
+              <a:spAutoFit/>
+            </a:bodyPr>
+            <a:lstStyle/>
+            <a:p>
+              <a:r>
+                <a:rPr lang="nl-NL" dirty="0" err="1" smtClean="0">
+                  <a:solidFill>
+                    <a:schemeClr val="bg1"/>
+                  </a:solidFill>
+                </a:rPr>
+                <a:t>Config</a:t>
+              </a:r>
+              <a:r>
+                <a:rPr lang="nl-NL" dirty="0" smtClean="0">
+                  <a:solidFill>
+                    <a:schemeClr val="bg1"/>
+                  </a:solidFill>
+                </a:rPr>
+                <a:t> </a:t>
+              </a:r>
+            </a:p>
+            <a:p>
+              <a:r>
+                <a:rPr lang="nl-NL" dirty="0" smtClean="0">
+                  <a:solidFill>
+                    <a:schemeClr val="bg1"/>
+                  </a:solidFill>
+                </a:rPr>
+                <a:t>file</a:t>
+              </a:r>
+              <a:endParaRPr lang="en-US" dirty="0">
+                <a:solidFill>
+                  <a:schemeClr val="bg1"/>
+                </a:solidFill>
+              </a:endParaRPr>
+            </a:p>
+          </p:txBody>
+        </p:sp>
+      </p:grpSp>
+      <p:sp>
+        <p:nvSpPr>
+          <p:cNvPr id="51" name="Stroomdiagram: Alternatief proces 50"/>
+          <p:cNvSpPr/>
+          <p:nvPr/>
+        </p:nvSpPr>
+        <p:spPr>
+          <a:xfrm>
+            <a:off x="306191" y="1974149"/>
+            <a:ext cx="1694419" cy="731117"/>
+          </a:xfrm>
+          <a:prstGeom prst="flowChartAlternateProcess">
+            <a:avLst/>
+          </a:prstGeom>
+          <a:solidFill>
+            <a:schemeClr val="accent6">
+              <a:lumMod val="60000"/>
+              <a:lumOff val="40000"/>
+            </a:schemeClr>
+          </a:solidFill>
+        </p:spPr>
+        <p:style>
+          <a:lnRef idx="2">
+            <a:schemeClr val="accent1">
+              <a:shade val="50000"/>
+            </a:schemeClr>
+          </a:lnRef>
+          <a:fillRef idx="1">
+            <a:schemeClr val="accent1"/>
+          </a:fillRef>
+          <a:effectRef idx="0">
+            <a:schemeClr val="accent1"/>
+          </a:effectRef>
+          <a:fontRef idx="minor">
+            <a:schemeClr val="lt1"/>
+          </a:fontRef>
+        </p:style>
+        <p:txBody>
+          <a:bodyPr rtlCol="0" anchor="ctr"/>
+          <a:lstStyle/>
+          <a:p>
+            <a:pPr algn="ctr"/>
+            <a:r>
+              <a:rPr lang="nl-NL" dirty="0" smtClean="0"/>
+              <a:t>LamPI-node.js</a:t>
+            </a:r>
+          </a:p>
+          <a:p>
+            <a:pPr algn="ctr"/>
+            <a:r>
+              <a:rPr lang="nl-NL" dirty="0" smtClean="0"/>
+              <a:t>(master)</a:t>
+            </a:r>
+            <a:endParaRPr lang="en-US" dirty="0"/>
+          </a:p>
+        </p:txBody>
+      </p:sp>
+      <p:cxnSp>
+        <p:nvCxnSpPr>
+          <p:cNvPr id="74" name="Rechte verbindingslijn met pijl 73"/>
+          <p:cNvCxnSpPr/>
+          <p:nvPr/>
+        </p:nvCxnSpPr>
+        <p:spPr>
+          <a:xfrm flipH="1">
+            <a:off x="156672" y="1531355"/>
+            <a:ext cx="2846304" cy="18634"/>
+          </a:xfrm>
+          <a:prstGeom prst="straightConnector1">
+            <a:avLst/>
+          </a:prstGeom>
+          <a:ln w="57150">
+            <a:headEnd type="triangle"/>
+            <a:tailEnd type="triangle"/>
+          </a:ln>
+        </p:spPr>
+        <p:style>
+          <a:lnRef idx="1">
+            <a:schemeClr val="accent1"/>
+          </a:lnRef>
+          <a:fillRef idx="0">
+            <a:schemeClr val="accent1"/>
+          </a:fillRef>
+          <a:effectRef idx="0">
+            <a:schemeClr val="accent1"/>
+          </a:effectRef>
+          <a:fontRef idx="minor">
+            <a:schemeClr val="tx1"/>
+          </a:fontRef>
+        </p:style>
+      </p:cxnSp>
+      <p:sp>
+        <p:nvSpPr>
+          <p:cNvPr id="107" name="Tekstvak 106"/>
+          <p:cNvSpPr txBox="1"/>
+          <p:nvPr/>
+        </p:nvSpPr>
+        <p:spPr>
+          <a:xfrm>
+            <a:off x="1008667" y="2928958"/>
+            <a:ext cx="1874680" cy="369332"/>
+          </a:xfrm>
+          <a:prstGeom prst="rect">
+            <a:avLst/>
+          </a:prstGeom>
+          <a:noFill/>
+        </p:spPr>
+        <p:txBody>
+          <a:bodyPr wrap="none" rtlCol="0">
+            <a:spAutoFit/>
+          </a:bodyPr>
+          <a:lstStyle/>
+          <a:p>
+            <a:r>
+              <a:rPr lang="nl-NL" dirty="0" smtClean="0"/>
+              <a:t>IP </a:t>
+            </a:r>
+            <a:r>
+              <a:rPr lang="nl-NL" dirty="0" err="1" smtClean="0"/>
+              <a:t>communication</a:t>
+            </a:r>
+            <a:endParaRPr lang="en-US" dirty="0"/>
+          </a:p>
+        </p:txBody>
+      </p:sp>
+      <p:sp>
+        <p:nvSpPr>
+          <p:cNvPr id="117" name="Tekstvak 116"/>
+          <p:cNvSpPr txBox="1"/>
+          <p:nvPr/>
+        </p:nvSpPr>
+        <p:spPr>
+          <a:xfrm>
+            <a:off x="1242050" y="1095122"/>
+            <a:ext cx="1270861" cy="369332"/>
+          </a:xfrm>
+          <a:prstGeom prst="rect">
+            <a:avLst/>
+          </a:prstGeom>
+          <a:noFill/>
+        </p:spPr>
+        <p:txBody>
+          <a:bodyPr wrap="none" rtlCol="0">
+            <a:spAutoFit/>
+          </a:bodyPr>
+          <a:lstStyle/>
+          <a:p>
+            <a:r>
+              <a:rPr lang="nl-NL" dirty="0" err="1" smtClean="0"/>
+              <a:t>websockets</a:t>
+            </a:r>
+            <a:endParaRPr lang="en-US" dirty="0"/>
+          </a:p>
+        </p:txBody>
+      </p:sp>
+      <p:cxnSp>
+        <p:nvCxnSpPr>
+          <p:cNvPr id="64" name="Rechte verbindingslijn met pijl 63"/>
+          <p:cNvCxnSpPr>
+            <a:endCxn id="111" idx="1"/>
+          </p:cNvCxnSpPr>
+          <p:nvPr/>
+        </p:nvCxnSpPr>
+        <p:spPr>
+          <a:xfrm flipH="1" flipV="1">
+            <a:off x="179661" y="3294281"/>
+            <a:ext cx="4613616" cy="10070"/>
+          </a:xfrm>
+          <a:prstGeom prst="straightConnector1">
+            <a:avLst/>
+          </a:prstGeom>
+          <a:ln w="57150">
+            <a:headEnd type="triangle"/>
+            <a:tailEnd type="triangle"/>
+          </a:ln>
+        </p:spPr>
+        <p:style>
+          <a:lnRef idx="1">
+            <a:schemeClr val="accent1"/>
+          </a:lnRef>
+          <a:fillRef idx="0">
+            <a:schemeClr val="accent1"/>
+          </a:fillRef>
+          <a:effectRef idx="0">
+            <a:schemeClr val="accent1"/>
+          </a:effectRef>
+          <a:fontRef idx="minor">
+            <a:schemeClr val="tx1"/>
+          </a:fontRef>
+        </p:style>
+      </p:cxnSp>
+      <p:cxnSp>
+        <p:nvCxnSpPr>
+          <p:cNvPr id="68" name="Rechte verbindingslijn met pijl 67"/>
+          <p:cNvCxnSpPr/>
+          <p:nvPr/>
+        </p:nvCxnSpPr>
+        <p:spPr>
+          <a:xfrm flipV="1">
+            <a:off x="683568" y="3341682"/>
+            <a:ext cx="5253" cy="1599486"/>
+          </a:xfrm>
+          <a:prstGeom prst="straightConnector1">
+            <a:avLst/>
+          </a:prstGeom>
+          <a:ln w="15875">
+            <a:headEnd type="triangle"/>
+            <a:tailEnd type="triangle"/>
+          </a:ln>
+        </p:spPr>
+        <p:style>
+          <a:lnRef idx="1">
+            <a:schemeClr val="accent1"/>
+          </a:lnRef>
+          <a:fillRef idx="0">
+            <a:schemeClr val="accent1"/>
+          </a:fillRef>
+          <a:effectRef idx="0">
+            <a:schemeClr val="accent1"/>
+          </a:effectRef>
+          <a:fontRef idx="minor">
+            <a:schemeClr val="tx1"/>
+          </a:fontRef>
+        </p:style>
+      </p:cxnSp>
+      <p:sp>
+        <p:nvSpPr>
+          <p:cNvPr id="36" name="Stroomdiagram: Alternatief proces 35"/>
+          <p:cNvSpPr/>
+          <p:nvPr/>
+        </p:nvSpPr>
+        <p:spPr>
+          <a:xfrm>
+            <a:off x="323528" y="4941168"/>
+            <a:ext cx="1694419" cy="659832"/>
+          </a:xfrm>
+          <a:prstGeom prst="flowChartAlternateProcess">
+            <a:avLst/>
+          </a:prstGeom>
+          <a:solidFill>
+            <a:schemeClr val="accent6">
+              <a:lumMod val="60000"/>
+              <a:lumOff val="40000"/>
+            </a:schemeClr>
+          </a:solidFill>
+        </p:spPr>
+        <p:style>
+          <a:lnRef idx="2">
+            <a:schemeClr val="accent1">
+              <a:shade val="50000"/>
+            </a:schemeClr>
+          </a:lnRef>
+          <a:fillRef idx="1">
+            <a:schemeClr val="accent1"/>
+          </a:fillRef>
+          <a:effectRef idx="0">
+            <a:schemeClr val="accent1"/>
+          </a:effectRef>
+          <a:fontRef idx="minor">
+            <a:schemeClr val="lt1"/>
+          </a:fontRef>
+        </p:style>
+        <p:txBody>
+          <a:bodyPr rtlCol="0" anchor="ctr"/>
+          <a:lstStyle/>
+          <a:p>
+            <a:pPr algn="ctr"/>
+            <a:r>
+              <a:rPr lang="nl-NL" dirty="0" smtClean="0"/>
+              <a:t>ESP Gateway</a:t>
+            </a:r>
+            <a:endParaRPr lang="en-US" dirty="0"/>
+          </a:p>
+        </p:txBody>
+      </p:sp>
+      <p:cxnSp>
+        <p:nvCxnSpPr>
+          <p:cNvPr id="49" name="Rechte verbindingslijn met pijl 48"/>
+          <p:cNvCxnSpPr/>
+          <p:nvPr/>
+        </p:nvCxnSpPr>
+        <p:spPr>
+          <a:xfrm flipV="1">
+            <a:off x="2339752" y="4393596"/>
+            <a:ext cx="605057" cy="691588"/>
+          </a:xfrm>
+          <a:prstGeom prst="straightConnector1">
+            <a:avLst/>
+          </a:prstGeom>
+          <a:ln>
+            <a:tailEnd type="triangle"/>
+          </a:ln>
+        </p:spPr>
+        <p:style>
+          <a:lnRef idx="3">
+            <a:schemeClr val="accent1"/>
+          </a:lnRef>
+          <a:fillRef idx="0">
+            <a:schemeClr val="accent1"/>
+          </a:fillRef>
+          <a:effectRef idx="2">
+            <a:schemeClr val="accent1"/>
+          </a:effectRef>
+          <a:fontRef idx="minor">
+            <a:schemeClr val="tx1"/>
+          </a:fontRef>
+        </p:style>
+      </p:cxnSp>
+      <p:cxnSp>
+        <p:nvCxnSpPr>
+          <p:cNvPr id="50" name="Rechte verbindingslijn met pijl 49"/>
+          <p:cNvCxnSpPr/>
+          <p:nvPr/>
+        </p:nvCxnSpPr>
+        <p:spPr>
+          <a:xfrm>
+            <a:off x="2339752" y="5373216"/>
+            <a:ext cx="810034" cy="618256"/>
+          </a:xfrm>
+          <a:prstGeom prst="straightConnector1">
+            <a:avLst/>
+          </a:prstGeom>
+          <a:ln>
+            <a:tailEnd type="triangle"/>
+          </a:ln>
+        </p:spPr>
+        <p:style>
+          <a:lnRef idx="3">
+            <a:schemeClr val="accent1"/>
+          </a:lnRef>
+          <a:fillRef idx="0">
+            <a:schemeClr val="accent1"/>
+          </a:fillRef>
+          <a:effectRef idx="2">
+            <a:schemeClr val="accent1"/>
+          </a:effectRef>
+          <a:fontRef idx="minor">
+            <a:schemeClr val="tx1"/>
+          </a:fontRef>
+        </p:style>
+      </p:cxnSp>
+      <p:cxnSp>
+        <p:nvCxnSpPr>
+          <p:cNvPr id="53" name="Rechte verbindingslijn met pijl 52"/>
+          <p:cNvCxnSpPr/>
+          <p:nvPr/>
+        </p:nvCxnSpPr>
+        <p:spPr>
+          <a:xfrm flipV="1">
+            <a:off x="1008667" y="2764754"/>
+            <a:ext cx="0" cy="541481"/>
+          </a:xfrm>
+          <a:prstGeom prst="straightConnector1">
+            <a:avLst/>
+          </a:prstGeom>
+          <a:ln w="15875">
+            <a:headEnd type="triangle"/>
+            <a:tailEnd type="triangle"/>
+          </a:ln>
+        </p:spPr>
+        <p:style>
+          <a:lnRef idx="1">
+            <a:schemeClr val="accent1"/>
+          </a:lnRef>
+          <a:fillRef idx="0">
+            <a:schemeClr val="accent1"/>
+          </a:fillRef>
+          <a:effectRef idx="0">
+            <a:schemeClr val="accent1"/>
+          </a:effectRef>
+          <a:fontRef idx="minor">
+            <a:schemeClr val="tx1"/>
+          </a:fontRef>
+        </p:style>
+      </p:cxnSp>
+      <p:cxnSp>
+        <p:nvCxnSpPr>
+          <p:cNvPr id="61" name="Rechte verbindingslijn met pijl 60"/>
+          <p:cNvCxnSpPr/>
+          <p:nvPr/>
+        </p:nvCxnSpPr>
+        <p:spPr>
+          <a:xfrm flipV="1">
+            <a:off x="1008667" y="1072124"/>
+            <a:ext cx="0" cy="477865"/>
+          </a:xfrm>
+          <a:prstGeom prst="straightConnector1">
+            <a:avLst/>
+          </a:prstGeom>
+          <a:ln w="15875">
+            <a:headEnd type="triangle"/>
+            <a:tailEnd type="triangle"/>
+          </a:ln>
+        </p:spPr>
+        <p:style>
+          <a:lnRef idx="1">
+            <a:schemeClr val="accent1"/>
+          </a:lnRef>
+          <a:fillRef idx="0">
+            <a:schemeClr val="accent1"/>
+          </a:fillRef>
+          <a:effectRef idx="0">
+            <a:schemeClr val="accent1"/>
+          </a:effectRef>
+          <a:fontRef idx="minor">
+            <a:schemeClr val="tx1"/>
+          </a:fontRef>
+        </p:style>
+      </p:cxnSp>
+      <p:cxnSp>
+        <p:nvCxnSpPr>
+          <p:cNvPr id="65" name="Rechte verbindingslijn met pijl 64"/>
+          <p:cNvCxnSpPr/>
+          <p:nvPr/>
+        </p:nvCxnSpPr>
+        <p:spPr>
+          <a:xfrm flipV="1">
+            <a:off x="1331640" y="1566991"/>
+            <a:ext cx="5253" cy="416304"/>
+          </a:xfrm>
+          <a:prstGeom prst="straightConnector1">
+            <a:avLst/>
+          </a:prstGeom>
+          <a:ln w="15875">
+            <a:headEnd type="triangle"/>
+            <a:tailEnd type="triangle"/>
+          </a:ln>
+        </p:spPr>
+        <p:style>
+          <a:lnRef idx="1">
+            <a:schemeClr val="accent1"/>
+          </a:lnRef>
+          <a:fillRef idx="0">
+            <a:schemeClr val="accent1"/>
+          </a:fillRef>
+          <a:effectRef idx="0">
+            <a:schemeClr val="accent1"/>
+          </a:effectRef>
+          <a:fontRef idx="minor">
+            <a:schemeClr val="tx1"/>
+          </a:fontRef>
+        </p:style>
+      </p:cxnSp>
+      <p:sp>
+        <p:nvSpPr>
+          <p:cNvPr id="37" name="Tekstvak 36"/>
+          <p:cNvSpPr txBox="1"/>
+          <p:nvPr/>
+        </p:nvSpPr>
+        <p:spPr>
+          <a:xfrm>
+            <a:off x="7816681" y="792092"/>
+            <a:ext cx="1127232" cy="369332"/>
+          </a:xfrm>
+          <a:prstGeom prst="rect">
+            <a:avLst/>
+          </a:prstGeom>
+          <a:noFill/>
+        </p:spPr>
+        <p:txBody>
+          <a:bodyPr wrap="none" rtlCol="0">
+            <a:spAutoFit/>
+          </a:bodyPr>
+          <a:lstStyle/>
+          <a:p>
+            <a:r>
+              <a:rPr lang="nl-NL" dirty="0" err="1" smtClean="0"/>
+              <a:t>LamPI</a:t>
+            </a:r>
+            <a:r>
+              <a:rPr lang="nl-NL" dirty="0" smtClean="0"/>
+              <a:t> Gui</a:t>
+            </a:r>
+            <a:endParaRPr lang="nl-NL" dirty="0"/>
+          </a:p>
+        </p:txBody>
+      </p:sp>
+      <p:sp>
+        <p:nvSpPr>
+          <p:cNvPr id="71" name="Tekstvak 70"/>
+          <p:cNvSpPr txBox="1"/>
+          <p:nvPr/>
+        </p:nvSpPr>
+        <p:spPr>
+          <a:xfrm>
+            <a:off x="7715456" y="2134116"/>
+            <a:ext cx="1287532" cy="369332"/>
+          </a:xfrm>
+          <a:prstGeom prst="rect">
+            <a:avLst/>
+          </a:prstGeom>
+          <a:noFill/>
+        </p:spPr>
+        <p:txBody>
+          <a:bodyPr wrap="none" rtlCol="0">
+            <a:spAutoFit/>
+          </a:bodyPr>
+          <a:lstStyle/>
+          <a:p>
+            <a:r>
+              <a:rPr lang="nl-NL" dirty="0" err="1" smtClean="0"/>
+              <a:t>LamPI</a:t>
+            </a:r>
+            <a:r>
+              <a:rPr lang="nl-NL" dirty="0" smtClean="0"/>
+              <a:t> node</a:t>
+            </a:r>
+            <a:endParaRPr lang="nl-NL" dirty="0"/>
+          </a:p>
+        </p:txBody>
+      </p:sp>
+      <p:sp>
+        <p:nvSpPr>
+          <p:cNvPr id="75" name="Tekstvak 74"/>
+          <p:cNvSpPr txBox="1"/>
+          <p:nvPr/>
+        </p:nvSpPr>
+        <p:spPr>
+          <a:xfrm>
+            <a:off x="7812191" y="4003268"/>
+            <a:ext cx="905248" cy="369332"/>
+          </a:xfrm>
+          <a:prstGeom prst="rect">
+            <a:avLst/>
+          </a:prstGeom>
+          <a:noFill/>
+        </p:spPr>
+        <p:txBody>
+          <a:bodyPr wrap="none" rtlCol="0">
+            <a:spAutoFit/>
+          </a:bodyPr>
+          <a:lstStyle/>
+          <a:p>
+            <a:r>
+              <a:rPr lang="nl-NL" dirty="0" smtClean="0"/>
+              <a:t>Sensors</a:t>
+            </a:r>
+            <a:endParaRPr lang="nl-NL" dirty="0"/>
+          </a:p>
+        </p:txBody>
+      </p:sp>
+      <p:sp>
+        <p:nvSpPr>
+          <p:cNvPr id="77" name="Tekstvak 76"/>
+          <p:cNvSpPr txBox="1"/>
+          <p:nvPr/>
+        </p:nvSpPr>
+        <p:spPr>
+          <a:xfrm>
+            <a:off x="7780689" y="4791459"/>
+            <a:ext cx="1346907" cy="646331"/>
+          </a:xfrm>
+          <a:prstGeom prst="rect">
+            <a:avLst/>
+          </a:prstGeom>
+          <a:noFill/>
+        </p:spPr>
+        <p:txBody>
+          <a:bodyPr wrap="none" rtlCol="0">
+            <a:spAutoFit/>
+          </a:bodyPr>
+          <a:lstStyle/>
+          <a:p>
+            <a:r>
+              <a:rPr lang="nl-NL" dirty="0" smtClean="0"/>
+              <a:t>Receivers /</a:t>
+            </a:r>
+          </a:p>
+          <a:p>
+            <a:r>
+              <a:rPr lang="nl-NL" dirty="0" smtClean="0"/>
+              <a:t>Transmitters</a:t>
+            </a:r>
+            <a:endParaRPr lang="nl-NL" dirty="0"/>
+          </a:p>
+        </p:txBody>
+      </p:sp>
+      <p:sp>
+        <p:nvSpPr>
+          <p:cNvPr id="91" name="Tekstvak 90"/>
+          <p:cNvSpPr txBox="1"/>
+          <p:nvPr/>
+        </p:nvSpPr>
+        <p:spPr>
+          <a:xfrm>
+            <a:off x="3059832" y="4869160"/>
+            <a:ext cx="659155" cy="369332"/>
+          </a:xfrm>
+          <a:prstGeom prst="rect">
+            <a:avLst/>
+          </a:prstGeom>
+          <a:noFill/>
+        </p:spPr>
+        <p:txBody>
+          <a:bodyPr wrap="none" rtlCol="0">
+            <a:spAutoFit/>
+          </a:bodyPr>
+          <a:lstStyle/>
+          <a:p>
+            <a:r>
+              <a:rPr lang="nl-NL" dirty="0" smtClean="0"/>
+              <a:t>GPIO</a:t>
+            </a:r>
+            <a:endParaRPr lang="nl-NL" dirty="0"/>
+          </a:p>
+        </p:txBody>
+      </p:sp>
+      <p:cxnSp>
+        <p:nvCxnSpPr>
+          <p:cNvPr id="96" name="Rechte verbindingslijn met pijl 95"/>
+          <p:cNvCxnSpPr/>
+          <p:nvPr/>
+        </p:nvCxnSpPr>
+        <p:spPr>
+          <a:xfrm>
+            <a:off x="2121625" y="2372297"/>
+            <a:ext cx="927252" cy="4344"/>
+          </a:xfrm>
+          <a:prstGeom prst="straightConnector1">
+            <a:avLst/>
+          </a:prstGeom>
+          <a:ln>
+            <a:tailEnd type="triangle"/>
+          </a:ln>
+        </p:spPr>
+        <p:style>
+          <a:lnRef idx="3">
+            <a:schemeClr val="accent1"/>
+          </a:lnRef>
+          <a:fillRef idx="0">
+            <a:schemeClr val="accent1"/>
+          </a:fillRef>
+          <a:effectRef idx="2">
+            <a:schemeClr val="accent1"/>
+          </a:effectRef>
+          <a:fontRef idx="minor">
+            <a:schemeClr val="tx1"/>
+          </a:fontRef>
+        </p:style>
+      </p:cxnSp>
+      <p:cxnSp>
+        <p:nvCxnSpPr>
+          <p:cNvPr id="98" name="Rechte verbindingslijn met pijl 97"/>
+          <p:cNvCxnSpPr/>
+          <p:nvPr/>
+        </p:nvCxnSpPr>
+        <p:spPr>
+          <a:xfrm>
+            <a:off x="2251564" y="2118558"/>
+            <a:ext cx="927252" cy="4344"/>
+          </a:xfrm>
+          <a:prstGeom prst="straightConnector1">
+            <a:avLst/>
+          </a:prstGeom>
+          <a:ln>
+            <a:tailEnd type="triangle"/>
+          </a:ln>
+        </p:spPr>
+        <p:style>
+          <a:lnRef idx="3">
+            <a:schemeClr val="accent1"/>
+          </a:lnRef>
+          <a:fillRef idx="0">
+            <a:schemeClr val="accent1"/>
+          </a:fillRef>
+          <a:effectRef idx="2">
+            <a:schemeClr val="accent1"/>
+          </a:effectRef>
+          <a:fontRef idx="minor">
+            <a:schemeClr val="tx1"/>
+          </a:fontRef>
+        </p:style>
+      </p:cxnSp>
+      <p:sp>
+        <p:nvSpPr>
+          <p:cNvPr id="105" name="Wolkvormige toelichting 104"/>
+          <p:cNvSpPr/>
+          <p:nvPr/>
+        </p:nvSpPr>
+        <p:spPr>
+          <a:xfrm>
+            <a:off x="5163618" y="3789040"/>
+            <a:ext cx="1895900" cy="1071952"/>
+          </a:xfrm>
+          <a:prstGeom prst="cloudCallout">
+            <a:avLst/>
+          </a:prstGeom>
+          <a:solidFill>
+            <a:schemeClr val="accent5">
+              <a:lumMod val="20000"/>
+              <a:lumOff val="80000"/>
+            </a:schemeClr>
+          </a:solidFill>
+        </p:spPr>
+        <p:style>
+          <a:lnRef idx="2">
+            <a:schemeClr val="accent1">
+              <a:shade val="50000"/>
+            </a:schemeClr>
+          </a:lnRef>
+          <a:fillRef idx="1">
+            <a:schemeClr val="accent1"/>
+          </a:fillRef>
+          <a:effectRef idx="0">
+            <a:schemeClr val="accent1"/>
+          </a:effectRef>
+          <a:fontRef idx="minor">
+            <a:schemeClr val="lt1"/>
+          </a:fontRef>
+        </p:style>
+        <p:txBody>
+          <a:bodyPr rtlCol="0" anchor="ctr"/>
+          <a:lstStyle/>
+          <a:p>
+            <a:pPr algn="ctr"/>
+            <a:endParaRPr lang="en-US"/>
+          </a:p>
+        </p:txBody>
+      </p:sp>
+      <p:sp>
+        <p:nvSpPr>
+          <p:cNvPr id="48" name="Stroomdiagram: Alternatief proces 47"/>
+          <p:cNvSpPr/>
+          <p:nvPr/>
+        </p:nvSpPr>
+        <p:spPr>
+          <a:xfrm>
+            <a:off x="475928" y="5093568"/>
+            <a:ext cx="1694419" cy="659832"/>
+          </a:xfrm>
+          <a:prstGeom prst="flowChartAlternateProcess">
+            <a:avLst/>
+          </a:prstGeom>
+          <a:solidFill>
+            <a:schemeClr val="accent6">
+              <a:lumMod val="60000"/>
+              <a:lumOff val="40000"/>
+            </a:schemeClr>
+          </a:solidFill>
+        </p:spPr>
+        <p:style>
+          <a:lnRef idx="2">
+            <a:schemeClr val="accent1">
+              <a:shade val="50000"/>
+            </a:schemeClr>
+          </a:lnRef>
+          <a:fillRef idx="1">
+            <a:schemeClr val="accent1"/>
+          </a:fillRef>
+          <a:effectRef idx="0">
+            <a:schemeClr val="accent1"/>
+          </a:effectRef>
+          <a:fontRef idx="minor">
+            <a:schemeClr val="lt1"/>
+          </a:fontRef>
+        </p:style>
+        <p:txBody>
+          <a:bodyPr rtlCol="0" anchor="ctr"/>
+          <a:lstStyle/>
+          <a:p>
+            <a:pPr algn="ctr"/>
+            <a:r>
+              <a:rPr lang="nl-NL" dirty="0" smtClean="0"/>
+              <a:t>ESP Gateway</a:t>
+            </a:r>
+            <a:endParaRPr lang="en-US" dirty="0"/>
+          </a:p>
+        </p:txBody>
+      </p:sp>
+    </p:spTree>
+    <p:extLst>
+      <p:ext uri="{BB962C8B-B14F-4D97-AF65-F5344CB8AC3E}">
+        <p14:creationId xmlns:p14="http://schemas.microsoft.com/office/powerpoint/2010/main" val="3350978909"/>
+      </p:ext>
+    </p:extLst>
+  </p:cSld>
+  <p:clrMapOvr>
+    <a:masterClrMapping/>
+  </p:clrMapOvr>
+  <p:timing>
+    <p:tnLst>
+      <p:par>
+        <p:cTn id="1" dur="indefinite" restart="never" nodeType="tmRoot"/>
+      </p:par>
+    </p:tnLst>
+  </p:timing>
+</p:sld>
+</file>
+
+<file path=ppt/slides/slide6.xml><?xml version="1.0" encoding="utf-8"?>
+<p:sld xmlns:a="http://schemas.openxmlformats.org/drawingml/2006/main" xmlns:r="http://schemas.openxmlformats.org/officeDocument/2006/relationships" xmlns:p="http://schemas.openxmlformats.org/presentationml/2006/main">
+  <p:cSld>
+    <p:spTree>
+      <p:nvGrpSpPr>
+        <p:cNvPr id="1" name=""/>
+        <p:cNvGrpSpPr/>
+        <p:nvPr/>
+      </p:nvGrpSpPr>
+      <p:grpSpPr>
+        <a:xfrm>
+          <a:off x="0" y="0"/>
+          <a:ext cx="0" cy="0"/>
+          <a:chOff x="0" y="0"/>
+          <a:chExt cx="0" cy="0"/>
+        </a:xfrm>
+      </p:grpSpPr>
+      <p:pic>
+        <p:nvPicPr>
+          <p:cNvPr id="3" name="Afbeelding 2"/>
+          <p:cNvPicPr>
+            <a:picLocks noChangeAspect="1"/>
+          </p:cNvPicPr>
+          <p:nvPr/>
+        </p:nvPicPr>
+        <p:blipFill>
+          <a:blip r:embed="rId3">
+            <a:extLst>
+              <a:ext uri="{28A0092B-C50C-407E-A947-70E740481C1C}">
+                <a14:useLocalDpi xmlns:a14="http://schemas.microsoft.com/office/drawing/2010/main" val="0"/>
+              </a:ext>
+            </a:extLst>
+          </a:blip>
+          <a:stretch>
+            <a:fillRect/>
+          </a:stretch>
+        </p:blipFill>
+        <p:spPr>
+          <a:xfrm>
+            <a:off x="2195736" y="2564904"/>
+            <a:ext cx="4392488" cy="2260713"/>
+          </a:xfrm>
+          <a:prstGeom prst="rect">
+            <a:avLst/>
+          </a:prstGeom>
+        </p:spPr>
+      </p:pic>
+      <p:pic>
+        <p:nvPicPr>
+          <p:cNvPr id="4" name="Afbeelding 3"/>
+          <p:cNvPicPr>
+            <a:picLocks noChangeAspect="1"/>
+          </p:cNvPicPr>
+          <p:nvPr/>
+        </p:nvPicPr>
+        <p:blipFill>
+          <a:blip r:embed="rId4">
+            <a:extLst>
+              <a:ext uri="{28A0092B-C50C-407E-A947-70E740481C1C}">
+                <a14:useLocalDpi xmlns:a14="http://schemas.microsoft.com/office/drawing/2010/main" val="0"/>
+              </a:ext>
+            </a:extLst>
+          </a:blip>
+          <a:stretch>
+            <a:fillRect/>
+          </a:stretch>
+        </p:blipFill>
+        <p:spPr>
+          <a:xfrm>
+            <a:off x="755576" y="0"/>
+            <a:ext cx="1152128" cy="1486078"/>
+          </a:xfrm>
+          <a:prstGeom prst="rect">
+            <a:avLst/>
+          </a:prstGeom>
+        </p:spPr>
+      </p:pic>
+      <p:pic>
+        <p:nvPicPr>
+          <p:cNvPr id="5" name="Afbeelding 4"/>
+          <p:cNvPicPr>
+            <a:picLocks noChangeAspect="1"/>
+          </p:cNvPicPr>
+          <p:nvPr/>
+        </p:nvPicPr>
+        <p:blipFill>
+          <a:blip r:embed="rId5">
+            <a:extLst>
+              <a:ext uri="{28A0092B-C50C-407E-A947-70E740481C1C}">
+                <a14:useLocalDpi xmlns:a14="http://schemas.microsoft.com/office/drawing/2010/main" val="0"/>
+              </a:ext>
+            </a:extLst>
+          </a:blip>
+          <a:stretch>
+            <a:fillRect/>
+          </a:stretch>
+        </p:blipFill>
+        <p:spPr>
+          <a:xfrm>
+            <a:off x="4499992" y="260648"/>
+            <a:ext cx="3990975" cy="1257300"/>
+          </a:xfrm>
+          <a:prstGeom prst="rect">
+            <a:avLst/>
+          </a:prstGeom>
+        </p:spPr>
+      </p:pic>
+      <p:pic>
+        <p:nvPicPr>
+          <p:cNvPr id="7" name="Afbeelding 6"/>
+          <p:cNvPicPr>
+            <a:picLocks noChangeAspect="1"/>
+          </p:cNvPicPr>
+          <p:nvPr/>
+        </p:nvPicPr>
+        <p:blipFill>
+          <a:blip r:embed="rId6" cstate="print">
+            <a:extLst>
+              <a:ext uri="{28A0092B-C50C-407E-A947-70E740481C1C}">
+                <a14:useLocalDpi xmlns:a14="http://schemas.microsoft.com/office/drawing/2010/main" val="0"/>
+              </a:ext>
+            </a:extLst>
+          </a:blip>
+          <a:stretch>
+            <a:fillRect/>
+          </a:stretch>
+        </p:blipFill>
+        <p:spPr>
+          <a:xfrm>
+            <a:off x="323528" y="5445224"/>
+            <a:ext cx="1328013" cy="1323927"/>
+          </a:xfrm>
+          <a:prstGeom prst="rect">
+            <a:avLst/>
+          </a:prstGeom>
+        </p:spPr>
+      </p:pic>
+      <p:cxnSp>
+        <p:nvCxnSpPr>
+          <p:cNvPr id="11" name="Rechte verbindingslijn 10"/>
+          <p:cNvCxnSpPr/>
+          <p:nvPr/>
+        </p:nvCxnSpPr>
+        <p:spPr>
+          <a:xfrm>
+            <a:off x="1331640" y="1700808"/>
+            <a:ext cx="6552728" cy="0"/>
+          </a:xfrm>
+          <a:prstGeom prst="line">
+            <a:avLst/>
+          </a:prstGeom>
+        </p:spPr>
+        <p:style>
+          <a:lnRef idx="2">
+            <a:schemeClr val="accent6"/>
+          </a:lnRef>
+          <a:fillRef idx="0">
+            <a:schemeClr val="accent6"/>
+          </a:fillRef>
+          <a:effectRef idx="1">
+            <a:schemeClr val="accent6"/>
+          </a:effectRef>
+          <a:fontRef idx="minor">
+            <a:schemeClr val="tx1"/>
+          </a:fontRef>
+        </p:style>
+      </p:cxnSp>
+      <p:cxnSp>
+        <p:nvCxnSpPr>
+          <p:cNvPr id="13" name="Rechte verbindingslijn 12"/>
+          <p:cNvCxnSpPr/>
+          <p:nvPr/>
+        </p:nvCxnSpPr>
+        <p:spPr>
+          <a:xfrm>
+            <a:off x="7092280" y="1268760"/>
+            <a:ext cx="0" cy="432048"/>
+          </a:xfrm>
+          <a:prstGeom prst="line">
+            <a:avLst/>
+          </a:prstGeom>
+        </p:spPr>
+        <p:style>
+          <a:lnRef idx="2">
+            <a:schemeClr val="accent6"/>
+          </a:lnRef>
+          <a:fillRef idx="0">
+            <a:schemeClr val="accent6"/>
+          </a:fillRef>
+          <a:effectRef idx="1">
+            <a:schemeClr val="accent6"/>
+          </a:effectRef>
+          <a:fontRef idx="minor">
+            <a:schemeClr val="tx1"/>
+          </a:fontRef>
+        </p:style>
+      </p:cxnSp>
+      <p:cxnSp>
+        <p:nvCxnSpPr>
+          <p:cNvPr id="15" name="Rechte verbindingslijn 14"/>
+          <p:cNvCxnSpPr/>
+          <p:nvPr/>
+        </p:nvCxnSpPr>
+        <p:spPr>
+          <a:xfrm flipH="1">
+            <a:off x="1331640" y="4941168"/>
+            <a:ext cx="6552728" cy="0"/>
+          </a:xfrm>
+          <a:prstGeom prst="line">
+            <a:avLst/>
+          </a:prstGeom>
+        </p:spPr>
+        <p:style>
+          <a:lnRef idx="2">
+            <a:schemeClr val="accent6"/>
+          </a:lnRef>
+          <a:fillRef idx="0">
+            <a:schemeClr val="accent6"/>
+          </a:fillRef>
+          <a:effectRef idx="1">
+            <a:schemeClr val="accent6"/>
+          </a:effectRef>
+          <a:fontRef idx="minor">
+            <a:schemeClr val="tx1"/>
+          </a:fontRef>
+        </p:style>
+      </p:cxnSp>
+      <p:cxnSp>
+        <p:nvCxnSpPr>
+          <p:cNvPr id="39" name="Rechte verbindingslijn 38"/>
+          <p:cNvCxnSpPr/>
+          <p:nvPr/>
+        </p:nvCxnSpPr>
+        <p:spPr>
+          <a:xfrm flipV="1">
+            <a:off x="1331640" y="4941168"/>
+            <a:ext cx="0" cy="648072"/>
+          </a:xfrm>
+          <a:prstGeom prst="line">
+            <a:avLst/>
+          </a:prstGeom>
+        </p:spPr>
+        <p:style>
+          <a:lnRef idx="2">
+            <a:schemeClr val="accent6"/>
+          </a:lnRef>
+          <a:fillRef idx="0">
+            <a:schemeClr val="accent6"/>
+          </a:fillRef>
+          <a:effectRef idx="1">
+            <a:schemeClr val="accent6"/>
+          </a:effectRef>
+          <a:fontRef idx="minor">
+            <a:schemeClr val="tx1"/>
+          </a:fontRef>
+        </p:style>
+      </p:cxnSp>
+      <p:cxnSp>
+        <p:nvCxnSpPr>
+          <p:cNvPr id="56" name="Rechte verbindingslijn 55"/>
+          <p:cNvCxnSpPr/>
+          <p:nvPr/>
+        </p:nvCxnSpPr>
+        <p:spPr>
+          <a:xfrm>
+            <a:off x="1547664" y="1844824"/>
+            <a:ext cx="6480720" cy="0"/>
+          </a:xfrm>
+          <a:prstGeom prst="line">
+            <a:avLst/>
+          </a:prstGeom>
+        </p:spPr>
+        <p:style>
+          <a:lnRef idx="2">
+            <a:schemeClr val="dk1"/>
+          </a:lnRef>
+          <a:fillRef idx="0">
+            <a:schemeClr val="dk1"/>
+          </a:fillRef>
+          <a:effectRef idx="1">
+            <a:schemeClr val="dk1"/>
+          </a:effectRef>
+          <a:fontRef idx="minor">
+            <a:schemeClr val="tx1"/>
+          </a:fontRef>
+        </p:style>
+      </p:cxnSp>
+      <p:cxnSp>
+        <p:nvCxnSpPr>
+          <p:cNvPr id="67" name="Rechte verbindingslijn 66"/>
+          <p:cNvCxnSpPr/>
+          <p:nvPr/>
+        </p:nvCxnSpPr>
+        <p:spPr>
+          <a:xfrm>
+            <a:off x="1115616" y="1340768"/>
+            <a:ext cx="0" cy="648072"/>
+          </a:xfrm>
+          <a:prstGeom prst="line">
+            <a:avLst/>
+          </a:prstGeom>
+        </p:spPr>
+        <p:style>
+          <a:lnRef idx="2">
+            <a:schemeClr val="accent5"/>
+          </a:lnRef>
+          <a:fillRef idx="0">
+            <a:schemeClr val="accent5"/>
+          </a:fillRef>
+          <a:effectRef idx="1">
+            <a:schemeClr val="accent5"/>
+          </a:effectRef>
+          <a:fontRef idx="minor">
+            <a:schemeClr val="tx1"/>
+          </a:fontRef>
+        </p:style>
+      </p:cxnSp>
+      <p:cxnSp>
+        <p:nvCxnSpPr>
+          <p:cNvPr id="70" name="Rechte verbindingslijn 69"/>
+          <p:cNvCxnSpPr/>
+          <p:nvPr/>
+        </p:nvCxnSpPr>
+        <p:spPr>
+          <a:xfrm>
+            <a:off x="1115616" y="1988840"/>
+            <a:ext cx="1656184" cy="0"/>
+          </a:xfrm>
+          <a:prstGeom prst="line">
+            <a:avLst/>
+          </a:prstGeom>
+        </p:spPr>
+        <p:style>
+          <a:lnRef idx="2">
+            <a:schemeClr val="accent5"/>
+          </a:lnRef>
+          <a:fillRef idx="0">
+            <a:schemeClr val="accent5"/>
+          </a:fillRef>
+          <a:effectRef idx="1">
+            <a:schemeClr val="accent5"/>
+          </a:effectRef>
+          <a:fontRef idx="minor">
+            <a:schemeClr val="tx1"/>
+          </a:fontRef>
+        </p:style>
+      </p:cxnSp>
+      <p:cxnSp>
+        <p:nvCxnSpPr>
+          <p:cNvPr id="73" name="Rechte verbindingslijn 72"/>
+          <p:cNvCxnSpPr/>
+          <p:nvPr/>
+        </p:nvCxnSpPr>
+        <p:spPr>
+          <a:xfrm>
+            <a:off x="2771800" y="1988840"/>
+            <a:ext cx="0" cy="720080"/>
+          </a:xfrm>
+          <a:prstGeom prst="line">
+            <a:avLst/>
+          </a:prstGeom>
+        </p:spPr>
+        <p:style>
+          <a:lnRef idx="2">
+            <a:schemeClr val="accent5"/>
+          </a:lnRef>
+          <a:fillRef idx="0">
+            <a:schemeClr val="accent5"/>
+          </a:fillRef>
+          <a:effectRef idx="1">
+            <a:schemeClr val="accent5"/>
+          </a:effectRef>
+          <a:fontRef idx="minor">
+            <a:schemeClr val="tx1"/>
+          </a:fontRef>
+        </p:style>
+      </p:cxnSp>
+      <p:cxnSp>
+        <p:nvCxnSpPr>
+          <p:cNvPr id="87" name="Rechte verbindingslijn 86"/>
+          <p:cNvCxnSpPr/>
+          <p:nvPr/>
+        </p:nvCxnSpPr>
+        <p:spPr>
+          <a:xfrm>
+            <a:off x="3419872" y="1988840"/>
+            <a:ext cx="4248472" cy="0"/>
+          </a:xfrm>
+          <a:prstGeom prst="line">
+            <a:avLst/>
+          </a:prstGeom>
+          <a:ln>
+            <a:headEnd type="none" w="med" len="med"/>
+            <a:tailEnd type="none" w="med" len="med"/>
+          </a:ln>
+        </p:spPr>
+        <p:style>
+          <a:lnRef idx="2">
+            <a:schemeClr val="accent1"/>
+          </a:lnRef>
+          <a:fillRef idx="0">
+            <a:schemeClr val="accent1"/>
+          </a:fillRef>
+          <a:effectRef idx="1">
+            <a:schemeClr val="accent1"/>
+          </a:effectRef>
+          <a:fontRef idx="minor">
+            <a:schemeClr val="tx1"/>
+          </a:fontRef>
+        </p:style>
+      </p:cxnSp>
+      <p:cxnSp>
+        <p:nvCxnSpPr>
+          <p:cNvPr id="93" name="Rechte verbindingslijn 92"/>
+          <p:cNvCxnSpPr/>
+          <p:nvPr/>
+        </p:nvCxnSpPr>
+        <p:spPr>
+          <a:xfrm>
+            <a:off x="7668344" y="1268760"/>
+            <a:ext cx="0" cy="720080"/>
+          </a:xfrm>
+          <a:prstGeom prst="line">
+            <a:avLst/>
+          </a:prstGeom>
+          <a:ln>
+            <a:headEnd type="none" w="med" len="med"/>
+            <a:tailEnd type="none" w="med" len="med"/>
+          </a:ln>
+        </p:spPr>
+        <p:style>
+          <a:lnRef idx="2">
+            <a:schemeClr val="accent1"/>
+          </a:lnRef>
+          <a:fillRef idx="0">
+            <a:schemeClr val="accent1"/>
+          </a:fillRef>
+          <a:effectRef idx="1">
+            <a:schemeClr val="accent1"/>
+          </a:effectRef>
+          <a:fontRef idx="minor">
+            <a:schemeClr val="tx1"/>
+          </a:fontRef>
+        </p:style>
+      </p:cxnSp>
+      <p:cxnSp>
+        <p:nvCxnSpPr>
+          <p:cNvPr id="103" name="Rechte verbindingslijn 102"/>
+          <p:cNvCxnSpPr/>
+          <p:nvPr/>
+        </p:nvCxnSpPr>
+        <p:spPr>
+          <a:xfrm>
+            <a:off x="7380312" y="1268760"/>
+            <a:ext cx="0" cy="432048"/>
+          </a:xfrm>
+          <a:prstGeom prst="line">
+            <a:avLst/>
+          </a:prstGeom>
+        </p:spPr>
+        <p:style>
+          <a:lnRef idx="2">
+            <a:schemeClr val="accent6"/>
+          </a:lnRef>
+          <a:fillRef idx="0">
+            <a:schemeClr val="accent6"/>
+          </a:fillRef>
+          <a:effectRef idx="1">
+            <a:schemeClr val="accent6"/>
+          </a:effectRef>
+          <a:fontRef idx="minor">
+            <a:schemeClr val="tx1"/>
+          </a:fontRef>
+        </p:style>
+      </p:cxnSp>
+      <p:cxnSp>
+        <p:nvCxnSpPr>
+          <p:cNvPr id="106" name="Rechte verbindingslijn 105"/>
+          <p:cNvCxnSpPr/>
+          <p:nvPr/>
+        </p:nvCxnSpPr>
+        <p:spPr>
+          <a:xfrm>
+            <a:off x="1331640" y="1340768"/>
+            <a:ext cx="0" cy="360040"/>
+          </a:xfrm>
+          <a:prstGeom prst="line">
+            <a:avLst/>
+          </a:prstGeom>
+        </p:spPr>
+        <p:style>
+          <a:lnRef idx="2">
+            <a:schemeClr val="accent6"/>
+          </a:lnRef>
+          <a:fillRef idx="0">
+            <a:schemeClr val="accent6"/>
+          </a:fillRef>
+          <a:effectRef idx="1">
+            <a:schemeClr val="accent6"/>
+          </a:effectRef>
+          <a:fontRef idx="minor">
+            <a:schemeClr val="tx1"/>
+          </a:fontRef>
+        </p:style>
+      </p:cxnSp>
+      <p:cxnSp>
+        <p:nvCxnSpPr>
+          <p:cNvPr id="101" name="Rechte verbindingslijn 100"/>
+          <p:cNvCxnSpPr/>
+          <p:nvPr/>
+        </p:nvCxnSpPr>
+        <p:spPr>
+          <a:xfrm>
+            <a:off x="1547664" y="1340768"/>
+            <a:ext cx="0" cy="504056"/>
+          </a:xfrm>
+          <a:prstGeom prst="line">
+            <a:avLst/>
+          </a:prstGeom>
+        </p:spPr>
+        <p:style>
+          <a:lnRef idx="2">
+            <a:schemeClr val="dk1"/>
+          </a:lnRef>
+          <a:fillRef idx="0">
+            <a:schemeClr val="dk1"/>
+          </a:fillRef>
+          <a:effectRef idx="1">
+            <a:schemeClr val="dk1"/>
+          </a:effectRef>
+          <a:fontRef idx="minor">
+            <a:schemeClr val="tx1"/>
+          </a:fontRef>
+        </p:style>
+      </p:cxnSp>
+      <p:cxnSp>
+        <p:nvCxnSpPr>
+          <p:cNvPr id="108" name="Rechte verbindingslijn 107"/>
+          <p:cNvCxnSpPr/>
+          <p:nvPr/>
+        </p:nvCxnSpPr>
+        <p:spPr>
+          <a:xfrm flipV="1">
+            <a:off x="3419872" y="1988840"/>
+            <a:ext cx="0" cy="576064"/>
+          </a:xfrm>
+          <a:prstGeom prst="line">
+            <a:avLst/>
+          </a:prstGeom>
+        </p:spPr>
+        <p:style>
+          <a:lnRef idx="2">
+            <a:schemeClr val="accent1"/>
+          </a:lnRef>
+          <a:fillRef idx="0">
+            <a:schemeClr val="accent1"/>
+          </a:fillRef>
+          <a:effectRef idx="1">
+            <a:schemeClr val="accent1"/>
+          </a:effectRef>
+          <a:fontRef idx="minor">
+            <a:schemeClr val="tx1"/>
+          </a:fontRef>
+        </p:style>
+      </p:cxnSp>
+      <p:cxnSp>
+        <p:nvCxnSpPr>
+          <p:cNvPr id="119" name="Rechte verbindingslijn 118"/>
+          <p:cNvCxnSpPr/>
+          <p:nvPr/>
+        </p:nvCxnSpPr>
+        <p:spPr>
+          <a:xfrm>
+            <a:off x="1115616" y="5085184"/>
+            <a:ext cx="0" cy="504056"/>
+          </a:xfrm>
+          <a:prstGeom prst="line">
+            <a:avLst/>
+          </a:prstGeom>
+        </p:spPr>
+        <p:style>
+          <a:lnRef idx="2">
+            <a:schemeClr val="dk1"/>
+          </a:lnRef>
+          <a:fillRef idx="0">
+            <a:schemeClr val="dk1"/>
+          </a:fillRef>
+          <a:effectRef idx="1">
+            <a:schemeClr val="dk1"/>
+          </a:effectRef>
+          <a:fontRef idx="minor">
+            <a:schemeClr val="tx1"/>
+          </a:fontRef>
+        </p:style>
+      </p:cxnSp>
+      <p:pic>
+        <p:nvPicPr>
+          <p:cNvPr id="120" name="Afbeelding 119"/>
+          <p:cNvPicPr>
+            <a:picLocks noChangeAspect="1"/>
+          </p:cNvPicPr>
+          <p:nvPr/>
+        </p:nvPicPr>
+        <p:blipFill>
+          <a:blip r:embed="rId7" cstate="print">
+            <a:extLst>
+              <a:ext uri="{28A0092B-C50C-407E-A947-70E740481C1C}">
+                <a14:useLocalDpi xmlns:a14="http://schemas.microsoft.com/office/drawing/2010/main" val="0"/>
+              </a:ext>
+            </a:extLst>
+          </a:blip>
+          <a:stretch>
+            <a:fillRect/>
+          </a:stretch>
+        </p:blipFill>
+        <p:spPr>
+          <a:xfrm>
+            <a:off x="5364088" y="5172339"/>
+            <a:ext cx="3022042" cy="1685661"/>
+          </a:xfrm>
+          <a:prstGeom prst="rect">
+            <a:avLst/>
+          </a:prstGeom>
+        </p:spPr>
+      </p:pic>
+      <p:cxnSp>
+        <p:nvCxnSpPr>
+          <p:cNvPr id="115" name="Rechte verbindingslijn 114"/>
+          <p:cNvCxnSpPr/>
+          <p:nvPr/>
+        </p:nvCxnSpPr>
+        <p:spPr>
+          <a:xfrm>
+            <a:off x="7884368" y="1700808"/>
+            <a:ext cx="0" cy="3744416"/>
+          </a:xfrm>
+          <a:prstGeom prst="line">
+            <a:avLst/>
+          </a:prstGeom>
+        </p:spPr>
+        <p:style>
+          <a:lnRef idx="2">
+            <a:schemeClr val="accent6"/>
+          </a:lnRef>
+          <a:fillRef idx="0">
+            <a:schemeClr val="accent6"/>
+          </a:fillRef>
+          <a:effectRef idx="1">
+            <a:schemeClr val="accent6"/>
+          </a:effectRef>
+          <a:fontRef idx="minor">
+            <a:schemeClr val="tx1"/>
+          </a:fontRef>
+        </p:style>
+      </p:cxnSp>
+      <p:cxnSp>
+        <p:nvCxnSpPr>
+          <p:cNvPr id="52" name="Rechte verbindingslijn 51"/>
+          <p:cNvCxnSpPr/>
+          <p:nvPr/>
+        </p:nvCxnSpPr>
+        <p:spPr>
+          <a:xfrm flipV="1">
+            <a:off x="8028384" y="1268760"/>
+            <a:ext cx="0" cy="4176464"/>
+          </a:xfrm>
+          <a:prstGeom prst="line">
+            <a:avLst/>
+          </a:prstGeom>
+        </p:spPr>
+        <p:style>
+          <a:lnRef idx="2">
+            <a:schemeClr val="dk1"/>
+          </a:lnRef>
+          <a:fillRef idx="0">
+            <a:schemeClr val="dk1"/>
+          </a:fillRef>
+          <a:effectRef idx="1">
+            <a:schemeClr val="dk1"/>
+          </a:effectRef>
+          <a:fontRef idx="minor">
+            <a:schemeClr val="tx1"/>
+          </a:fontRef>
+        </p:style>
+      </p:cxnSp>
+      <p:cxnSp>
+        <p:nvCxnSpPr>
+          <p:cNvPr id="41" name="Rechte verbindingslijn 40"/>
+          <p:cNvCxnSpPr/>
+          <p:nvPr/>
+        </p:nvCxnSpPr>
+        <p:spPr>
+          <a:xfrm flipH="1">
+            <a:off x="1115616" y="5085184"/>
+            <a:ext cx="6912768" cy="0"/>
+          </a:xfrm>
+          <a:prstGeom prst="line">
+            <a:avLst/>
+          </a:prstGeom>
+        </p:spPr>
+        <p:style>
+          <a:lnRef idx="2">
+            <a:schemeClr val="dk1"/>
+          </a:lnRef>
+          <a:fillRef idx="0">
+            <a:schemeClr val="dk1"/>
+          </a:fillRef>
+          <a:effectRef idx="1">
+            <a:schemeClr val="dk1"/>
+          </a:effectRef>
+          <a:fontRef idx="minor">
+            <a:schemeClr val="tx1"/>
+          </a:fontRef>
+        </p:style>
+      </p:cxnSp>
+      <p:cxnSp>
+        <p:nvCxnSpPr>
+          <p:cNvPr id="124" name="Rechte verbindingslijn 123"/>
+          <p:cNvCxnSpPr/>
+          <p:nvPr/>
+        </p:nvCxnSpPr>
+        <p:spPr>
+          <a:xfrm flipH="1">
+            <a:off x="683568" y="2420888"/>
+            <a:ext cx="2304256" cy="0"/>
+          </a:xfrm>
+          <a:prstGeom prst="line">
+            <a:avLst/>
+          </a:prstGeom>
+        </p:spPr>
+        <p:style>
+          <a:lnRef idx="3">
+            <a:schemeClr val="accent3"/>
+          </a:lnRef>
+          <a:fillRef idx="0">
+            <a:schemeClr val="accent3"/>
+          </a:fillRef>
+          <a:effectRef idx="2">
+            <a:schemeClr val="accent3"/>
+          </a:effectRef>
+          <a:fontRef idx="minor">
+            <a:schemeClr val="tx1"/>
+          </a:fontRef>
+        </p:style>
+      </p:cxnSp>
+      <p:cxnSp>
+        <p:nvCxnSpPr>
+          <p:cNvPr id="126" name="Rechte verbindingslijn 125"/>
+          <p:cNvCxnSpPr/>
+          <p:nvPr/>
+        </p:nvCxnSpPr>
+        <p:spPr>
+          <a:xfrm flipH="1">
+            <a:off x="899592" y="2204864"/>
+            <a:ext cx="2304256" cy="0"/>
+          </a:xfrm>
+          <a:prstGeom prst="line">
+            <a:avLst/>
+          </a:prstGeom>
+        </p:spPr>
+        <p:style>
+          <a:lnRef idx="2">
+            <a:schemeClr val="accent4"/>
+          </a:lnRef>
+          <a:fillRef idx="0">
+            <a:schemeClr val="accent4"/>
+          </a:fillRef>
+          <a:effectRef idx="1">
+            <a:schemeClr val="accent4"/>
+          </a:effectRef>
+          <a:fontRef idx="minor">
+            <a:schemeClr val="tx1"/>
+          </a:fontRef>
+        </p:style>
+      </p:cxnSp>
+      <p:cxnSp>
+        <p:nvCxnSpPr>
+          <p:cNvPr id="129" name="Rechte verbindingslijn 128"/>
+          <p:cNvCxnSpPr/>
+          <p:nvPr/>
+        </p:nvCxnSpPr>
+        <p:spPr>
+          <a:xfrm flipV="1">
+            <a:off x="899592" y="2204864"/>
+            <a:ext cx="0" cy="3384376"/>
+          </a:xfrm>
+          <a:prstGeom prst="line">
+            <a:avLst/>
+          </a:prstGeom>
+        </p:spPr>
+        <p:style>
+          <a:lnRef idx="2">
+            <a:schemeClr val="accent4"/>
+          </a:lnRef>
+          <a:fillRef idx="0">
+            <a:schemeClr val="accent4"/>
+          </a:fillRef>
+          <a:effectRef idx="1">
+            <a:schemeClr val="accent4"/>
+          </a:effectRef>
+          <a:fontRef idx="minor">
+            <a:schemeClr val="tx1"/>
+          </a:fontRef>
+        </p:style>
+      </p:cxnSp>
+      <p:cxnSp>
+        <p:nvCxnSpPr>
+          <p:cNvPr id="132" name="Rechte verbindingslijn 131"/>
+          <p:cNvCxnSpPr/>
+          <p:nvPr/>
+        </p:nvCxnSpPr>
+        <p:spPr>
+          <a:xfrm flipV="1">
+            <a:off x="3203848" y="2204864"/>
+            <a:ext cx="0" cy="504056"/>
+          </a:xfrm>
+          <a:prstGeom prst="line">
+            <a:avLst/>
+          </a:prstGeom>
+        </p:spPr>
+        <p:style>
+          <a:lnRef idx="2">
+            <a:schemeClr val="accent4"/>
+          </a:lnRef>
+          <a:fillRef idx="0">
+            <a:schemeClr val="accent4"/>
+          </a:fillRef>
+          <a:effectRef idx="1">
+            <a:schemeClr val="accent4"/>
+          </a:effectRef>
+          <a:fontRef idx="minor">
+            <a:schemeClr val="tx1"/>
+          </a:fontRef>
+        </p:style>
+      </p:cxnSp>
+      <p:cxnSp>
+        <p:nvCxnSpPr>
+          <p:cNvPr id="136" name="Rechte verbindingslijn 135"/>
+          <p:cNvCxnSpPr/>
+          <p:nvPr/>
+        </p:nvCxnSpPr>
+        <p:spPr>
+          <a:xfrm flipV="1">
+            <a:off x="683568" y="2420888"/>
+            <a:ext cx="0" cy="3168352"/>
+          </a:xfrm>
+          <a:prstGeom prst="line">
+            <a:avLst/>
+          </a:prstGeom>
+        </p:spPr>
+        <p:style>
+          <a:lnRef idx="2">
+            <a:schemeClr val="accent3"/>
+          </a:lnRef>
+          <a:fillRef idx="0">
+            <a:schemeClr val="accent3"/>
+          </a:fillRef>
+          <a:effectRef idx="1">
+            <a:schemeClr val="accent3"/>
+          </a:effectRef>
+          <a:fontRef idx="minor">
+            <a:schemeClr val="tx1"/>
+          </a:fontRef>
+        </p:style>
+      </p:cxnSp>
+      <p:cxnSp>
+        <p:nvCxnSpPr>
+          <p:cNvPr id="141" name="Rechte verbindingslijn 140"/>
+          <p:cNvCxnSpPr/>
+          <p:nvPr/>
+        </p:nvCxnSpPr>
+        <p:spPr>
+          <a:xfrm flipV="1">
+            <a:off x="2987824" y="2420888"/>
+            <a:ext cx="0" cy="360040"/>
+          </a:xfrm>
+          <a:prstGeom prst="line">
+            <a:avLst/>
+          </a:prstGeom>
+        </p:spPr>
+        <p:style>
+          <a:lnRef idx="2">
+            <a:schemeClr val="accent3"/>
+          </a:lnRef>
+          <a:fillRef idx="0">
+            <a:schemeClr val="accent3"/>
+          </a:fillRef>
+          <a:effectRef idx="1">
+            <a:schemeClr val="accent3"/>
+          </a:effectRef>
+          <a:fontRef idx="minor">
+            <a:schemeClr val="tx1"/>
+          </a:fontRef>
+        </p:style>
+      </p:cxnSp>
+      <p:cxnSp>
+        <p:nvCxnSpPr>
+          <p:cNvPr id="144" name="Rechte verbindingslijn 143"/>
+          <p:cNvCxnSpPr/>
+          <p:nvPr/>
+        </p:nvCxnSpPr>
+        <p:spPr>
+          <a:xfrm>
+            <a:off x="4572000" y="2204864"/>
+            <a:ext cx="3600400" cy="0"/>
+          </a:xfrm>
+          <a:prstGeom prst="line">
+            <a:avLst/>
+          </a:prstGeom>
+        </p:spPr>
+        <p:style>
+          <a:lnRef idx="2">
+            <a:schemeClr val="accent3"/>
+          </a:lnRef>
+          <a:fillRef idx="0">
+            <a:schemeClr val="accent3"/>
+          </a:fillRef>
+          <a:effectRef idx="1">
+            <a:schemeClr val="accent3"/>
+          </a:effectRef>
+          <a:fontRef idx="minor">
+            <a:schemeClr val="tx1"/>
+          </a:fontRef>
+        </p:style>
+      </p:cxnSp>
+      <p:cxnSp>
+        <p:nvCxnSpPr>
+          <p:cNvPr id="146" name="Rechte verbindingslijn 145"/>
+          <p:cNvCxnSpPr/>
+          <p:nvPr/>
+        </p:nvCxnSpPr>
+        <p:spPr>
+          <a:xfrm flipV="1">
+            <a:off x="8172400" y="2204864"/>
+            <a:ext cx="0" cy="3240360"/>
+          </a:xfrm>
+          <a:prstGeom prst="line">
+            <a:avLst/>
+          </a:prstGeom>
+        </p:spPr>
+        <p:style>
+          <a:lnRef idx="2">
+            <a:schemeClr val="accent3"/>
+          </a:lnRef>
+          <a:fillRef idx="0">
+            <a:schemeClr val="accent3"/>
+          </a:fillRef>
+          <a:effectRef idx="1">
+            <a:schemeClr val="accent3"/>
+          </a:effectRef>
+          <a:fontRef idx="minor">
+            <a:schemeClr val="tx1"/>
+          </a:fontRef>
+        </p:style>
+      </p:cxnSp>
+      <p:cxnSp>
+        <p:nvCxnSpPr>
+          <p:cNvPr id="155" name="Rechte verbindingslijn 154"/>
+          <p:cNvCxnSpPr/>
+          <p:nvPr/>
+        </p:nvCxnSpPr>
+        <p:spPr>
+          <a:xfrm flipV="1">
+            <a:off x="4572000" y="2204864"/>
+            <a:ext cx="0" cy="504056"/>
+          </a:xfrm>
+          <a:prstGeom prst="line">
+            <a:avLst/>
+          </a:prstGeom>
+        </p:spPr>
+        <p:style>
+          <a:lnRef idx="2">
+            <a:schemeClr val="accent3"/>
+          </a:lnRef>
+          <a:fillRef idx="0">
+            <a:schemeClr val="accent3"/>
+          </a:fillRef>
+          <a:effectRef idx="1">
+            <a:schemeClr val="accent3"/>
+          </a:effectRef>
+          <a:fontRef idx="minor">
+            <a:schemeClr val="tx1"/>
+          </a:fontRef>
+        </p:style>
+      </p:cxnSp>
+      <p:cxnSp>
+        <p:nvCxnSpPr>
+          <p:cNvPr id="162" name="Rechte verbindingslijn 161"/>
+          <p:cNvCxnSpPr/>
+          <p:nvPr/>
+        </p:nvCxnSpPr>
+        <p:spPr>
+          <a:xfrm>
+            <a:off x="5076056" y="4725144"/>
+            <a:ext cx="0" cy="216024"/>
+          </a:xfrm>
+          <a:prstGeom prst="line">
+            <a:avLst/>
+          </a:prstGeom>
+        </p:spPr>
+        <p:style>
+          <a:lnRef idx="2">
+            <a:schemeClr val="accent6"/>
+          </a:lnRef>
+          <a:fillRef idx="0">
+            <a:schemeClr val="accent6"/>
+          </a:fillRef>
+          <a:effectRef idx="1">
+            <a:schemeClr val="accent6"/>
+          </a:effectRef>
+          <a:fontRef idx="minor">
+            <a:schemeClr val="tx1"/>
+          </a:fontRef>
+        </p:style>
+      </p:cxnSp>
+      <p:cxnSp>
+        <p:nvCxnSpPr>
+          <p:cNvPr id="167" name="Rechte verbindingslijn 166"/>
+          <p:cNvCxnSpPr/>
+          <p:nvPr/>
+        </p:nvCxnSpPr>
+        <p:spPr>
+          <a:xfrm>
+            <a:off x="4860032" y="4797152"/>
+            <a:ext cx="0" cy="288032"/>
+          </a:xfrm>
+          <a:prstGeom prst="line">
+            <a:avLst/>
+          </a:prstGeom>
+        </p:spPr>
+        <p:style>
+          <a:lnRef idx="2">
+            <a:schemeClr val="dk1"/>
+          </a:lnRef>
+          <a:fillRef idx="0">
+            <a:schemeClr val="dk1"/>
+          </a:fillRef>
+          <a:effectRef idx="1">
+            <a:schemeClr val="dk1"/>
+          </a:effectRef>
+          <a:fontRef idx="minor">
+            <a:schemeClr val="tx1"/>
+          </a:fontRef>
+        </p:style>
+      </p:cxnSp>
+    </p:spTree>
+    <p:extLst>
+      <p:ext uri="{BB962C8B-B14F-4D97-AF65-F5344CB8AC3E}">
+        <p14:creationId xmlns:p14="http://schemas.microsoft.com/office/powerpoint/2010/main" val="3135430201"/>
       </p:ext>
     </p:extLst>
   </p:cSld>

--- a/DeveloperGuide/ArchitectureGuide/architecture.pptx
+++ b/DeveloperGuide/ArchitectureGuide/architecture.pptx
@@ -5,7 +5,7 @@
     <p:sldMasterId id="2147483648" r:id="rId1"/>
   </p:sldMasterIdLst>
   <p:notesMasterIdLst>
-    <p:notesMasterId r:id="rId8"/>
+    <p:notesMasterId r:id="rId9"/>
   </p:notesMasterIdLst>
   <p:sldIdLst>
     <p:sldId id="256" r:id="rId2"/>
@@ -14,6 +14,7 @@
     <p:sldId id="259" r:id="rId5"/>
     <p:sldId id="260" r:id="rId6"/>
     <p:sldId id="261" r:id="rId7"/>
+    <p:sldId id="262" r:id="rId8"/>
   </p:sldIdLst>
   <p:sldSz cx="9144000" cy="6858000" type="screen4x3"/>
   <p:notesSz cx="6858000" cy="9144000"/>
@@ -213,7 +214,7 @@
           <a:p>
             <a:fld id="{AF2A1E05-E974-4380-82C7-142D20023EC5}" type="datetimeFigureOut">
               <a:rPr lang="nl-NL" smtClean="0"/>
-              <a:t>1-12-2015</a:t>
+              <a:t>26-12-2015</a:t>
             </a:fld>
             <a:endParaRPr lang="nl-NL"/>
           </a:p>
@@ -1361,6 +1362,230 @@
 </p:notes>
 </file>
 
+<file path=ppt/notesSlides/notesSlide6.xml><?xml version="1.0" encoding="utf-8"?>
+<p:notes xmlns:a="http://schemas.openxmlformats.org/drawingml/2006/main" xmlns:r="http://schemas.openxmlformats.org/officeDocument/2006/relationships" xmlns:p="http://schemas.openxmlformats.org/presentationml/2006/main">
+  <p:cSld>
+    <p:spTree>
+      <p:nvGrpSpPr>
+        <p:cNvPr id="1" name=""/>
+        <p:cNvGrpSpPr/>
+        <p:nvPr/>
+      </p:nvGrpSpPr>
+      <p:grpSpPr>
+        <a:xfrm>
+          <a:off x="0" y="0"/>
+          <a:ext cx="0" cy="0"/>
+          <a:chOff x="0" y="0"/>
+          <a:chExt cx="0" cy="0"/>
+        </a:xfrm>
+      </p:grpSpPr>
+      <p:sp>
+        <p:nvSpPr>
+          <p:cNvPr id="2" name="Tijdelijke aanduiding voor dia-afbeelding 1"/>
+          <p:cNvSpPr>
+            <a:spLocks noGrp="1" noRot="1" noChangeAspect="1"/>
+          </p:cNvSpPr>
+          <p:nvPr>
+            <p:ph type="sldImg"/>
+          </p:nvPr>
+        </p:nvSpPr>
+        <p:spPr/>
+      </p:sp>
+      <p:sp>
+        <p:nvSpPr>
+          <p:cNvPr id="3" name="Tijdelijke aanduiding voor notities 2"/>
+          <p:cNvSpPr>
+            <a:spLocks noGrp="1"/>
+          </p:cNvSpPr>
+          <p:nvPr>
+            <p:ph type="body" idx="1"/>
+          </p:nvPr>
+        </p:nvSpPr>
+        <p:spPr/>
+        <p:txBody>
+          <a:bodyPr/>
+          <a:lstStyle/>
+          <a:p>
+            <a:r>
+              <a:rPr lang="nl-NL" dirty="0" smtClean="0"/>
+              <a:t>Version 3: </a:t>
+            </a:r>
+            <a:r>
+              <a:rPr lang="nl-NL" dirty="0" err="1" smtClean="0"/>
+              <a:t>Use</a:t>
+            </a:r>
+            <a:r>
+              <a:rPr lang="nl-NL" dirty="0" smtClean="0"/>
+              <a:t> </a:t>
+            </a:r>
+            <a:r>
+              <a:rPr lang="nl-NL" dirty="0" err="1" smtClean="0"/>
+              <a:t>an</a:t>
+            </a:r>
+            <a:r>
+              <a:rPr lang="nl-NL" baseline="0" dirty="0" smtClean="0"/>
+              <a:t> ESP8266 node </a:t>
+            </a:r>
+            <a:r>
+              <a:rPr lang="nl-NL" baseline="0" dirty="0" err="1" smtClean="0"/>
+              <a:t>instead</a:t>
+            </a:r>
+            <a:r>
+              <a:rPr lang="nl-NL" baseline="0" dirty="0" smtClean="0"/>
+              <a:t> of </a:t>
+            </a:r>
+            <a:r>
+              <a:rPr lang="nl-NL" baseline="0" dirty="0" err="1" smtClean="0"/>
+              <a:t>the</a:t>
+            </a:r>
+            <a:r>
+              <a:rPr lang="nl-NL" baseline="0" dirty="0" smtClean="0"/>
+              <a:t> </a:t>
+            </a:r>
+            <a:r>
+              <a:rPr lang="nl-NL" baseline="0" dirty="0" err="1" smtClean="0"/>
+              <a:t>Raspberry</a:t>
+            </a:r>
+            <a:r>
+              <a:rPr lang="nl-NL" baseline="0" dirty="0" smtClean="0"/>
+              <a:t> as a </a:t>
+            </a:r>
+            <a:r>
+              <a:rPr lang="nl-NL" baseline="0" dirty="0" err="1" smtClean="0"/>
+              <a:t>slave</a:t>
+            </a:r>
+            <a:r>
+              <a:rPr lang="nl-NL" baseline="0" dirty="0" smtClean="0"/>
+              <a:t> node. The ESP is </a:t>
+            </a:r>
+            <a:r>
+              <a:rPr lang="nl-NL" baseline="0" dirty="0" err="1" smtClean="0"/>
+              <a:t>much</a:t>
+            </a:r>
+            <a:r>
+              <a:rPr lang="nl-NL" baseline="0" dirty="0" smtClean="0"/>
+              <a:t> </a:t>
+            </a:r>
+            <a:r>
+              <a:rPr lang="nl-NL" baseline="0" dirty="0" err="1" smtClean="0"/>
+              <a:t>cheaper</a:t>
+            </a:r>
+            <a:r>
+              <a:rPr lang="nl-NL" baseline="0" dirty="0" smtClean="0"/>
+              <a:t> </a:t>
+            </a:r>
+            <a:r>
+              <a:rPr lang="nl-NL" baseline="0" dirty="0" err="1" smtClean="0"/>
+              <a:t>and</a:t>
+            </a:r>
+            <a:r>
+              <a:rPr lang="nl-NL" baseline="0" dirty="0" smtClean="0"/>
+              <a:t> as </a:t>
+            </a:r>
+            <a:r>
+              <a:rPr lang="nl-NL" baseline="0" dirty="0" err="1" smtClean="0"/>
+              <a:t>it</a:t>
+            </a:r>
+            <a:r>
+              <a:rPr lang="nl-NL" baseline="0" dirty="0" smtClean="0"/>
+              <a:t> does </a:t>
+            </a:r>
+            <a:r>
+              <a:rPr lang="nl-NL" baseline="0" dirty="0" err="1" smtClean="0"/>
+              <a:t>not</a:t>
+            </a:r>
+            <a:r>
+              <a:rPr lang="nl-NL" baseline="0" dirty="0" smtClean="0"/>
+              <a:t> run </a:t>
+            </a:r>
+            <a:r>
+              <a:rPr lang="nl-NL" baseline="0" dirty="0" err="1" smtClean="0"/>
+              <a:t>the</a:t>
+            </a:r>
+            <a:r>
+              <a:rPr lang="nl-NL" baseline="0" dirty="0" smtClean="0"/>
+              <a:t> Linux operating system </a:t>
+            </a:r>
+            <a:r>
+              <a:rPr lang="nl-NL" baseline="0" dirty="0" err="1" smtClean="0"/>
+              <a:t>its</a:t>
+            </a:r>
+            <a:r>
+              <a:rPr lang="nl-NL" baseline="0" dirty="0" smtClean="0"/>
+              <a:t> </a:t>
+            </a:r>
+            <a:r>
+              <a:rPr lang="nl-NL" baseline="0" dirty="0" err="1" smtClean="0"/>
+              <a:t>bahaviour</a:t>
+            </a:r>
+            <a:r>
+              <a:rPr lang="nl-NL" baseline="0" dirty="0" smtClean="0"/>
+              <a:t> in controlling GPIO </a:t>
+            </a:r>
+            <a:r>
+              <a:rPr lang="nl-NL" baseline="0" dirty="0" err="1" smtClean="0"/>
+              <a:t>interrupts</a:t>
+            </a:r>
+            <a:r>
+              <a:rPr lang="nl-NL" baseline="0" dirty="0" smtClean="0"/>
+              <a:t> is </a:t>
+            </a:r>
+            <a:r>
+              <a:rPr lang="nl-NL" baseline="0" dirty="0" err="1" smtClean="0"/>
+              <a:t>much</a:t>
+            </a:r>
+            <a:r>
+              <a:rPr lang="nl-NL" baseline="0" dirty="0" smtClean="0"/>
+              <a:t> </a:t>
+            </a:r>
+            <a:r>
+              <a:rPr lang="nl-NL" baseline="0" dirty="0" err="1" smtClean="0"/>
+              <a:t>better</a:t>
+            </a:r>
+            <a:r>
+              <a:rPr lang="nl-NL" baseline="0" dirty="0" smtClean="0"/>
+              <a:t>.</a:t>
+            </a:r>
+            <a:endParaRPr lang="nl-NL" dirty="0"/>
+          </a:p>
+        </p:txBody>
+      </p:sp>
+      <p:sp>
+        <p:nvSpPr>
+          <p:cNvPr id="4" name="Tijdelijke aanduiding voor dianummer 3"/>
+          <p:cNvSpPr>
+            <a:spLocks noGrp="1"/>
+          </p:cNvSpPr>
+          <p:nvPr>
+            <p:ph type="sldNum" sz="quarter" idx="10"/>
+          </p:nvPr>
+        </p:nvSpPr>
+        <p:spPr/>
+        <p:txBody>
+          <a:bodyPr/>
+          <a:lstStyle/>
+          <a:p>
+            <a:fld id="{158AD81D-3061-441A-B732-6B9A356D8602}" type="slidenum">
+              <a:rPr lang="nl-NL" smtClean="0"/>
+              <a:t>7</a:t>
+            </a:fld>
+            <a:endParaRPr lang="nl-NL"/>
+          </a:p>
+        </p:txBody>
+      </p:sp>
+    </p:spTree>
+    <p:extLst>
+      <p:ext uri="{BB962C8B-B14F-4D97-AF65-F5344CB8AC3E}">
+        <p14:creationId xmlns:p14="http://schemas.microsoft.com/office/powerpoint/2010/main" val="2275836142"/>
+      </p:ext>
+    </p:extLst>
+  </p:cSld>
+  <p:clrMapOvr>
+    <a:masterClrMapping/>
+  </p:clrMapOvr>
+</p:notes>
+</file>
+
 <file path=ppt/slideLayouts/slideLayout1.xml><?xml version="1.0" encoding="utf-8"?>
 <p:sldLayout xmlns:a="http://schemas.openxmlformats.org/drawingml/2006/main" xmlns:r="http://schemas.openxmlformats.org/officeDocument/2006/relationships" xmlns:p="http://schemas.openxmlformats.org/presentationml/2006/main" type="title" preserve="1">
   <p:cSld name="Titeldia">
@@ -1542,7 +1767,7 @@
           <a:p>
             <a:fld id="{2E5BAFD1-66B7-4D5A-B614-B7EE7B6EB2D0}" type="datetimeFigureOut">
               <a:rPr lang="en-US" smtClean="0"/>
-              <a:t>12/1/2015</a:t>
+              <a:t>12/26/2015</a:t>
             </a:fld>
             <a:endParaRPr lang="en-US"/>
           </a:p>
@@ -1712,7 +1937,7 @@
           <a:p>
             <a:fld id="{2E5BAFD1-66B7-4D5A-B614-B7EE7B6EB2D0}" type="datetimeFigureOut">
               <a:rPr lang="en-US" smtClean="0"/>
-              <a:t>12/1/2015</a:t>
+              <a:t>12/26/2015</a:t>
             </a:fld>
             <a:endParaRPr lang="en-US"/>
           </a:p>
@@ -1892,7 +2117,7 @@
           <a:p>
             <a:fld id="{2E5BAFD1-66B7-4D5A-B614-B7EE7B6EB2D0}" type="datetimeFigureOut">
               <a:rPr lang="en-US" smtClean="0"/>
-              <a:t>12/1/2015</a:t>
+              <a:t>12/26/2015</a:t>
             </a:fld>
             <a:endParaRPr lang="en-US"/>
           </a:p>
@@ -2062,7 +2287,7 @@
           <a:p>
             <a:fld id="{2E5BAFD1-66B7-4D5A-B614-B7EE7B6EB2D0}" type="datetimeFigureOut">
               <a:rPr lang="en-US" smtClean="0"/>
-              <a:t>12/1/2015</a:t>
+              <a:t>12/26/2015</a:t>
             </a:fld>
             <a:endParaRPr lang="en-US"/>
           </a:p>
@@ -2308,7 +2533,7 @@
           <a:p>
             <a:fld id="{2E5BAFD1-66B7-4D5A-B614-B7EE7B6EB2D0}" type="datetimeFigureOut">
               <a:rPr lang="en-US" smtClean="0"/>
-              <a:t>12/1/2015</a:t>
+              <a:t>12/26/2015</a:t>
             </a:fld>
             <a:endParaRPr lang="en-US"/>
           </a:p>
@@ -2596,7 +2821,7 @@
           <a:p>
             <a:fld id="{2E5BAFD1-66B7-4D5A-B614-B7EE7B6EB2D0}" type="datetimeFigureOut">
               <a:rPr lang="en-US" smtClean="0"/>
-              <a:t>12/1/2015</a:t>
+              <a:t>12/26/2015</a:t>
             </a:fld>
             <a:endParaRPr lang="en-US"/>
           </a:p>
@@ -3018,7 +3243,7 @@
           <a:p>
             <a:fld id="{2E5BAFD1-66B7-4D5A-B614-B7EE7B6EB2D0}" type="datetimeFigureOut">
               <a:rPr lang="en-US" smtClean="0"/>
-              <a:t>12/1/2015</a:t>
+              <a:t>12/26/2015</a:t>
             </a:fld>
             <a:endParaRPr lang="en-US"/>
           </a:p>
@@ -3136,7 +3361,7 @@
           <a:p>
             <a:fld id="{2E5BAFD1-66B7-4D5A-B614-B7EE7B6EB2D0}" type="datetimeFigureOut">
               <a:rPr lang="en-US" smtClean="0"/>
-              <a:t>12/1/2015</a:t>
+              <a:t>12/26/2015</a:t>
             </a:fld>
             <a:endParaRPr lang="en-US"/>
           </a:p>
@@ -3231,7 +3456,7 @@
           <a:p>
             <a:fld id="{2E5BAFD1-66B7-4D5A-B614-B7EE7B6EB2D0}" type="datetimeFigureOut">
               <a:rPr lang="en-US" smtClean="0"/>
-              <a:t>12/1/2015</a:t>
+              <a:t>12/26/2015</a:t>
             </a:fld>
             <a:endParaRPr lang="en-US"/>
           </a:p>
@@ -3508,7 +3733,7 @@
           <a:p>
             <a:fld id="{2E5BAFD1-66B7-4D5A-B614-B7EE7B6EB2D0}" type="datetimeFigureOut">
               <a:rPr lang="en-US" smtClean="0"/>
-              <a:t>12/1/2015</a:t>
+              <a:t>12/26/2015</a:t>
             </a:fld>
             <a:endParaRPr lang="en-US"/>
           </a:p>
@@ -3761,7 +3986,7 @@
           <a:p>
             <a:fld id="{2E5BAFD1-66B7-4D5A-B614-B7EE7B6EB2D0}" type="datetimeFigureOut">
               <a:rPr lang="en-US" smtClean="0"/>
-              <a:t>12/1/2015</a:t>
+              <a:t>12/26/2015</a:t>
             </a:fld>
             <a:endParaRPr lang="en-US"/>
           </a:p>
@@ -3974,7 +4199,7 @@
           <a:p>
             <a:fld id="{2E5BAFD1-66B7-4D5A-B614-B7EE7B6EB2D0}" type="datetimeFigureOut">
               <a:rPr lang="en-US" smtClean="0"/>
-              <a:t>12/1/2015</a:t>
+              <a:t>12/26/2015</a:t>
             </a:fld>
             <a:endParaRPr lang="en-US"/>
           </a:p>
@@ -4688,13 +4913,6 @@
   <p:clrMapOvr>
     <a:masterClrMapping/>
   </p:clrMapOvr>
-  <p:timing>
-    <p:tnLst>
-      <p:par>
-        <p:cTn id="1" dur="indefinite" restart="never" nodeType="tmRoot"/>
-      </p:par>
-    </p:tnLst>
-  </p:timing>
 </p:sld>
 </file>
 
@@ -6375,13 +6593,6 @@
   <p:clrMapOvr>
     <a:masterClrMapping/>
   </p:clrMapOvr>
-  <p:timing>
-    <p:tnLst>
-      <p:par>
-        <p:cTn id="1" dur="indefinite" restart="never" nodeType="tmRoot"/>
-      </p:par>
-    </p:tnLst>
-  </p:timing>
 </p:sld>
 </file>
 
@@ -7735,13 +7946,6 @@
   <p:clrMapOvr>
     <a:masterClrMapping/>
   </p:clrMapOvr>
-  <p:timing>
-    <p:tnLst>
-      <p:par>
-        <p:cTn id="1" dur="indefinite" restart="never" nodeType="tmRoot"/>
-      </p:par>
-    </p:tnLst>
-  </p:timing>
 </p:sld>
 </file>
 
@@ -9583,13 +9787,6 @@
   <p:clrMapOvr>
     <a:masterClrMapping/>
   </p:clrMapOvr>
-  <p:timing>
-    <p:tnLst>
-      <p:par>
-        <p:cTn id="1" dur="indefinite" restart="never" nodeType="tmRoot"/>
-      </p:par>
-    </p:tnLst>
-  </p:timing>
 </p:sld>
 </file>
 
@@ -11023,13 +11220,6 @@
   <p:clrMapOvr>
     <a:masterClrMapping/>
   </p:clrMapOvr>
-  <p:timing>
-    <p:tnLst>
-      <p:par>
-        <p:cTn id="1" dur="indefinite" restart="never" nodeType="tmRoot"/>
-      </p:par>
-    </p:tnLst>
-  </p:timing>
 </p:sld>
 </file>
 
@@ -11418,8 +11608,8 @@
         </p:nvCxnSpPr>
         <p:spPr>
           <a:xfrm>
-            <a:off x="3419872" y="1988840"/>
-            <a:ext cx="4248472" cy="0"/>
+            <a:off x="3635896" y="1988840"/>
+            <a:ext cx="4032448" cy="0"/>
           </a:xfrm>
           <a:prstGeom prst="line">
             <a:avLst/>
@@ -11576,7 +11766,7 @@
         </p:nvCxnSpPr>
         <p:spPr>
           <a:xfrm flipV="1">
-            <a:off x="3419872" y="1988840"/>
+            <a:off x="3635896" y="1988840"/>
             <a:ext cx="0" cy="576064"/>
           </a:xfrm>
           <a:prstGeom prst="line">
@@ -12088,13 +12278,1447 @@
   <p:clrMapOvr>
     <a:masterClrMapping/>
   </p:clrMapOvr>
-  <p:timing>
-    <p:tnLst>
-      <p:par>
-        <p:cTn id="1" dur="indefinite" restart="never" nodeType="tmRoot"/>
-      </p:par>
-    </p:tnLst>
-  </p:timing>
+</p:sld>
+</file>
+
+<file path=ppt/slides/slide7.xml><?xml version="1.0" encoding="utf-8"?>
+<p:sld xmlns:a="http://schemas.openxmlformats.org/drawingml/2006/main" xmlns:r="http://schemas.openxmlformats.org/officeDocument/2006/relationships" xmlns:p="http://schemas.openxmlformats.org/presentationml/2006/main">
+  <p:cSld>
+    <p:spTree>
+      <p:nvGrpSpPr>
+        <p:cNvPr id="1" name=""/>
+        <p:cNvGrpSpPr/>
+        <p:nvPr/>
+      </p:nvGrpSpPr>
+      <p:grpSpPr>
+        <a:xfrm>
+          <a:off x="0" y="0"/>
+          <a:ext cx="0" cy="0"/>
+          <a:chOff x="0" y="0"/>
+          <a:chExt cx="0" cy="0"/>
+        </a:xfrm>
+      </p:grpSpPr>
+      <p:sp>
+        <p:nvSpPr>
+          <p:cNvPr id="63" name="Stroomdiagram: Vooraf gedefinieerd proces 62"/>
+          <p:cNvSpPr/>
+          <p:nvPr/>
+        </p:nvSpPr>
+        <p:spPr>
+          <a:xfrm>
+            <a:off x="3203848" y="5589240"/>
+            <a:ext cx="1718838" cy="611855"/>
+          </a:xfrm>
+          <a:prstGeom prst="flowChartPredefinedProcess">
+            <a:avLst/>
+          </a:prstGeom>
+        </p:spPr>
+        <p:style>
+          <a:lnRef idx="2">
+            <a:schemeClr val="accent1">
+              <a:shade val="50000"/>
+            </a:schemeClr>
+          </a:lnRef>
+          <a:fillRef idx="1">
+            <a:schemeClr val="accent1"/>
+          </a:fillRef>
+          <a:effectRef idx="0">
+            <a:schemeClr val="accent1"/>
+          </a:effectRef>
+          <a:fontRef idx="minor">
+            <a:schemeClr val="lt1"/>
+          </a:fontRef>
+        </p:style>
+        <p:txBody>
+          <a:bodyPr rtlCol="0" anchor="ctr"/>
+          <a:lstStyle/>
+          <a:p>
+            <a:pPr algn="ctr"/>
+            <a:r>
+              <a:rPr lang="nl-NL" smtClean="0"/>
+              <a:t>868MHz </a:t>
+            </a:r>
+            <a:r>
+              <a:rPr lang="nl-NL" dirty="0" err="1" smtClean="0"/>
+              <a:t>transceiver</a:t>
+            </a:r>
+            <a:endParaRPr lang="en-US" dirty="0"/>
+          </a:p>
+        </p:txBody>
+      </p:sp>
+      <p:sp>
+        <p:nvSpPr>
+          <p:cNvPr id="62" name="Stroomdiagram: Vooraf gedefinieerd proces 61"/>
+          <p:cNvSpPr/>
+          <p:nvPr/>
+        </p:nvSpPr>
+        <p:spPr>
+          <a:xfrm>
+            <a:off x="3085156" y="3733068"/>
+            <a:ext cx="1420089" cy="683748"/>
+          </a:xfrm>
+          <a:prstGeom prst="flowChartPredefinedProcess">
+            <a:avLst/>
+          </a:prstGeom>
+        </p:spPr>
+        <p:style>
+          <a:lnRef idx="2">
+            <a:schemeClr val="accent1">
+              <a:shade val="50000"/>
+            </a:schemeClr>
+          </a:lnRef>
+          <a:fillRef idx="1">
+            <a:schemeClr val="accent1"/>
+          </a:fillRef>
+          <a:effectRef idx="0">
+            <a:schemeClr val="accent1"/>
+          </a:effectRef>
+          <a:fontRef idx="minor">
+            <a:schemeClr val="lt1"/>
+          </a:fontRef>
+        </p:style>
+        <p:txBody>
+          <a:bodyPr rtlCol="0" anchor="ctr"/>
+          <a:lstStyle/>
+          <a:p>
+            <a:pPr algn="ctr"/>
+            <a:r>
+              <a:rPr lang="nl-NL" dirty="0" err="1" smtClean="0"/>
+              <a:t>Wired</a:t>
+            </a:r>
+            <a:endParaRPr lang="nl-NL" dirty="0" smtClean="0"/>
+          </a:p>
+        </p:txBody>
+      </p:sp>
+      <p:sp>
+        <p:nvSpPr>
+          <p:cNvPr id="60" name="Stroomdiagram: Vooraf gedefinieerd proces 59"/>
+          <p:cNvSpPr/>
+          <p:nvPr/>
+        </p:nvSpPr>
+        <p:spPr>
+          <a:xfrm>
+            <a:off x="3258837" y="3919835"/>
+            <a:ext cx="1541796" cy="738348"/>
+          </a:xfrm>
+          <a:prstGeom prst="flowChartPredefinedProcess">
+            <a:avLst/>
+          </a:prstGeom>
+        </p:spPr>
+        <p:style>
+          <a:lnRef idx="2">
+            <a:schemeClr val="accent1">
+              <a:shade val="50000"/>
+            </a:schemeClr>
+          </a:lnRef>
+          <a:fillRef idx="1">
+            <a:schemeClr val="accent1"/>
+          </a:fillRef>
+          <a:effectRef idx="0">
+            <a:schemeClr val="accent1"/>
+          </a:effectRef>
+          <a:fontRef idx="minor">
+            <a:schemeClr val="lt1"/>
+          </a:fontRef>
+        </p:style>
+        <p:txBody>
+          <a:bodyPr rtlCol="0" anchor="ctr"/>
+          <a:lstStyle/>
+          <a:p>
+            <a:pPr algn="ctr"/>
+            <a:r>
+              <a:rPr lang="nl-NL" dirty="0" err="1" smtClean="0"/>
+              <a:t>Wired</a:t>
+            </a:r>
+            <a:endParaRPr lang="nl-NL" dirty="0" smtClean="0"/>
+          </a:p>
+          <a:p>
+            <a:pPr algn="ctr"/>
+            <a:r>
+              <a:rPr lang="nl-NL" dirty="0" smtClean="0"/>
+              <a:t>Sensors</a:t>
+            </a:r>
+            <a:endParaRPr lang="en-US" dirty="0"/>
+          </a:p>
+        </p:txBody>
+      </p:sp>
+      <p:sp>
+        <p:nvSpPr>
+          <p:cNvPr id="111" name="Afgeronde rechthoek 110"/>
+          <p:cNvSpPr/>
+          <p:nvPr/>
+        </p:nvSpPr>
+        <p:spPr>
+          <a:xfrm>
+            <a:off x="179661" y="2998156"/>
+            <a:ext cx="4685625" cy="592250"/>
+          </a:xfrm>
+          <a:prstGeom prst="roundRect">
+            <a:avLst/>
+          </a:prstGeom>
+          <a:solidFill>
+            <a:schemeClr val="accent5">
+              <a:lumMod val="20000"/>
+              <a:lumOff val="80000"/>
+            </a:schemeClr>
+          </a:solidFill>
+          <a:ln>
+            <a:noFill/>
+          </a:ln>
+        </p:spPr>
+        <p:style>
+          <a:lnRef idx="2">
+            <a:schemeClr val="accent1">
+              <a:shade val="50000"/>
+            </a:schemeClr>
+          </a:lnRef>
+          <a:fillRef idx="1">
+            <a:schemeClr val="accent1"/>
+          </a:fillRef>
+          <a:effectRef idx="0">
+            <a:schemeClr val="accent1"/>
+          </a:effectRef>
+          <a:fontRef idx="minor">
+            <a:schemeClr val="lt1"/>
+          </a:fontRef>
+        </p:style>
+        <p:txBody>
+          <a:bodyPr rtlCol="0" anchor="ctr"/>
+          <a:lstStyle/>
+          <a:p>
+            <a:pPr algn="ctr"/>
+            <a:endParaRPr lang="en-US"/>
+          </a:p>
+        </p:txBody>
+      </p:sp>
+      <p:grpSp>
+        <p:nvGrpSpPr>
+          <p:cNvPr id="6" name="Groep 5"/>
+          <p:cNvGrpSpPr/>
+          <p:nvPr/>
+        </p:nvGrpSpPr>
+        <p:grpSpPr>
+          <a:xfrm>
+            <a:off x="3185921" y="1960154"/>
+            <a:ext cx="803976" cy="908859"/>
+            <a:chOff x="5865390" y="5737239"/>
+            <a:chExt cx="845103" cy="1005166"/>
+          </a:xfrm>
+        </p:grpSpPr>
+        <p:sp>
+          <p:nvSpPr>
+            <p:cNvPr id="42" name="Stroomdiagram: Magnetische schijf 41"/>
+            <p:cNvSpPr/>
+            <p:nvPr/>
+          </p:nvSpPr>
+          <p:spPr>
+            <a:xfrm>
+              <a:off x="5885441" y="5737239"/>
+              <a:ext cx="825052" cy="1005166"/>
+            </a:xfrm>
+            <a:prstGeom prst="flowChartMagneticDisk">
+              <a:avLst/>
+            </a:prstGeom>
+          </p:spPr>
+          <p:style>
+            <a:lnRef idx="2">
+              <a:schemeClr val="accent1">
+                <a:shade val="50000"/>
+              </a:schemeClr>
+            </a:lnRef>
+            <a:fillRef idx="1">
+              <a:schemeClr val="accent1"/>
+            </a:fillRef>
+            <a:effectRef idx="0">
+              <a:schemeClr val="accent1"/>
+            </a:effectRef>
+            <a:fontRef idx="minor">
+              <a:schemeClr val="lt1"/>
+            </a:fontRef>
+          </p:style>
+          <p:txBody>
+            <a:bodyPr rtlCol="0" anchor="ctr"/>
+            <a:lstStyle/>
+            <a:p>
+              <a:pPr algn="ctr"/>
+              <a:endParaRPr lang="en-US"/>
+            </a:p>
+          </p:txBody>
+        </p:sp>
+        <p:sp>
+          <p:nvSpPr>
+            <p:cNvPr id="10" name="Tekstvak 9"/>
+            <p:cNvSpPr txBox="1"/>
+            <p:nvPr/>
+          </p:nvSpPr>
+          <p:spPr>
+            <a:xfrm>
+              <a:off x="5865390" y="6028571"/>
+              <a:ext cx="845103" cy="369332"/>
+            </a:xfrm>
+            <a:prstGeom prst="rect">
+              <a:avLst/>
+            </a:prstGeom>
+            <a:noFill/>
+          </p:spPr>
+          <p:txBody>
+            <a:bodyPr wrap="none" rtlCol="0">
+              <a:spAutoFit/>
+            </a:bodyPr>
+            <a:lstStyle/>
+            <a:p>
+              <a:r>
+                <a:rPr lang="nl-NL" dirty="0" err="1" smtClean="0">
+                  <a:solidFill>
+                    <a:schemeClr val="bg1"/>
+                  </a:solidFill>
+                </a:rPr>
+                <a:t>MySQL</a:t>
+              </a:r>
+              <a:endParaRPr lang="en-US" dirty="0">
+                <a:solidFill>
+                  <a:schemeClr val="bg1"/>
+                </a:solidFill>
+              </a:endParaRPr>
+            </a:p>
+          </p:txBody>
+        </p:sp>
+      </p:grpSp>
+      <p:sp>
+        <p:nvSpPr>
+          <p:cNvPr id="20" name="Rechthoek 19"/>
+          <p:cNvSpPr/>
+          <p:nvPr/>
+        </p:nvSpPr>
+        <p:spPr>
+          <a:xfrm>
+            <a:off x="112757" y="13672"/>
+            <a:ext cx="1364468" cy="622920"/>
+          </a:xfrm>
+          <a:prstGeom prst="rect">
+            <a:avLst/>
+          </a:prstGeom>
+          <a:solidFill>
+            <a:schemeClr val="bg2">
+              <a:lumMod val="90000"/>
+            </a:schemeClr>
+          </a:solidFill>
+        </p:spPr>
+        <p:style>
+          <a:lnRef idx="2">
+            <a:schemeClr val="accent1">
+              <a:shade val="50000"/>
+            </a:schemeClr>
+          </a:lnRef>
+          <a:fillRef idx="1">
+            <a:schemeClr val="accent1"/>
+          </a:fillRef>
+          <a:effectRef idx="0">
+            <a:schemeClr val="accent1"/>
+          </a:effectRef>
+          <a:fontRef idx="minor">
+            <a:schemeClr val="lt1"/>
+          </a:fontRef>
+        </p:style>
+        <p:txBody>
+          <a:bodyPr rtlCol="0" anchor="ctr"/>
+          <a:lstStyle/>
+          <a:p>
+            <a:pPr algn="ctr"/>
+            <a:r>
+              <a:rPr lang="nl-NL" dirty="0" smtClean="0"/>
+              <a:t>GUI </a:t>
+            </a:r>
+            <a:r>
+              <a:rPr lang="nl-NL" dirty="0" err="1" smtClean="0"/>
+              <a:t>Clients</a:t>
+            </a:r>
+            <a:endParaRPr lang="en-US" dirty="0"/>
+          </a:p>
+        </p:txBody>
+      </p:sp>
+      <p:sp>
+        <p:nvSpPr>
+          <p:cNvPr id="21" name="Rechthoek 20"/>
+          <p:cNvSpPr/>
+          <p:nvPr/>
+        </p:nvSpPr>
+        <p:spPr>
+          <a:xfrm>
+            <a:off x="265157" y="166072"/>
+            <a:ext cx="1364468" cy="622920"/>
+          </a:xfrm>
+          <a:prstGeom prst="rect">
+            <a:avLst/>
+          </a:prstGeom>
+          <a:solidFill>
+            <a:schemeClr val="bg2">
+              <a:lumMod val="90000"/>
+            </a:schemeClr>
+          </a:solidFill>
+        </p:spPr>
+        <p:style>
+          <a:lnRef idx="2">
+            <a:schemeClr val="accent1">
+              <a:shade val="50000"/>
+            </a:schemeClr>
+          </a:lnRef>
+          <a:fillRef idx="1">
+            <a:schemeClr val="accent1"/>
+          </a:fillRef>
+          <a:effectRef idx="0">
+            <a:schemeClr val="accent1"/>
+          </a:effectRef>
+          <a:fontRef idx="minor">
+            <a:schemeClr val="lt1"/>
+          </a:fontRef>
+        </p:style>
+        <p:txBody>
+          <a:bodyPr rtlCol="0" anchor="ctr"/>
+          <a:lstStyle/>
+          <a:p>
+            <a:pPr algn="ctr"/>
+            <a:r>
+              <a:rPr lang="nl-NL" dirty="0" smtClean="0"/>
+              <a:t>GUI </a:t>
+            </a:r>
+            <a:r>
+              <a:rPr lang="nl-NL" dirty="0" err="1" smtClean="0"/>
+              <a:t>Clients</a:t>
+            </a:r>
+            <a:endParaRPr lang="en-US" dirty="0"/>
+          </a:p>
+        </p:txBody>
+      </p:sp>
+      <p:sp>
+        <p:nvSpPr>
+          <p:cNvPr id="22" name="Rechthoek 21"/>
+          <p:cNvSpPr/>
+          <p:nvPr/>
+        </p:nvSpPr>
+        <p:spPr>
+          <a:xfrm>
+            <a:off x="417557" y="318472"/>
+            <a:ext cx="1364468" cy="622920"/>
+          </a:xfrm>
+          <a:prstGeom prst="rect">
+            <a:avLst/>
+          </a:prstGeom>
+          <a:solidFill>
+            <a:schemeClr val="bg2">
+              <a:lumMod val="90000"/>
+            </a:schemeClr>
+          </a:solidFill>
+        </p:spPr>
+        <p:style>
+          <a:lnRef idx="2">
+            <a:schemeClr val="accent1">
+              <a:shade val="50000"/>
+            </a:schemeClr>
+          </a:lnRef>
+          <a:fillRef idx="1">
+            <a:schemeClr val="accent1"/>
+          </a:fillRef>
+          <a:effectRef idx="0">
+            <a:schemeClr val="accent1"/>
+          </a:effectRef>
+          <a:fontRef idx="minor">
+            <a:schemeClr val="lt1"/>
+          </a:fontRef>
+        </p:style>
+        <p:txBody>
+          <a:bodyPr rtlCol="0" anchor="ctr"/>
+          <a:lstStyle/>
+          <a:p>
+            <a:pPr algn="ctr"/>
+            <a:r>
+              <a:rPr lang="nl-NL" dirty="0" smtClean="0"/>
+              <a:t>GUI </a:t>
+            </a:r>
+            <a:r>
+              <a:rPr lang="nl-NL" dirty="0" err="1" smtClean="0"/>
+              <a:t>Clients</a:t>
+            </a:r>
+            <a:endParaRPr lang="en-US" dirty="0"/>
+          </a:p>
+        </p:txBody>
+      </p:sp>
+      <p:sp>
+        <p:nvSpPr>
+          <p:cNvPr id="23" name="Rechthoek 22"/>
+          <p:cNvSpPr/>
+          <p:nvPr/>
+        </p:nvSpPr>
+        <p:spPr>
+          <a:xfrm>
+            <a:off x="569957" y="470872"/>
+            <a:ext cx="1364468" cy="622920"/>
+          </a:xfrm>
+          <a:prstGeom prst="rect">
+            <a:avLst/>
+          </a:prstGeom>
+          <a:solidFill>
+            <a:schemeClr val="bg1">
+              <a:lumMod val="95000"/>
+            </a:schemeClr>
+          </a:solidFill>
+          <a:ln>
+            <a:solidFill>
+              <a:schemeClr val="tx2">
+                <a:lumMod val="75000"/>
+              </a:schemeClr>
+            </a:solidFill>
+          </a:ln>
+        </p:spPr>
+        <p:style>
+          <a:lnRef idx="2">
+            <a:schemeClr val="accent1">
+              <a:shade val="50000"/>
+            </a:schemeClr>
+          </a:lnRef>
+          <a:fillRef idx="1">
+            <a:schemeClr val="accent1"/>
+          </a:fillRef>
+          <a:effectRef idx="0">
+            <a:schemeClr val="accent1"/>
+          </a:effectRef>
+          <a:fontRef idx="minor">
+            <a:schemeClr val="lt1"/>
+          </a:fontRef>
+        </p:style>
+        <p:txBody>
+          <a:bodyPr rtlCol="0" anchor="ctr"/>
+          <a:lstStyle/>
+          <a:p>
+            <a:pPr algn="ctr"/>
+            <a:r>
+              <a:rPr lang="nl-NL" dirty="0" smtClean="0">
+                <a:solidFill>
+                  <a:schemeClr val="tx2">
+                    <a:lumMod val="75000"/>
+                  </a:schemeClr>
+                </a:solidFill>
+              </a:rPr>
+              <a:t>GUI </a:t>
+            </a:r>
+            <a:r>
+              <a:rPr lang="nl-NL" dirty="0" err="1" smtClean="0">
+                <a:solidFill>
+                  <a:schemeClr val="tx2">
+                    <a:lumMod val="75000"/>
+                  </a:schemeClr>
+                </a:solidFill>
+              </a:rPr>
+              <a:t>Clients</a:t>
+            </a:r>
+            <a:endParaRPr lang="en-US" dirty="0">
+              <a:solidFill>
+                <a:schemeClr val="tx2">
+                  <a:lumMod val="75000"/>
+                </a:schemeClr>
+              </a:solidFill>
+            </a:endParaRPr>
+          </a:p>
+        </p:txBody>
+      </p:sp>
+      <p:grpSp>
+        <p:nvGrpSpPr>
+          <p:cNvPr id="2" name="Groep 1"/>
+          <p:cNvGrpSpPr/>
+          <p:nvPr/>
+        </p:nvGrpSpPr>
+        <p:grpSpPr>
+          <a:xfrm>
+            <a:off x="4082598" y="1635667"/>
+            <a:ext cx="800826" cy="980061"/>
+            <a:chOff x="6726468" y="2592955"/>
+            <a:chExt cx="919336" cy="1236111"/>
+          </a:xfrm>
+        </p:grpSpPr>
+        <p:sp>
+          <p:nvSpPr>
+            <p:cNvPr id="43" name="Stroomdiagram: Magnetische schijf 42"/>
+            <p:cNvSpPr/>
+            <p:nvPr/>
+          </p:nvSpPr>
+          <p:spPr>
+            <a:xfrm>
+              <a:off x="6726468" y="2592955"/>
+              <a:ext cx="919336" cy="1236111"/>
+            </a:xfrm>
+            <a:prstGeom prst="flowChartMagneticDisk">
+              <a:avLst/>
+            </a:prstGeom>
+          </p:spPr>
+          <p:style>
+            <a:lnRef idx="2">
+              <a:schemeClr val="accent1">
+                <a:shade val="50000"/>
+              </a:schemeClr>
+            </a:lnRef>
+            <a:fillRef idx="1">
+              <a:schemeClr val="accent1"/>
+            </a:fillRef>
+            <a:effectRef idx="0">
+              <a:schemeClr val="accent1"/>
+            </a:effectRef>
+            <a:fontRef idx="minor">
+              <a:schemeClr val="lt1"/>
+            </a:fontRef>
+          </p:style>
+          <p:txBody>
+            <a:bodyPr rtlCol="0" anchor="ctr"/>
+            <a:lstStyle/>
+            <a:p>
+              <a:pPr algn="ctr"/>
+              <a:endParaRPr lang="en-US"/>
+            </a:p>
+          </p:txBody>
+        </p:sp>
+        <p:sp>
+          <p:nvSpPr>
+            <p:cNvPr id="45" name="Tekstvak 44"/>
+            <p:cNvSpPr txBox="1"/>
+            <p:nvPr/>
+          </p:nvSpPr>
+          <p:spPr>
+            <a:xfrm>
+              <a:off x="6806056" y="3031404"/>
+              <a:ext cx="835742" cy="646331"/>
+            </a:xfrm>
+            <a:prstGeom prst="rect">
+              <a:avLst/>
+            </a:prstGeom>
+            <a:noFill/>
+          </p:spPr>
+          <p:txBody>
+            <a:bodyPr wrap="none" rtlCol="0">
+              <a:spAutoFit/>
+            </a:bodyPr>
+            <a:lstStyle/>
+            <a:p>
+              <a:r>
+                <a:rPr lang="nl-NL" dirty="0" err="1" smtClean="0">
+                  <a:solidFill>
+                    <a:schemeClr val="bg1"/>
+                  </a:solidFill>
+                </a:rPr>
+                <a:t>Config</a:t>
+              </a:r>
+              <a:r>
+                <a:rPr lang="nl-NL" dirty="0" smtClean="0">
+                  <a:solidFill>
+                    <a:schemeClr val="bg1"/>
+                  </a:solidFill>
+                </a:rPr>
+                <a:t> </a:t>
+              </a:r>
+            </a:p>
+            <a:p>
+              <a:r>
+                <a:rPr lang="nl-NL" dirty="0" smtClean="0">
+                  <a:solidFill>
+                    <a:schemeClr val="bg1"/>
+                  </a:solidFill>
+                </a:rPr>
+                <a:t>file</a:t>
+              </a:r>
+              <a:endParaRPr lang="en-US" dirty="0">
+                <a:solidFill>
+                  <a:schemeClr val="bg1"/>
+                </a:solidFill>
+              </a:endParaRPr>
+            </a:p>
+          </p:txBody>
+        </p:sp>
+      </p:grpSp>
+      <p:sp>
+        <p:nvSpPr>
+          <p:cNvPr id="51" name="Stroomdiagram: Alternatief proces 50"/>
+          <p:cNvSpPr/>
+          <p:nvPr/>
+        </p:nvSpPr>
+        <p:spPr>
+          <a:xfrm>
+            <a:off x="306191" y="1974149"/>
+            <a:ext cx="1694419" cy="731117"/>
+          </a:xfrm>
+          <a:prstGeom prst="flowChartAlternateProcess">
+            <a:avLst/>
+          </a:prstGeom>
+          <a:solidFill>
+            <a:schemeClr val="accent6">
+              <a:lumMod val="60000"/>
+              <a:lumOff val="40000"/>
+            </a:schemeClr>
+          </a:solidFill>
+        </p:spPr>
+        <p:style>
+          <a:lnRef idx="2">
+            <a:schemeClr val="accent1">
+              <a:shade val="50000"/>
+            </a:schemeClr>
+          </a:lnRef>
+          <a:fillRef idx="1">
+            <a:schemeClr val="accent1"/>
+          </a:fillRef>
+          <a:effectRef idx="0">
+            <a:schemeClr val="accent1"/>
+          </a:effectRef>
+          <a:fontRef idx="minor">
+            <a:schemeClr val="lt1"/>
+          </a:fontRef>
+        </p:style>
+        <p:txBody>
+          <a:bodyPr rtlCol="0" anchor="ctr"/>
+          <a:lstStyle/>
+          <a:p>
+            <a:pPr algn="ctr"/>
+            <a:r>
+              <a:rPr lang="nl-NL" dirty="0" smtClean="0"/>
+              <a:t>LamPI-node.js</a:t>
+            </a:r>
+          </a:p>
+          <a:p>
+            <a:pPr algn="ctr"/>
+            <a:r>
+              <a:rPr lang="nl-NL" dirty="0" smtClean="0"/>
+              <a:t>(master)</a:t>
+            </a:r>
+            <a:endParaRPr lang="en-US" dirty="0"/>
+          </a:p>
+        </p:txBody>
+      </p:sp>
+      <p:cxnSp>
+        <p:nvCxnSpPr>
+          <p:cNvPr id="74" name="Rechte verbindingslijn met pijl 73"/>
+          <p:cNvCxnSpPr/>
+          <p:nvPr/>
+        </p:nvCxnSpPr>
+        <p:spPr>
+          <a:xfrm flipH="1">
+            <a:off x="156672" y="1531355"/>
+            <a:ext cx="2846304" cy="18634"/>
+          </a:xfrm>
+          <a:prstGeom prst="straightConnector1">
+            <a:avLst/>
+          </a:prstGeom>
+          <a:ln w="57150">
+            <a:headEnd type="triangle"/>
+            <a:tailEnd type="triangle"/>
+          </a:ln>
+        </p:spPr>
+        <p:style>
+          <a:lnRef idx="1">
+            <a:schemeClr val="accent1"/>
+          </a:lnRef>
+          <a:fillRef idx="0">
+            <a:schemeClr val="accent1"/>
+          </a:fillRef>
+          <a:effectRef idx="0">
+            <a:schemeClr val="accent1"/>
+          </a:effectRef>
+          <a:fontRef idx="minor">
+            <a:schemeClr val="tx1"/>
+          </a:fontRef>
+        </p:style>
+      </p:cxnSp>
+      <p:sp>
+        <p:nvSpPr>
+          <p:cNvPr id="107" name="Tekstvak 106"/>
+          <p:cNvSpPr txBox="1"/>
+          <p:nvPr/>
+        </p:nvSpPr>
+        <p:spPr>
+          <a:xfrm>
+            <a:off x="1008667" y="2928958"/>
+            <a:ext cx="1874680" cy="369332"/>
+          </a:xfrm>
+          <a:prstGeom prst="rect">
+            <a:avLst/>
+          </a:prstGeom>
+          <a:noFill/>
+        </p:spPr>
+        <p:txBody>
+          <a:bodyPr wrap="none" rtlCol="0">
+            <a:spAutoFit/>
+          </a:bodyPr>
+          <a:lstStyle/>
+          <a:p>
+            <a:r>
+              <a:rPr lang="nl-NL" dirty="0" smtClean="0"/>
+              <a:t>IP </a:t>
+            </a:r>
+            <a:r>
+              <a:rPr lang="nl-NL" dirty="0" err="1" smtClean="0"/>
+              <a:t>communication</a:t>
+            </a:r>
+            <a:endParaRPr lang="en-US" dirty="0"/>
+          </a:p>
+        </p:txBody>
+      </p:sp>
+      <p:sp>
+        <p:nvSpPr>
+          <p:cNvPr id="117" name="Tekstvak 116"/>
+          <p:cNvSpPr txBox="1"/>
+          <p:nvPr/>
+        </p:nvSpPr>
+        <p:spPr>
+          <a:xfrm>
+            <a:off x="1242050" y="1095122"/>
+            <a:ext cx="1270861" cy="369332"/>
+          </a:xfrm>
+          <a:prstGeom prst="rect">
+            <a:avLst/>
+          </a:prstGeom>
+          <a:noFill/>
+        </p:spPr>
+        <p:txBody>
+          <a:bodyPr wrap="none" rtlCol="0">
+            <a:spAutoFit/>
+          </a:bodyPr>
+          <a:lstStyle/>
+          <a:p>
+            <a:r>
+              <a:rPr lang="nl-NL" dirty="0" err="1" smtClean="0"/>
+              <a:t>websockets</a:t>
+            </a:r>
+            <a:endParaRPr lang="en-US" dirty="0"/>
+          </a:p>
+        </p:txBody>
+      </p:sp>
+      <p:cxnSp>
+        <p:nvCxnSpPr>
+          <p:cNvPr id="64" name="Rechte verbindingslijn met pijl 63"/>
+          <p:cNvCxnSpPr>
+            <a:endCxn id="111" idx="1"/>
+          </p:cNvCxnSpPr>
+          <p:nvPr/>
+        </p:nvCxnSpPr>
+        <p:spPr>
+          <a:xfrm flipH="1" flipV="1">
+            <a:off x="179661" y="3294281"/>
+            <a:ext cx="4613616" cy="10070"/>
+          </a:xfrm>
+          <a:prstGeom prst="straightConnector1">
+            <a:avLst/>
+          </a:prstGeom>
+          <a:ln w="57150">
+            <a:headEnd type="triangle"/>
+            <a:tailEnd type="triangle"/>
+          </a:ln>
+        </p:spPr>
+        <p:style>
+          <a:lnRef idx="1">
+            <a:schemeClr val="accent1"/>
+          </a:lnRef>
+          <a:fillRef idx="0">
+            <a:schemeClr val="accent1"/>
+          </a:fillRef>
+          <a:effectRef idx="0">
+            <a:schemeClr val="accent1"/>
+          </a:effectRef>
+          <a:fontRef idx="minor">
+            <a:schemeClr val="tx1"/>
+          </a:fontRef>
+        </p:style>
+      </p:cxnSp>
+      <p:cxnSp>
+        <p:nvCxnSpPr>
+          <p:cNvPr id="68" name="Rechte verbindingslijn met pijl 67"/>
+          <p:cNvCxnSpPr/>
+          <p:nvPr/>
+        </p:nvCxnSpPr>
+        <p:spPr>
+          <a:xfrm flipV="1">
+            <a:off x="683568" y="3341682"/>
+            <a:ext cx="5253" cy="1599486"/>
+          </a:xfrm>
+          <a:prstGeom prst="straightConnector1">
+            <a:avLst/>
+          </a:prstGeom>
+          <a:ln w="15875">
+            <a:headEnd type="triangle"/>
+            <a:tailEnd type="triangle"/>
+          </a:ln>
+        </p:spPr>
+        <p:style>
+          <a:lnRef idx="1">
+            <a:schemeClr val="accent1"/>
+          </a:lnRef>
+          <a:fillRef idx="0">
+            <a:schemeClr val="accent1"/>
+          </a:fillRef>
+          <a:effectRef idx="0">
+            <a:schemeClr val="accent1"/>
+          </a:effectRef>
+          <a:fontRef idx="minor">
+            <a:schemeClr val="tx1"/>
+          </a:fontRef>
+        </p:style>
+      </p:cxnSp>
+      <p:sp>
+        <p:nvSpPr>
+          <p:cNvPr id="36" name="Stroomdiagram: Alternatief proces 35"/>
+          <p:cNvSpPr/>
+          <p:nvPr/>
+        </p:nvSpPr>
+        <p:spPr>
+          <a:xfrm>
+            <a:off x="323528" y="4941168"/>
+            <a:ext cx="1694419" cy="659832"/>
+          </a:xfrm>
+          <a:prstGeom prst="flowChartAlternateProcess">
+            <a:avLst/>
+          </a:prstGeom>
+          <a:solidFill>
+            <a:schemeClr val="accent6">
+              <a:lumMod val="60000"/>
+              <a:lumOff val="40000"/>
+            </a:schemeClr>
+          </a:solidFill>
+        </p:spPr>
+        <p:style>
+          <a:lnRef idx="2">
+            <a:schemeClr val="accent1">
+              <a:shade val="50000"/>
+            </a:schemeClr>
+          </a:lnRef>
+          <a:fillRef idx="1">
+            <a:schemeClr val="accent1"/>
+          </a:fillRef>
+          <a:effectRef idx="0">
+            <a:schemeClr val="accent1"/>
+          </a:effectRef>
+          <a:fontRef idx="minor">
+            <a:schemeClr val="lt1"/>
+          </a:fontRef>
+        </p:style>
+        <p:txBody>
+          <a:bodyPr rtlCol="0" anchor="ctr"/>
+          <a:lstStyle/>
+          <a:p>
+            <a:pPr algn="ctr"/>
+            <a:r>
+              <a:rPr lang="nl-NL" dirty="0" smtClean="0"/>
+              <a:t>ESP Gateway</a:t>
+            </a:r>
+            <a:endParaRPr lang="en-US" dirty="0"/>
+          </a:p>
+        </p:txBody>
+      </p:sp>
+      <p:cxnSp>
+        <p:nvCxnSpPr>
+          <p:cNvPr id="49" name="Rechte verbindingslijn met pijl 48"/>
+          <p:cNvCxnSpPr/>
+          <p:nvPr/>
+        </p:nvCxnSpPr>
+        <p:spPr>
+          <a:xfrm flipV="1">
+            <a:off x="2339752" y="4393596"/>
+            <a:ext cx="605057" cy="691588"/>
+          </a:xfrm>
+          <a:prstGeom prst="straightConnector1">
+            <a:avLst/>
+          </a:prstGeom>
+          <a:ln>
+            <a:tailEnd type="triangle"/>
+          </a:ln>
+        </p:spPr>
+        <p:style>
+          <a:lnRef idx="3">
+            <a:schemeClr val="accent1"/>
+          </a:lnRef>
+          <a:fillRef idx="0">
+            <a:schemeClr val="accent1"/>
+          </a:fillRef>
+          <a:effectRef idx="2">
+            <a:schemeClr val="accent1"/>
+          </a:effectRef>
+          <a:fontRef idx="minor">
+            <a:schemeClr val="tx1"/>
+          </a:fontRef>
+        </p:style>
+      </p:cxnSp>
+      <p:cxnSp>
+        <p:nvCxnSpPr>
+          <p:cNvPr id="50" name="Rechte verbindingslijn met pijl 49"/>
+          <p:cNvCxnSpPr/>
+          <p:nvPr/>
+        </p:nvCxnSpPr>
+        <p:spPr>
+          <a:xfrm>
+            <a:off x="2339752" y="5373216"/>
+            <a:ext cx="810034" cy="618256"/>
+          </a:xfrm>
+          <a:prstGeom prst="straightConnector1">
+            <a:avLst/>
+          </a:prstGeom>
+          <a:ln>
+            <a:tailEnd type="triangle"/>
+          </a:ln>
+        </p:spPr>
+        <p:style>
+          <a:lnRef idx="3">
+            <a:schemeClr val="accent1"/>
+          </a:lnRef>
+          <a:fillRef idx="0">
+            <a:schemeClr val="accent1"/>
+          </a:fillRef>
+          <a:effectRef idx="2">
+            <a:schemeClr val="accent1"/>
+          </a:effectRef>
+          <a:fontRef idx="minor">
+            <a:schemeClr val="tx1"/>
+          </a:fontRef>
+        </p:style>
+      </p:cxnSp>
+      <p:cxnSp>
+        <p:nvCxnSpPr>
+          <p:cNvPr id="53" name="Rechte verbindingslijn met pijl 52"/>
+          <p:cNvCxnSpPr/>
+          <p:nvPr/>
+        </p:nvCxnSpPr>
+        <p:spPr>
+          <a:xfrm flipV="1">
+            <a:off x="1008667" y="2764754"/>
+            <a:ext cx="0" cy="541481"/>
+          </a:xfrm>
+          <a:prstGeom prst="straightConnector1">
+            <a:avLst/>
+          </a:prstGeom>
+          <a:ln w="15875">
+            <a:headEnd type="triangle"/>
+            <a:tailEnd type="triangle"/>
+          </a:ln>
+        </p:spPr>
+        <p:style>
+          <a:lnRef idx="1">
+            <a:schemeClr val="accent1"/>
+          </a:lnRef>
+          <a:fillRef idx="0">
+            <a:schemeClr val="accent1"/>
+          </a:fillRef>
+          <a:effectRef idx="0">
+            <a:schemeClr val="accent1"/>
+          </a:effectRef>
+          <a:fontRef idx="minor">
+            <a:schemeClr val="tx1"/>
+          </a:fontRef>
+        </p:style>
+      </p:cxnSp>
+      <p:cxnSp>
+        <p:nvCxnSpPr>
+          <p:cNvPr id="61" name="Rechte verbindingslijn met pijl 60"/>
+          <p:cNvCxnSpPr/>
+          <p:nvPr/>
+        </p:nvCxnSpPr>
+        <p:spPr>
+          <a:xfrm flipV="1">
+            <a:off x="1008667" y="1072124"/>
+            <a:ext cx="0" cy="477865"/>
+          </a:xfrm>
+          <a:prstGeom prst="straightConnector1">
+            <a:avLst/>
+          </a:prstGeom>
+          <a:ln w="15875">
+            <a:headEnd type="triangle"/>
+            <a:tailEnd type="triangle"/>
+          </a:ln>
+        </p:spPr>
+        <p:style>
+          <a:lnRef idx="1">
+            <a:schemeClr val="accent1"/>
+          </a:lnRef>
+          <a:fillRef idx="0">
+            <a:schemeClr val="accent1"/>
+          </a:fillRef>
+          <a:effectRef idx="0">
+            <a:schemeClr val="accent1"/>
+          </a:effectRef>
+          <a:fontRef idx="minor">
+            <a:schemeClr val="tx1"/>
+          </a:fontRef>
+        </p:style>
+      </p:cxnSp>
+      <p:cxnSp>
+        <p:nvCxnSpPr>
+          <p:cNvPr id="65" name="Rechte verbindingslijn met pijl 64"/>
+          <p:cNvCxnSpPr/>
+          <p:nvPr/>
+        </p:nvCxnSpPr>
+        <p:spPr>
+          <a:xfrm flipV="1">
+            <a:off x="1331640" y="1566991"/>
+            <a:ext cx="5253" cy="416304"/>
+          </a:xfrm>
+          <a:prstGeom prst="straightConnector1">
+            <a:avLst/>
+          </a:prstGeom>
+          <a:ln w="15875">
+            <a:headEnd type="triangle"/>
+            <a:tailEnd type="triangle"/>
+          </a:ln>
+        </p:spPr>
+        <p:style>
+          <a:lnRef idx="1">
+            <a:schemeClr val="accent1"/>
+          </a:lnRef>
+          <a:fillRef idx="0">
+            <a:schemeClr val="accent1"/>
+          </a:fillRef>
+          <a:effectRef idx="0">
+            <a:schemeClr val="accent1"/>
+          </a:effectRef>
+          <a:fontRef idx="minor">
+            <a:schemeClr val="tx1"/>
+          </a:fontRef>
+        </p:style>
+      </p:cxnSp>
+      <p:sp>
+        <p:nvSpPr>
+          <p:cNvPr id="37" name="Tekstvak 36"/>
+          <p:cNvSpPr txBox="1"/>
+          <p:nvPr/>
+        </p:nvSpPr>
+        <p:spPr>
+          <a:xfrm>
+            <a:off x="7816681" y="792092"/>
+            <a:ext cx="1127232" cy="369332"/>
+          </a:xfrm>
+          <a:prstGeom prst="rect">
+            <a:avLst/>
+          </a:prstGeom>
+          <a:noFill/>
+        </p:spPr>
+        <p:txBody>
+          <a:bodyPr wrap="none" rtlCol="0">
+            <a:spAutoFit/>
+          </a:bodyPr>
+          <a:lstStyle/>
+          <a:p>
+            <a:r>
+              <a:rPr lang="nl-NL" dirty="0" err="1" smtClean="0"/>
+              <a:t>LamPI</a:t>
+            </a:r>
+            <a:r>
+              <a:rPr lang="nl-NL" dirty="0" smtClean="0"/>
+              <a:t> Gui</a:t>
+            </a:r>
+            <a:endParaRPr lang="nl-NL" dirty="0"/>
+          </a:p>
+        </p:txBody>
+      </p:sp>
+      <p:sp>
+        <p:nvSpPr>
+          <p:cNvPr id="71" name="Tekstvak 70"/>
+          <p:cNvSpPr txBox="1"/>
+          <p:nvPr/>
+        </p:nvSpPr>
+        <p:spPr>
+          <a:xfrm>
+            <a:off x="7715456" y="2134116"/>
+            <a:ext cx="1287532" cy="369332"/>
+          </a:xfrm>
+          <a:prstGeom prst="rect">
+            <a:avLst/>
+          </a:prstGeom>
+          <a:noFill/>
+        </p:spPr>
+        <p:txBody>
+          <a:bodyPr wrap="none" rtlCol="0">
+            <a:spAutoFit/>
+          </a:bodyPr>
+          <a:lstStyle/>
+          <a:p>
+            <a:r>
+              <a:rPr lang="nl-NL" dirty="0" err="1" smtClean="0"/>
+              <a:t>LamPI</a:t>
+            </a:r>
+            <a:r>
+              <a:rPr lang="nl-NL" dirty="0" smtClean="0"/>
+              <a:t> node</a:t>
+            </a:r>
+            <a:endParaRPr lang="nl-NL" dirty="0"/>
+          </a:p>
+        </p:txBody>
+      </p:sp>
+      <p:sp>
+        <p:nvSpPr>
+          <p:cNvPr id="75" name="Tekstvak 74"/>
+          <p:cNvSpPr txBox="1"/>
+          <p:nvPr/>
+        </p:nvSpPr>
+        <p:spPr>
+          <a:xfrm>
+            <a:off x="7812191" y="4003268"/>
+            <a:ext cx="905248" cy="369332"/>
+          </a:xfrm>
+          <a:prstGeom prst="rect">
+            <a:avLst/>
+          </a:prstGeom>
+          <a:noFill/>
+        </p:spPr>
+        <p:txBody>
+          <a:bodyPr wrap="none" rtlCol="0">
+            <a:spAutoFit/>
+          </a:bodyPr>
+          <a:lstStyle/>
+          <a:p>
+            <a:r>
+              <a:rPr lang="nl-NL" dirty="0" smtClean="0"/>
+              <a:t>Sensors</a:t>
+            </a:r>
+            <a:endParaRPr lang="nl-NL" dirty="0"/>
+          </a:p>
+        </p:txBody>
+      </p:sp>
+      <p:sp>
+        <p:nvSpPr>
+          <p:cNvPr id="77" name="Tekstvak 76"/>
+          <p:cNvSpPr txBox="1"/>
+          <p:nvPr/>
+        </p:nvSpPr>
+        <p:spPr>
+          <a:xfrm>
+            <a:off x="7780689" y="4791459"/>
+            <a:ext cx="1346907" cy="646331"/>
+          </a:xfrm>
+          <a:prstGeom prst="rect">
+            <a:avLst/>
+          </a:prstGeom>
+          <a:noFill/>
+        </p:spPr>
+        <p:txBody>
+          <a:bodyPr wrap="none" rtlCol="0">
+            <a:spAutoFit/>
+          </a:bodyPr>
+          <a:lstStyle/>
+          <a:p>
+            <a:r>
+              <a:rPr lang="nl-NL" dirty="0" smtClean="0"/>
+              <a:t>Receivers /</a:t>
+            </a:r>
+          </a:p>
+          <a:p>
+            <a:r>
+              <a:rPr lang="nl-NL" dirty="0" smtClean="0"/>
+              <a:t>Transmitters</a:t>
+            </a:r>
+            <a:endParaRPr lang="nl-NL" dirty="0"/>
+          </a:p>
+        </p:txBody>
+      </p:sp>
+      <p:sp>
+        <p:nvSpPr>
+          <p:cNvPr id="91" name="Tekstvak 90"/>
+          <p:cNvSpPr txBox="1"/>
+          <p:nvPr/>
+        </p:nvSpPr>
+        <p:spPr>
+          <a:xfrm>
+            <a:off x="3059832" y="4869160"/>
+            <a:ext cx="659155" cy="369332"/>
+          </a:xfrm>
+          <a:prstGeom prst="rect">
+            <a:avLst/>
+          </a:prstGeom>
+          <a:noFill/>
+        </p:spPr>
+        <p:txBody>
+          <a:bodyPr wrap="none" rtlCol="0">
+            <a:spAutoFit/>
+          </a:bodyPr>
+          <a:lstStyle/>
+          <a:p>
+            <a:r>
+              <a:rPr lang="nl-NL" dirty="0" smtClean="0"/>
+              <a:t>GPIO</a:t>
+            </a:r>
+            <a:endParaRPr lang="nl-NL" dirty="0"/>
+          </a:p>
+        </p:txBody>
+      </p:sp>
+      <p:cxnSp>
+        <p:nvCxnSpPr>
+          <p:cNvPr id="96" name="Rechte verbindingslijn met pijl 95"/>
+          <p:cNvCxnSpPr/>
+          <p:nvPr/>
+        </p:nvCxnSpPr>
+        <p:spPr>
+          <a:xfrm>
+            <a:off x="2121625" y="2372297"/>
+            <a:ext cx="927252" cy="4344"/>
+          </a:xfrm>
+          <a:prstGeom prst="straightConnector1">
+            <a:avLst/>
+          </a:prstGeom>
+          <a:ln>
+            <a:tailEnd type="triangle"/>
+          </a:ln>
+        </p:spPr>
+        <p:style>
+          <a:lnRef idx="3">
+            <a:schemeClr val="accent1"/>
+          </a:lnRef>
+          <a:fillRef idx="0">
+            <a:schemeClr val="accent1"/>
+          </a:fillRef>
+          <a:effectRef idx="2">
+            <a:schemeClr val="accent1"/>
+          </a:effectRef>
+          <a:fontRef idx="minor">
+            <a:schemeClr val="tx1"/>
+          </a:fontRef>
+        </p:style>
+      </p:cxnSp>
+      <p:cxnSp>
+        <p:nvCxnSpPr>
+          <p:cNvPr id="98" name="Rechte verbindingslijn met pijl 97"/>
+          <p:cNvCxnSpPr/>
+          <p:nvPr/>
+        </p:nvCxnSpPr>
+        <p:spPr>
+          <a:xfrm>
+            <a:off x="2251564" y="2118558"/>
+            <a:ext cx="927252" cy="4344"/>
+          </a:xfrm>
+          <a:prstGeom prst="straightConnector1">
+            <a:avLst/>
+          </a:prstGeom>
+          <a:ln>
+            <a:tailEnd type="triangle"/>
+          </a:ln>
+        </p:spPr>
+        <p:style>
+          <a:lnRef idx="3">
+            <a:schemeClr val="accent1"/>
+          </a:lnRef>
+          <a:fillRef idx="0">
+            <a:schemeClr val="accent1"/>
+          </a:fillRef>
+          <a:effectRef idx="2">
+            <a:schemeClr val="accent1"/>
+          </a:effectRef>
+          <a:fontRef idx="minor">
+            <a:schemeClr val="tx1"/>
+          </a:fontRef>
+        </p:style>
+      </p:cxnSp>
+      <p:sp>
+        <p:nvSpPr>
+          <p:cNvPr id="105" name="Wolkvormige toelichting 104"/>
+          <p:cNvSpPr/>
+          <p:nvPr/>
+        </p:nvSpPr>
+        <p:spPr>
+          <a:xfrm>
+            <a:off x="5163618" y="3789040"/>
+            <a:ext cx="1895900" cy="1071952"/>
+          </a:xfrm>
+          <a:prstGeom prst="cloudCallout">
+            <a:avLst/>
+          </a:prstGeom>
+          <a:solidFill>
+            <a:schemeClr val="accent5">
+              <a:lumMod val="20000"/>
+              <a:lumOff val="80000"/>
+            </a:schemeClr>
+          </a:solidFill>
+        </p:spPr>
+        <p:style>
+          <a:lnRef idx="2">
+            <a:schemeClr val="accent1">
+              <a:shade val="50000"/>
+            </a:schemeClr>
+          </a:lnRef>
+          <a:fillRef idx="1">
+            <a:schemeClr val="accent1"/>
+          </a:fillRef>
+          <a:effectRef idx="0">
+            <a:schemeClr val="accent1"/>
+          </a:effectRef>
+          <a:fontRef idx="minor">
+            <a:schemeClr val="lt1"/>
+          </a:fontRef>
+        </p:style>
+        <p:txBody>
+          <a:bodyPr rtlCol="0" anchor="ctr"/>
+          <a:lstStyle/>
+          <a:p>
+            <a:pPr algn="ctr"/>
+            <a:endParaRPr lang="en-US"/>
+          </a:p>
+        </p:txBody>
+      </p:sp>
+      <p:sp>
+        <p:nvSpPr>
+          <p:cNvPr id="48" name="Stroomdiagram: Alternatief proces 47"/>
+          <p:cNvSpPr/>
+          <p:nvPr/>
+        </p:nvSpPr>
+        <p:spPr>
+          <a:xfrm>
+            <a:off x="475928" y="5093568"/>
+            <a:ext cx="1694419" cy="659832"/>
+          </a:xfrm>
+          <a:prstGeom prst="flowChartAlternateProcess">
+            <a:avLst/>
+          </a:prstGeom>
+          <a:solidFill>
+            <a:schemeClr val="accent6">
+              <a:lumMod val="60000"/>
+              <a:lumOff val="40000"/>
+            </a:schemeClr>
+          </a:solidFill>
+        </p:spPr>
+        <p:style>
+          <a:lnRef idx="2">
+            <a:schemeClr val="accent1">
+              <a:shade val="50000"/>
+            </a:schemeClr>
+          </a:lnRef>
+          <a:fillRef idx="1">
+            <a:schemeClr val="accent1"/>
+          </a:fillRef>
+          <a:effectRef idx="0">
+            <a:schemeClr val="accent1"/>
+          </a:effectRef>
+          <a:fontRef idx="minor">
+            <a:schemeClr val="lt1"/>
+          </a:fontRef>
+        </p:style>
+        <p:txBody>
+          <a:bodyPr rtlCol="0" anchor="ctr"/>
+          <a:lstStyle/>
+          <a:p>
+            <a:pPr algn="ctr"/>
+            <a:r>
+              <a:rPr lang="nl-NL" dirty="0" err="1" smtClean="0"/>
+              <a:t>LoRa</a:t>
+            </a:r>
+            <a:r>
+              <a:rPr lang="nl-NL" dirty="0" smtClean="0"/>
+              <a:t> </a:t>
+            </a:r>
+            <a:r>
+              <a:rPr lang="nl-NL" dirty="0" smtClean="0"/>
+              <a:t>Gateway</a:t>
+            </a:r>
+            <a:endParaRPr lang="en-US" dirty="0"/>
+          </a:p>
+        </p:txBody>
+      </p:sp>
+    </p:spTree>
+    <p:extLst>
+      <p:ext uri="{BB962C8B-B14F-4D97-AF65-F5344CB8AC3E}">
+        <p14:creationId xmlns:p14="http://schemas.microsoft.com/office/powerpoint/2010/main" val="3018103330"/>
+      </p:ext>
+    </p:extLst>
+  </p:cSld>
+  <p:clrMapOvr>
+    <a:masterClrMapping/>
+  </p:clrMapOvr>
 </p:sld>
 </file>
 
